--- a/src/main/resources/plots/Near duplicate states with kelp.pptx
+++ b/src/main/resources/plots/Near duplicate states with kelp.pptx
@@ -9,7 +9,7 @@
     <p:sldId id="277" r:id="rId3"/>
     <p:sldId id="256" r:id="rId4"/>
     <p:sldId id="257" r:id="rId5"/>
-    <p:sldId id="258" r:id="rId6"/>
+    <p:sldId id="329" r:id="rId6"/>
     <p:sldId id="259" r:id="rId7"/>
     <p:sldId id="260" r:id="rId8"/>
     <p:sldId id="261" r:id="rId9"/>
@@ -37,26 +37,28 @@
     <p:sldId id="285" r:id="rId31"/>
     <p:sldId id="286" r:id="rId32"/>
     <p:sldId id="287" r:id="rId33"/>
-    <p:sldId id="288" r:id="rId34"/>
-    <p:sldId id="289" r:id="rId35"/>
-    <p:sldId id="290" r:id="rId36"/>
-    <p:sldId id="291" r:id="rId37"/>
-    <p:sldId id="292" r:id="rId38"/>
-    <p:sldId id="293" r:id="rId39"/>
-    <p:sldId id="294" r:id="rId40"/>
-    <p:sldId id="295" r:id="rId41"/>
-    <p:sldId id="296" r:id="rId42"/>
-    <p:sldId id="297" r:id="rId43"/>
-    <p:sldId id="298" r:id="rId44"/>
-    <p:sldId id="299" r:id="rId45"/>
-    <p:sldId id="300" r:id="rId46"/>
-    <p:sldId id="301" r:id="rId47"/>
-    <p:sldId id="322" r:id="rId48"/>
-    <p:sldId id="324" r:id="rId49"/>
-    <p:sldId id="325" r:id="rId50"/>
-    <p:sldId id="326" r:id="rId51"/>
-    <p:sldId id="327" r:id="rId52"/>
-    <p:sldId id="328" r:id="rId53"/>
+    <p:sldId id="294" r:id="rId34"/>
+    <p:sldId id="288" r:id="rId35"/>
+    <p:sldId id="289" r:id="rId36"/>
+    <p:sldId id="290" r:id="rId37"/>
+    <p:sldId id="291" r:id="rId38"/>
+    <p:sldId id="292" r:id="rId39"/>
+    <p:sldId id="293" r:id="rId40"/>
+    <p:sldId id="330" r:id="rId41"/>
+    <p:sldId id="331" r:id="rId42"/>
+    <p:sldId id="295" r:id="rId43"/>
+    <p:sldId id="296" r:id="rId44"/>
+    <p:sldId id="297" r:id="rId45"/>
+    <p:sldId id="298" r:id="rId46"/>
+    <p:sldId id="299" r:id="rId47"/>
+    <p:sldId id="300" r:id="rId48"/>
+    <p:sldId id="301" r:id="rId49"/>
+    <p:sldId id="322" r:id="rId50"/>
+    <p:sldId id="324" r:id="rId51"/>
+    <p:sldId id="325" r:id="rId52"/>
+    <p:sldId id="326" r:id="rId53"/>
+    <p:sldId id="327" r:id="rId54"/>
+    <p:sldId id="328" r:id="rId55"/>
   </p:sldIdLst>
   <p:sldSz cx="12192000" cy="6858000"/>
   <p:notesSz cx="7559675" cy="10691813"/>
@@ -2521,8 +2523,13 @@
             </a:pPr>
             <a:r>
               <a:rPr lang="it-IT" dirty="0"/>
-              <a:t>First Experiment</a:t>
+              <a:t>First Experiment c=1</a:t>
             </a:r>
+            <a:r>
+              <a:rPr lang="it-IT" baseline="0" dirty="0"/>
+              <a:t> gamma=1e5 – f1</a:t>
+            </a:r>
+            <a:endParaRPr lang="it-IT" dirty="0"/>
           </a:p>
         </c:rich>
       </c:tx>
@@ -2645,38 +2652,71 @@
           </c:dLbls>
           <c:cat>
             <c:strRef>
-              <c:f>Foglio1!$A$2:$A$4</c:f>
+              <c:f>Foglio1!$A$2:$A$10</c:f>
               <c:strCache>
-                <c:ptCount val="3"/>
+                <c:ptCount val="9"/>
                 <c:pt idx="0">
-                  <c:v>For f1
-gamma: - C: </c:v>
+                  <c:v>addressbook</c:v>
                 </c:pt>
                 <c:pt idx="1">
-                  <c:v>For Precision
-gamma: - C: </c:v>
+                  <c:v>claroline</c:v>
                 </c:pt>
                 <c:pt idx="2">
-                  <c:v>For Recall
-gamma: - C: </c:v>
+                  <c:v>dimeshift</c:v>
+                </c:pt>
+                <c:pt idx="3">
+                  <c:v>mantisbt</c:v>
+                </c:pt>
+                <c:pt idx="4">
+                  <c:v>mrbs</c:v>
+                </c:pt>
+                <c:pt idx="5">
+                  <c:v>pagekit</c:v>
+                </c:pt>
+                <c:pt idx="6">
+                  <c:v>petclinic</c:v>
+                </c:pt>
+                <c:pt idx="7">
+                  <c:v>phoenix</c:v>
+                </c:pt>
+                <c:pt idx="8">
+                  <c:v>ppma</c:v>
                 </c:pt>
               </c:strCache>
             </c:strRef>
           </c:cat>
           <c:val>
             <c:numRef>
-              <c:f>Foglio1!$B$2:$B$4</c:f>
+              <c:f>Foglio1!$B$2:$B$10</c:f>
               <c:numCache>
                 <c:formatCode>General</c:formatCode>
-                <c:ptCount val="3"/>
+                <c:ptCount val="9"/>
                 <c:pt idx="0">
-                  <c:v>4.3</c:v>
+                  <c:v>0.87</c:v>
                 </c:pt>
                 <c:pt idx="1">
-                  <c:v>2.5</c:v>
+                  <c:v>0.74</c:v>
                 </c:pt>
                 <c:pt idx="2">
-                  <c:v>3.5</c:v>
+                  <c:v>0.25</c:v>
+                </c:pt>
+                <c:pt idx="3">
+                  <c:v>0.53</c:v>
+                </c:pt>
+                <c:pt idx="4">
+                  <c:v>0.65</c:v>
+                </c:pt>
+                <c:pt idx="5">
+                  <c:v>0.62</c:v>
+                </c:pt>
+                <c:pt idx="6">
+                  <c:v>0.6</c:v>
+                </c:pt>
+                <c:pt idx="7">
+                  <c:v>0.62</c:v>
+                </c:pt>
+                <c:pt idx="8">
+                  <c:v>0.25</c:v>
                 </c:pt>
               </c:numCache>
             </c:numRef>
@@ -2696,7 +2736,7 @@
               <c:strCache>
                 <c:ptCount val="1"/>
                 <c:pt idx="0">
-                  <c:v>Precision</c:v>
+                  <c:v>precision</c:v>
                 </c:pt>
               </c:strCache>
             </c:strRef>
@@ -2770,38 +2810,71 @@
           </c:dLbls>
           <c:cat>
             <c:strRef>
-              <c:f>Foglio1!$A$2:$A$4</c:f>
+              <c:f>Foglio1!$A$2:$A$10</c:f>
               <c:strCache>
-                <c:ptCount val="3"/>
+                <c:ptCount val="9"/>
                 <c:pt idx="0">
-                  <c:v>For f1
-gamma: - C: </c:v>
+                  <c:v>addressbook</c:v>
                 </c:pt>
                 <c:pt idx="1">
-                  <c:v>For Precision
-gamma: - C: </c:v>
+                  <c:v>claroline</c:v>
                 </c:pt>
                 <c:pt idx="2">
-                  <c:v>For Recall
-gamma: - C: </c:v>
+                  <c:v>dimeshift</c:v>
+                </c:pt>
+                <c:pt idx="3">
+                  <c:v>mantisbt</c:v>
+                </c:pt>
+                <c:pt idx="4">
+                  <c:v>mrbs</c:v>
+                </c:pt>
+                <c:pt idx="5">
+                  <c:v>pagekit</c:v>
+                </c:pt>
+                <c:pt idx="6">
+                  <c:v>petclinic</c:v>
+                </c:pt>
+                <c:pt idx="7">
+                  <c:v>phoenix</c:v>
+                </c:pt>
+                <c:pt idx="8">
+                  <c:v>ppma</c:v>
                 </c:pt>
               </c:strCache>
             </c:strRef>
           </c:cat>
           <c:val>
             <c:numRef>
-              <c:f>Foglio1!$C$2:$C$4</c:f>
+              <c:f>Foglio1!$C$2:$C$10</c:f>
               <c:numCache>
                 <c:formatCode>General</c:formatCode>
-                <c:ptCount val="3"/>
+                <c:ptCount val="9"/>
                 <c:pt idx="0">
-                  <c:v>2.4</c:v>
+                  <c:v>0.84</c:v>
                 </c:pt>
                 <c:pt idx="1">
-                  <c:v>4.4000000000000004</c:v>
+                  <c:v>0.57999999999999996</c:v>
                 </c:pt>
                 <c:pt idx="2">
-                  <c:v>1.8</c:v>
+                  <c:v>0.14000000000000001</c:v>
+                </c:pt>
+                <c:pt idx="3">
+                  <c:v>0.37</c:v>
+                </c:pt>
+                <c:pt idx="4">
+                  <c:v>0.48</c:v>
+                </c:pt>
+                <c:pt idx="5">
+                  <c:v>0.54</c:v>
+                </c:pt>
+                <c:pt idx="6">
+                  <c:v>0.46</c:v>
+                </c:pt>
+                <c:pt idx="7">
+                  <c:v>0.83</c:v>
+                </c:pt>
+                <c:pt idx="8">
+                  <c:v>0.14000000000000001</c:v>
                 </c:pt>
               </c:numCache>
             </c:numRef>
@@ -2821,7 +2894,7 @@
               <c:strCache>
                 <c:ptCount val="1"/>
                 <c:pt idx="0">
-                  <c:v>Recall</c:v>
+                  <c:v>recall</c:v>
                 </c:pt>
               </c:strCache>
             </c:strRef>
@@ -2895,38 +2968,71 @@
           </c:dLbls>
           <c:cat>
             <c:strRef>
-              <c:f>Foglio1!$A$2:$A$4</c:f>
+              <c:f>Foglio1!$A$2:$A$10</c:f>
               <c:strCache>
-                <c:ptCount val="3"/>
+                <c:ptCount val="9"/>
                 <c:pt idx="0">
-                  <c:v>For f1
-gamma: - C: </c:v>
+                  <c:v>addressbook</c:v>
                 </c:pt>
                 <c:pt idx="1">
-                  <c:v>For Precision
-gamma: - C: </c:v>
+                  <c:v>claroline</c:v>
                 </c:pt>
                 <c:pt idx="2">
-                  <c:v>For Recall
-gamma: - C: </c:v>
+                  <c:v>dimeshift</c:v>
+                </c:pt>
+                <c:pt idx="3">
+                  <c:v>mantisbt</c:v>
+                </c:pt>
+                <c:pt idx="4">
+                  <c:v>mrbs</c:v>
+                </c:pt>
+                <c:pt idx="5">
+                  <c:v>pagekit</c:v>
+                </c:pt>
+                <c:pt idx="6">
+                  <c:v>petclinic</c:v>
+                </c:pt>
+                <c:pt idx="7">
+                  <c:v>phoenix</c:v>
+                </c:pt>
+                <c:pt idx="8">
+                  <c:v>ppma</c:v>
                 </c:pt>
               </c:strCache>
             </c:strRef>
           </c:cat>
           <c:val>
             <c:numRef>
-              <c:f>Foglio1!$D$2:$D$4</c:f>
+              <c:f>Foglio1!$D$2:$D$10</c:f>
               <c:numCache>
                 <c:formatCode>General</c:formatCode>
-                <c:ptCount val="3"/>
+                <c:ptCount val="9"/>
                 <c:pt idx="0">
-                  <c:v>2</c:v>
+                  <c:v>0.9</c:v>
                 </c:pt>
                 <c:pt idx="1">
-                  <c:v>2</c:v>
+                  <c:v>1</c:v>
                 </c:pt>
                 <c:pt idx="2">
-                  <c:v>3</c:v>
+                  <c:v>0.98</c:v>
+                </c:pt>
+                <c:pt idx="3">
+                  <c:v>0.97</c:v>
+                </c:pt>
+                <c:pt idx="4">
+                  <c:v>0.98</c:v>
+                </c:pt>
+                <c:pt idx="5">
+                  <c:v>0.72</c:v>
+                </c:pt>
+                <c:pt idx="6">
+                  <c:v>0.84</c:v>
+                </c:pt>
+                <c:pt idx="7">
+                  <c:v>0.5</c:v>
+                </c:pt>
+                <c:pt idx="8">
+                  <c:v>1</c:v>
                 </c:pt>
               </c:numCache>
             </c:numRef>
@@ -2946,7 +3052,7 @@
               <c:strCache>
                 <c:ptCount val="1"/>
                 <c:pt idx="0">
-                  <c:v>Accuracy</c:v>
+                  <c:v>accuracy</c:v>
                 </c:pt>
               </c:strCache>
             </c:strRef>
@@ -3020,38 +3126,71 @@
           </c:dLbls>
           <c:cat>
             <c:strRef>
-              <c:f>Foglio1!$A$2:$A$4</c:f>
+              <c:f>Foglio1!$A$2:$A$10</c:f>
               <c:strCache>
-                <c:ptCount val="3"/>
+                <c:ptCount val="9"/>
                 <c:pt idx="0">
-                  <c:v>For f1
-gamma: - C: </c:v>
+                  <c:v>addressbook</c:v>
                 </c:pt>
                 <c:pt idx="1">
-                  <c:v>For Precision
-gamma: - C: </c:v>
+                  <c:v>claroline</c:v>
                 </c:pt>
                 <c:pt idx="2">
-                  <c:v>For Recall
-gamma: - C: </c:v>
+                  <c:v>dimeshift</c:v>
+                </c:pt>
+                <c:pt idx="3">
+                  <c:v>mantisbt</c:v>
+                </c:pt>
+                <c:pt idx="4">
+                  <c:v>mrbs</c:v>
+                </c:pt>
+                <c:pt idx="5">
+                  <c:v>pagekit</c:v>
+                </c:pt>
+                <c:pt idx="6">
+                  <c:v>petclinic</c:v>
+                </c:pt>
+                <c:pt idx="7">
+                  <c:v>phoenix</c:v>
+                </c:pt>
+                <c:pt idx="8">
+                  <c:v>ppma</c:v>
                 </c:pt>
               </c:strCache>
             </c:strRef>
           </c:cat>
           <c:val>
             <c:numRef>
-              <c:f>Foglio1!$E$2:$E$4</c:f>
+              <c:f>Foglio1!$E$2:$E$10</c:f>
               <c:numCache>
                 <c:formatCode>General</c:formatCode>
-                <c:ptCount val="3"/>
+                <c:ptCount val="9"/>
                 <c:pt idx="0">
-                  <c:v>1</c:v>
+                  <c:v>0.92</c:v>
                 </c:pt>
                 <c:pt idx="1">
-                  <c:v>1</c:v>
+                  <c:v>0.88</c:v>
                 </c:pt>
                 <c:pt idx="2">
-                  <c:v>1</c:v>
+                  <c:v>0.53</c:v>
+                </c:pt>
+                <c:pt idx="3">
+                  <c:v>0.83</c:v>
+                </c:pt>
+                <c:pt idx="4">
+                  <c:v>0.61</c:v>
+                </c:pt>
+                <c:pt idx="5">
+                  <c:v>0.64</c:v>
+                </c:pt>
+                <c:pt idx="6">
+                  <c:v>0.83</c:v>
+                </c:pt>
+                <c:pt idx="7">
+                  <c:v>0.75</c:v>
+                </c:pt>
+                <c:pt idx="8">
+                  <c:v>0.36</c:v>
                 </c:pt>
               </c:numCache>
             </c:numRef>
@@ -3263,14 +3402,38 @@
               </a:defRPr>
             </a:pPr>
             <a:r>
-              <a:rPr lang="it-IT" dirty="0"/>
-              <a:t>First </a:t>
+              <a:rPr lang="it-IT" sz="2128" b="1" i="0" u="none" strike="noStrike" kern="1200" cap="all" spc="120" normalizeH="0" baseline="0" dirty="0">
+                <a:solidFill>
+                  <a:srgbClr val="000000">
+                    <a:lumMod val="65000"/>
+                    <a:lumOff val="35000"/>
+                  </a:srgbClr>
+                </a:solidFill>
+              </a:rPr>
+              <a:t>First Experiment c=0.01 gamma=10 – </a:t>
             </a:r>
             <a:r>
-              <a:rPr lang="it-IT" dirty="0" err="1"/>
-              <a:t>experiment</a:t>
+              <a:rPr lang="it-IT" sz="2128" b="1" i="0" u="none" strike="noStrike" kern="1200" cap="all" spc="120" normalizeH="0" baseline="0" dirty="0" err="1">
+                <a:solidFill>
+                  <a:srgbClr val="000000">
+                    <a:lumMod val="65000"/>
+                    <a:lumOff val="35000"/>
+                  </a:srgbClr>
+                </a:solidFill>
+              </a:rPr>
+              <a:t>precision</a:t>
             </a:r>
-            <a:endParaRPr lang="it-IT" dirty="0"/>
+            <a:r>
+              <a:rPr lang="it-IT" sz="2128" b="1" i="0" u="none" strike="noStrike" kern="1200" cap="all" spc="120" normalizeH="0" baseline="0" dirty="0">
+                <a:solidFill>
+                  <a:srgbClr val="000000">
+                    <a:lumMod val="65000"/>
+                    <a:lumOff val="35000"/>
+                  </a:srgbClr>
+                </a:solidFill>
+              </a:rPr>
+              <a:t> e recall</a:t>
+            </a:r>
           </a:p>
         </c:rich>
       </c:tx>
@@ -3393,45 +3556,78 @@
           </c:dLbls>
           <c:cat>
             <c:strRef>
-              <c:f>Foglio1!$A$2:$A$4</c:f>
+              <c:f>Foglio1!$A$2:$A$10</c:f>
               <c:strCache>
-                <c:ptCount val="3"/>
+                <c:ptCount val="9"/>
                 <c:pt idx="0">
-                  <c:v>For f1
-gamma: - C: </c:v>
+                  <c:v>addressbook</c:v>
                 </c:pt>
                 <c:pt idx="1">
-                  <c:v>For Precision
-gamma: - C: </c:v>
+                  <c:v>claroline</c:v>
                 </c:pt>
                 <c:pt idx="2">
-                  <c:v>For Recall
-gamma: - C: </c:v>
+                  <c:v>dimeshift</c:v>
+                </c:pt>
+                <c:pt idx="3">
+                  <c:v>mantisbt</c:v>
+                </c:pt>
+                <c:pt idx="4">
+                  <c:v>mrbs</c:v>
+                </c:pt>
+                <c:pt idx="5">
+                  <c:v>pagekit</c:v>
+                </c:pt>
+                <c:pt idx="6">
+                  <c:v>petclinic</c:v>
+                </c:pt>
+                <c:pt idx="7">
+                  <c:v>phoenix</c:v>
+                </c:pt>
+                <c:pt idx="8">
+                  <c:v>ppma</c:v>
                 </c:pt>
               </c:strCache>
             </c:strRef>
           </c:cat>
           <c:val>
             <c:numRef>
-              <c:f>Foglio1!$B$2:$B$4</c:f>
+              <c:f>Foglio1!$B$2:$B$10</c:f>
               <c:numCache>
                 <c:formatCode>General</c:formatCode>
-                <c:ptCount val="3"/>
+                <c:ptCount val="9"/>
                 <c:pt idx="0">
-                  <c:v>4.3</c:v>
+                  <c:v>0.95</c:v>
                 </c:pt>
                 <c:pt idx="1">
-                  <c:v>2.5</c:v>
+                  <c:v>0.75</c:v>
                 </c:pt>
                 <c:pt idx="2">
-                  <c:v>3.5</c:v>
+                  <c:v>0.17</c:v>
+                </c:pt>
+                <c:pt idx="3">
+                  <c:v>0.55000000000000004</c:v>
+                </c:pt>
+                <c:pt idx="4">
+                  <c:v>0.64</c:v>
+                </c:pt>
+                <c:pt idx="5">
+                  <c:v>0.67</c:v>
+                </c:pt>
+                <c:pt idx="6">
+                  <c:v>0.72</c:v>
+                </c:pt>
+                <c:pt idx="7">
+                  <c:v>0.77</c:v>
+                </c:pt>
+                <c:pt idx="8">
+                  <c:v>0.23</c:v>
                 </c:pt>
               </c:numCache>
             </c:numRef>
           </c:val>
           <c:extLst>
             <c:ext xmlns:c16="http://schemas.microsoft.com/office/drawing/2014/chart" uri="{C3380CC4-5D6E-409C-BE32-E72D297353CC}">
-              <c16:uniqueId val="{00000000-05B6-A844-B3E2-283FF9F576E2}"/>
+              <c16:uniqueId val="{00000000-C1D5-A945-93AC-6B4DBF498D12}"/>
             </c:ext>
           </c:extLst>
         </c:ser>
@@ -3444,7 +3640,7 @@
               <c:strCache>
                 <c:ptCount val="1"/>
                 <c:pt idx="0">
-                  <c:v>Precision</c:v>
+                  <c:v>precision</c:v>
                 </c:pt>
               </c:strCache>
             </c:strRef>
@@ -3518,45 +3714,78 @@
           </c:dLbls>
           <c:cat>
             <c:strRef>
-              <c:f>Foglio1!$A$2:$A$4</c:f>
+              <c:f>Foglio1!$A$2:$A$10</c:f>
               <c:strCache>
-                <c:ptCount val="3"/>
+                <c:ptCount val="9"/>
                 <c:pt idx="0">
-                  <c:v>For f1
-gamma: - C: </c:v>
+                  <c:v>addressbook</c:v>
                 </c:pt>
                 <c:pt idx="1">
-                  <c:v>For Precision
-gamma: - C: </c:v>
+                  <c:v>claroline</c:v>
                 </c:pt>
                 <c:pt idx="2">
-                  <c:v>For Recall
-gamma: - C: </c:v>
+                  <c:v>dimeshift</c:v>
+                </c:pt>
+                <c:pt idx="3">
+                  <c:v>mantisbt</c:v>
+                </c:pt>
+                <c:pt idx="4">
+                  <c:v>mrbs</c:v>
+                </c:pt>
+                <c:pt idx="5">
+                  <c:v>pagekit</c:v>
+                </c:pt>
+                <c:pt idx="6">
+                  <c:v>petclinic</c:v>
+                </c:pt>
+                <c:pt idx="7">
+                  <c:v>phoenix</c:v>
+                </c:pt>
+                <c:pt idx="8">
+                  <c:v>ppma</c:v>
                 </c:pt>
               </c:strCache>
             </c:strRef>
           </c:cat>
           <c:val>
             <c:numRef>
-              <c:f>Foglio1!$C$2:$C$4</c:f>
+              <c:f>Foglio1!$C$2:$C$10</c:f>
               <c:numCache>
                 <c:formatCode>General</c:formatCode>
-                <c:ptCount val="3"/>
+                <c:ptCount val="9"/>
                 <c:pt idx="0">
-                  <c:v>2.4</c:v>
+                  <c:v>0.95</c:v>
                 </c:pt>
                 <c:pt idx="1">
-                  <c:v>4.4000000000000004</c:v>
+                  <c:v>0.6</c:v>
                 </c:pt>
                 <c:pt idx="2">
-                  <c:v>1.8</c:v>
+                  <c:v>0.09</c:v>
+                </c:pt>
+                <c:pt idx="3">
+                  <c:v>0.37</c:v>
+                </c:pt>
+                <c:pt idx="4">
+                  <c:v>0.47</c:v>
+                </c:pt>
+                <c:pt idx="5">
+                  <c:v>0.51</c:v>
+                </c:pt>
+                <c:pt idx="6">
+                  <c:v>0.56999999999999995</c:v>
+                </c:pt>
+                <c:pt idx="7">
+                  <c:v>0.83</c:v>
+                </c:pt>
+                <c:pt idx="8">
+                  <c:v>0.13</c:v>
                 </c:pt>
               </c:numCache>
             </c:numRef>
           </c:val>
           <c:extLst>
             <c:ext xmlns:c16="http://schemas.microsoft.com/office/drawing/2014/chart" uri="{C3380CC4-5D6E-409C-BE32-E72D297353CC}">
-              <c16:uniqueId val="{00000001-05B6-A844-B3E2-283FF9F576E2}"/>
+              <c16:uniqueId val="{00000001-C1D5-A945-93AC-6B4DBF498D12}"/>
             </c:ext>
           </c:extLst>
         </c:ser>
@@ -3569,7 +3798,7 @@
               <c:strCache>
                 <c:ptCount val="1"/>
                 <c:pt idx="0">
-                  <c:v>Recall</c:v>
+                  <c:v>recall</c:v>
                 </c:pt>
               </c:strCache>
             </c:strRef>
@@ -3643,45 +3872,78 @@
           </c:dLbls>
           <c:cat>
             <c:strRef>
-              <c:f>Foglio1!$A$2:$A$4</c:f>
+              <c:f>Foglio1!$A$2:$A$10</c:f>
               <c:strCache>
-                <c:ptCount val="3"/>
+                <c:ptCount val="9"/>
                 <c:pt idx="0">
-                  <c:v>For f1
-gamma: - C: </c:v>
+                  <c:v>addressbook</c:v>
                 </c:pt>
                 <c:pt idx="1">
-                  <c:v>For Precision
-gamma: - C: </c:v>
+                  <c:v>claroline</c:v>
                 </c:pt>
                 <c:pt idx="2">
-                  <c:v>For Recall
-gamma: - C: </c:v>
+                  <c:v>dimeshift</c:v>
+                </c:pt>
+                <c:pt idx="3">
+                  <c:v>mantisbt</c:v>
+                </c:pt>
+                <c:pt idx="4">
+                  <c:v>mrbs</c:v>
+                </c:pt>
+                <c:pt idx="5">
+                  <c:v>pagekit</c:v>
+                </c:pt>
+                <c:pt idx="6">
+                  <c:v>petclinic</c:v>
+                </c:pt>
+                <c:pt idx="7">
+                  <c:v>phoenix</c:v>
+                </c:pt>
+                <c:pt idx="8">
+                  <c:v>ppma</c:v>
                 </c:pt>
               </c:strCache>
             </c:strRef>
           </c:cat>
           <c:val>
             <c:numRef>
-              <c:f>Foglio1!$D$2:$D$4</c:f>
+              <c:f>Foglio1!$D$2:$D$10</c:f>
               <c:numCache>
                 <c:formatCode>General</c:formatCode>
-                <c:ptCount val="3"/>
+                <c:ptCount val="9"/>
                 <c:pt idx="0">
-                  <c:v>2</c:v>
+                  <c:v>0.94</c:v>
                 </c:pt>
                 <c:pt idx="1">
-                  <c:v>2</c:v>
+                  <c:v>1</c:v>
                 </c:pt>
                 <c:pt idx="2">
-                  <c:v>3</c:v>
+                  <c:v>1</c:v>
+                </c:pt>
+                <c:pt idx="3">
+                  <c:v>1</c:v>
+                </c:pt>
+                <c:pt idx="4">
+                  <c:v>0.98</c:v>
+                </c:pt>
+                <c:pt idx="5">
+                  <c:v>0.96</c:v>
+                </c:pt>
+                <c:pt idx="6">
+                  <c:v>1</c:v>
+                </c:pt>
+                <c:pt idx="7">
+                  <c:v>0.72</c:v>
+                </c:pt>
+                <c:pt idx="8">
+                  <c:v>1</c:v>
                 </c:pt>
               </c:numCache>
             </c:numRef>
           </c:val>
           <c:extLst>
             <c:ext xmlns:c16="http://schemas.microsoft.com/office/drawing/2014/chart" uri="{C3380CC4-5D6E-409C-BE32-E72D297353CC}">
-              <c16:uniqueId val="{00000002-05B6-A844-B3E2-283FF9F576E2}"/>
+              <c16:uniqueId val="{00000002-C1D5-A945-93AC-6B4DBF498D12}"/>
             </c:ext>
           </c:extLst>
         </c:ser>
@@ -3694,7 +3956,7 @@
               <c:strCache>
                 <c:ptCount val="1"/>
                 <c:pt idx="0">
-                  <c:v>Accuracy</c:v>
+                  <c:v>accuracy</c:v>
                 </c:pt>
               </c:strCache>
             </c:strRef>
@@ -3768,45 +4030,78 @@
           </c:dLbls>
           <c:cat>
             <c:strRef>
-              <c:f>Foglio1!$A$2:$A$4</c:f>
+              <c:f>Foglio1!$A$2:$A$10</c:f>
               <c:strCache>
-                <c:ptCount val="3"/>
+                <c:ptCount val="9"/>
                 <c:pt idx="0">
-                  <c:v>For f1
-gamma: - C: </c:v>
+                  <c:v>addressbook</c:v>
                 </c:pt>
                 <c:pt idx="1">
-                  <c:v>For Precision
-gamma: - C: </c:v>
+                  <c:v>claroline</c:v>
                 </c:pt>
                 <c:pt idx="2">
-                  <c:v>For Recall
-gamma: - C: </c:v>
+                  <c:v>dimeshift</c:v>
+                </c:pt>
+                <c:pt idx="3">
+                  <c:v>mantisbt</c:v>
+                </c:pt>
+                <c:pt idx="4">
+                  <c:v>mrbs</c:v>
+                </c:pt>
+                <c:pt idx="5">
+                  <c:v>pagekit</c:v>
+                </c:pt>
+                <c:pt idx="6">
+                  <c:v>petclinic</c:v>
+                </c:pt>
+                <c:pt idx="7">
+                  <c:v>phoenix</c:v>
+                </c:pt>
+                <c:pt idx="8">
+                  <c:v>ppma</c:v>
                 </c:pt>
               </c:strCache>
             </c:strRef>
           </c:cat>
           <c:val>
             <c:numRef>
-              <c:f>Foglio1!$E$2:$E$4</c:f>
+              <c:f>Foglio1!$E$2:$E$10</c:f>
               <c:numCache>
                 <c:formatCode>General</c:formatCode>
-                <c:ptCount val="3"/>
+                <c:ptCount val="9"/>
                 <c:pt idx="0">
-                  <c:v>1</c:v>
+                  <c:v>0.97</c:v>
                 </c:pt>
                 <c:pt idx="1">
-                  <c:v>1</c:v>
+                  <c:v>0.89</c:v>
                 </c:pt>
                 <c:pt idx="2">
-                  <c:v>1</c:v>
+                  <c:v>0.02</c:v>
+                </c:pt>
+                <c:pt idx="3">
+                  <c:v>0.83</c:v>
+                </c:pt>
+                <c:pt idx="4">
+                  <c:v>0.6</c:v>
+                </c:pt>
+                <c:pt idx="5">
+                  <c:v>0.6</c:v>
+                </c:pt>
+                <c:pt idx="6">
+                  <c:v>0.89</c:v>
+                </c:pt>
+                <c:pt idx="7">
+                  <c:v>0.82</c:v>
+                </c:pt>
+                <c:pt idx="8">
+                  <c:v>0.26</c:v>
                 </c:pt>
               </c:numCache>
             </c:numRef>
           </c:val>
           <c:extLst>
             <c:ext xmlns:c16="http://schemas.microsoft.com/office/drawing/2014/chart" uri="{C3380CC4-5D6E-409C-BE32-E72D297353CC}">
-              <c16:uniqueId val="{00000003-05B6-A844-B3E2-283FF9F576E2}"/>
+              <c16:uniqueId val="{00000003-C1D5-A945-93AC-6B4DBF498D12}"/>
             </c:ext>
           </c:extLst>
         </c:ser>
@@ -4011,14 +4306,35 @@
               </a:defRPr>
             </a:pPr>
             <a:r>
-              <a:rPr lang="it-IT" dirty="0"/>
-              <a:t>First </a:t>
+              <a:rPr lang="it-IT" sz="2128" b="1" i="0" u="none" strike="noStrike" kern="1200" cap="all" spc="120" normalizeH="0" baseline="0" dirty="0">
+                <a:solidFill>
+                  <a:srgbClr val="000000">
+                    <a:lumMod val="65000"/>
+                    <a:lumOff val="35000"/>
+                  </a:srgbClr>
+                </a:solidFill>
+              </a:rPr>
+              <a:t>First Experiment c=10 gamma=1 – f1 e </a:t>
             </a:r>
             <a:r>
-              <a:rPr lang="it-IT" dirty="0" err="1"/>
-              <a:t>experiment</a:t>
+              <a:rPr lang="it-IT" sz="2128" b="1" i="0" u="none" strike="noStrike" kern="1200" cap="all" spc="120" normalizeH="0" baseline="0" dirty="0" err="1">
+                <a:solidFill>
+                  <a:srgbClr val="000000">
+                    <a:lumMod val="65000"/>
+                    <a:lumOff val="35000"/>
+                  </a:srgbClr>
+                </a:solidFill>
+              </a:rPr>
+              <a:t>precision</a:t>
             </a:r>
-            <a:endParaRPr lang="it-IT" dirty="0"/>
+            <a:endParaRPr lang="it-IT" sz="2128" b="1" i="0" u="none" strike="noStrike" kern="1200" cap="all" spc="120" normalizeH="0" baseline="0" dirty="0">
+              <a:solidFill>
+                <a:srgbClr val="000000">
+                  <a:lumMod val="65000"/>
+                  <a:lumOff val="35000"/>
+                </a:srgbClr>
+              </a:solidFill>
+            </a:endParaRPr>
           </a:p>
         </c:rich>
       </c:tx>
@@ -4141,45 +4457,78 @@
           </c:dLbls>
           <c:cat>
             <c:strRef>
-              <c:f>Foglio1!$A$2:$A$4</c:f>
+              <c:f>Foglio1!$A$2:$A$10</c:f>
               <c:strCache>
-                <c:ptCount val="3"/>
+                <c:ptCount val="9"/>
                 <c:pt idx="0">
-                  <c:v>For f1
-gamma: - C: </c:v>
+                  <c:v>addressbook</c:v>
                 </c:pt>
                 <c:pt idx="1">
-                  <c:v>For Precision
-gamma: - C: </c:v>
+                  <c:v>claroline</c:v>
                 </c:pt>
                 <c:pt idx="2">
-                  <c:v>For Recall
-gamma: - C: </c:v>
+                  <c:v>dimeshift</c:v>
+                </c:pt>
+                <c:pt idx="3">
+                  <c:v>mantisbt</c:v>
+                </c:pt>
+                <c:pt idx="4">
+                  <c:v>mrbs</c:v>
+                </c:pt>
+                <c:pt idx="5">
+                  <c:v>pagekit</c:v>
+                </c:pt>
+                <c:pt idx="6">
+                  <c:v>petclinic</c:v>
+                </c:pt>
+                <c:pt idx="7">
+                  <c:v>phoenix</c:v>
+                </c:pt>
+                <c:pt idx="8">
+                  <c:v>ppma</c:v>
                 </c:pt>
               </c:strCache>
             </c:strRef>
           </c:cat>
           <c:val>
             <c:numRef>
-              <c:f>Foglio1!$B$2:$B$4</c:f>
+              <c:f>Foglio1!$B$2:$B$10</c:f>
               <c:numCache>
                 <c:formatCode>General</c:formatCode>
-                <c:ptCount val="3"/>
+                <c:ptCount val="9"/>
                 <c:pt idx="0">
-                  <c:v>4.3</c:v>
+                  <c:v>0.32</c:v>
                 </c:pt>
                 <c:pt idx="1">
-                  <c:v>2.5</c:v>
+                  <c:v>0.75</c:v>
                 </c:pt>
                 <c:pt idx="2">
-                  <c:v>3.5</c:v>
+                  <c:v>0.25</c:v>
+                </c:pt>
+                <c:pt idx="3">
+                  <c:v>0.54</c:v>
+                </c:pt>
+                <c:pt idx="4">
+                  <c:v>0.67</c:v>
+                </c:pt>
+                <c:pt idx="5">
+                  <c:v>0.42</c:v>
+                </c:pt>
+                <c:pt idx="6">
+                  <c:v>0.64</c:v>
+                </c:pt>
+                <c:pt idx="7">
+                  <c:v>0.34</c:v>
+                </c:pt>
+                <c:pt idx="8">
+                  <c:v>0.25</c:v>
                 </c:pt>
               </c:numCache>
             </c:numRef>
           </c:val>
           <c:extLst>
             <c:ext xmlns:c16="http://schemas.microsoft.com/office/drawing/2014/chart" uri="{C3380CC4-5D6E-409C-BE32-E72D297353CC}">
-              <c16:uniqueId val="{00000000-B8CE-B441-AD11-529AF179C3EF}"/>
+              <c16:uniqueId val="{00000000-C1D5-A945-93AC-6B4DBF498D12}"/>
             </c:ext>
           </c:extLst>
         </c:ser>
@@ -4192,7 +4541,7 @@
               <c:strCache>
                 <c:ptCount val="1"/>
                 <c:pt idx="0">
-                  <c:v>Precision</c:v>
+                  <c:v>precision</c:v>
                 </c:pt>
               </c:strCache>
             </c:strRef>
@@ -4266,45 +4615,78 @@
           </c:dLbls>
           <c:cat>
             <c:strRef>
-              <c:f>Foglio1!$A$2:$A$4</c:f>
+              <c:f>Foglio1!$A$2:$A$10</c:f>
               <c:strCache>
-                <c:ptCount val="3"/>
+                <c:ptCount val="9"/>
                 <c:pt idx="0">
-                  <c:v>For f1
-gamma: - C: </c:v>
+                  <c:v>addressbook</c:v>
                 </c:pt>
                 <c:pt idx="1">
-                  <c:v>For Precision
-gamma: - C: </c:v>
+                  <c:v>claroline</c:v>
                 </c:pt>
                 <c:pt idx="2">
-                  <c:v>For Recall
-gamma: - C: </c:v>
+                  <c:v>dimeshift</c:v>
+                </c:pt>
+                <c:pt idx="3">
+                  <c:v>mantisbt</c:v>
+                </c:pt>
+                <c:pt idx="4">
+                  <c:v>mrbs</c:v>
+                </c:pt>
+                <c:pt idx="5">
+                  <c:v>pagekit</c:v>
+                </c:pt>
+                <c:pt idx="6">
+                  <c:v>petclinic</c:v>
+                </c:pt>
+                <c:pt idx="7">
+                  <c:v>phoenix</c:v>
+                </c:pt>
+                <c:pt idx="8">
+                  <c:v>ppma</c:v>
                 </c:pt>
               </c:strCache>
             </c:strRef>
           </c:cat>
           <c:val>
             <c:numRef>
-              <c:f>Foglio1!$C$2:$C$4</c:f>
+              <c:f>Foglio1!$C$2:$C$10</c:f>
               <c:numCache>
                 <c:formatCode>General</c:formatCode>
-                <c:ptCount val="3"/>
+                <c:ptCount val="9"/>
                 <c:pt idx="0">
-                  <c:v>2.4</c:v>
+                  <c:v>0.96</c:v>
                 </c:pt>
                 <c:pt idx="1">
-                  <c:v>4.4000000000000004</c:v>
+                  <c:v>0.6</c:v>
                 </c:pt>
                 <c:pt idx="2">
-                  <c:v>1.8</c:v>
+                  <c:v>0.15</c:v>
+                </c:pt>
+                <c:pt idx="3">
+                  <c:v>0.37</c:v>
+                </c:pt>
+                <c:pt idx="4">
+                  <c:v>0.51</c:v>
+                </c:pt>
+                <c:pt idx="5">
+                  <c:v>0.53</c:v>
+                </c:pt>
+                <c:pt idx="6">
+                  <c:v>0.49</c:v>
+                </c:pt>
+                <c:pt idx="7">
+                  <c:v>0.84</c:v>
+                </c:pt>
+                <c:pt idx="8">
+                  <c:v>0.14000000000000001</c:v>
                 </c:pt>
               </c:numCache>
             </c:numRef>
           </c:val>
           <c:extLst>
             <c:ext xmlns:c16="http://schemas.microsoft.com/office/drawing/2014/chart" uri="{C3380CC4-5D6E-409C-BE32-E72D297353CC}">
-              <c16:uniqueId val="{00000001-B8CE-B441-AD11-529AF179C3EF}"/>
+              <c16:uniqueId val="{00000001-C1D5-A945-93AC-6B4DBF498D12}"/>
             </c:ext>
           </c:extLst>
         </c:ser>
@@ -4317,7 +4699,7 @@
               <c:strCache>
                 <c:ptCount val="1"/>
                 <c:pt idx="0">
-                  <c:v>Recall</c:v>
+                  <c:v>recall</c:v>
                 </c:pt>
               </c:strCache>
             </c:strRef>
@@ -4391,45 +4773,78 @@
           </c:dLbls>
           <c:cat>
             <c:strRef>
-              <c:f>Foglio1!$A$2:$A$4</c:f>
+              <c:f>Foglio1!$A$2:$A$10</c:f>
               <c:strCache>
-                <c:ptCount val="3"/>
+                <c:ptCount val="9"/>
                 <c:pt idx="0">
-                  <c:v>For f1
-gamma: - C: </c:v>
+                  <c:v>addressbook</c:v>
                 </c:pt>
                 <c:pt idx="1">
-                  <c:v>For Precision
-gamma: - C: </c:v>
+                  <c:v>claroline</c:v>
                 </c:pt>
                 <c:pt idx="2">
-                  <c:v>For Recall
-gamma: - C: </c:v>
+                  <c:v>dimeshift</c:v>
+                </c:pt>
+                <c:pt idx="3">
+                  <c:v>mantisbt</c:v>
+                </c:pt>
+                <c:pt idx="4">
+                  <c:v>mrbs</c:v>
+                </c:pt>
+                <c:pt idx="5">
+                  <c:v>pagekit</c:v>
+                </c:pt>
+                <c:pt idx="6">
+                  <c:v>petclinic</c:v>
+                </c:pt>
+                <c:pt idx="7">
+                  <c:v>phoenix</c:v>
+                </c:pt>
+                <c:pt idx="8">
+                  <c:v>ppma</c:v>
                 </c:pt>
               </c:strCache>
             </c:strRef>
           </c:cat>
           <c:val>
             <c:numRef>
-              <c:f>Foglio1!$D$2:$D$4</c:f>
+              <c:f>Foglio1!$D$2:$D$10</c:f>
               <c:numCache>
                 <c:formatCode>General</c:formatCode>
-                <c:ptCount val="3"/>
+                <c:ptCount val="9"/>
                 <c:pt idx="0">
-                  <c:v>2</c:v>
+                  <c:v>0.19</c:v>
                 </c:pt>
                 <c:pt idx="1">
-                  <c:v>2</c:v>
+                  <c:v>1</c:v>
                 </c:pt>
                 <c:pt idx="2">
-                  <c:v>3</c:v>
+                  <c:v>1</c:v>
+                </c:pt>
+                <c:pt idx="3">
+                  <c:v>1</c:v>
+                </c:pt>
+                <c:pt idx="4">
+                  <c:v>0.98</c:v>
+                </c:pt>
+                <c:pt idx="5">
+                  <c:v>0.35</c:v>
+                </c:pt>
+                <c:pt idx="6">
+                  <c:v>0.9</c:v>
+                </c:pt>
+                <c:pt idx="7">
+                  <c:v>0.21</c:v>
+                </c:pt>
+                <c:pt idx="8">
+                  <c:v>1</c:v>
                 </c:pt>
               </c:numCache>
             </c:numRef>
           </c:val>
           <c:extLst>
             <c:ext xmlns:c16="http://schemas.microsoft.com/office/drawing/2014/chart" uri="{C3380CC4-5D6E-409C-BE32-E72D297353CC}">
-              <c16:uniqueId val="{00000002-B8CE-B441-AD11-529AF179C3EF}"/>
+              <c16:uniqueId val="{00000002-C1D5-A945-93AC-6B4DBF498D12}"/>
             </c:ext>
           </c:extLst>
         </c:ser>
@@ -4442,7 +4857,7 @@
               <c:strCache>
                 <c:ptCount val="1"/>
                 <c:pt idx="0">
-                  <c:v>Accuracy</c:v>
+                  <c:v>accuracy</c:v>
                 </c:pt>
               </c:strCache>
             </c:strRef>
@@ -4516,30 +4931,1802 @@
           </c:dLbls>
           <c:cat>
             <c:strRef>
-              <c:f>Foglio1!$A$2:$A$4</c:f>
+              <c:f>Foglio1!$A$2:$A$10</c:f>
               <c:strCache>
-                <c:ptCount val="3"/>
+                <c:ptCount val="9"/>
                 <c:pt idx="0">
-                  <c:v>For f1
-gamma: - C: </c:v>
+                  <c:v>addressbook</c:v>
                 </c:pt>
                 <c:pt idx="1">
-                  <c:v>For Precision
-gamma: - C: </c:v>
+                  <c:v>claroline</c:v>
                 </c:pt>
                 <c:pt idx="2">
-                  <c:v>For Recall
-gamma: - C: </c:v>
+                  <c:v>dimeshift</c:v>
+                </c:pt>
+                <c:pt idx="3">
+                  <c:v>mantisbt</c:v>
+                </c:pt>
+                <c:pt idx="4">
+                  <c:v>mrbs</c:v>
+                </c:pt>
+                <c:pt idx="5">
+                  <c:v>pagekit</c:v>
+                </c:pt>
+                <c:pt idx="6">
+                  <c:v>petclinic</c:v>
+                </c:pt>
+                <c:pt idx="7">
+                  <c:v>phoenix</c:v>
+                </c:pt>
+                <c:pt idx="8">
+                  <c:v>ppma</c:v>
                 </c:pt>
               </c:strCache>
             </c:strRef>
           </c:cat>
           <c:val>
             <c:numRef>
-              <c:f>Foglio1!$E$2:$E$4</c:f>
+              <c:f>Foglio1!$E$2:$E$10</c:f>
               <c:numCache>
                 <c:formatCode>General</c:formatCode>
-                <c:ptCount val="3"/>
+                <c:ptCount val="9"/>
+                <c:pt idx="0">
+                  <c:v>0.77</c:v>
+                </c:pt>
+                <c:pt idx="1">
+                  <c:v>0.89</c:v>
+                </c:pt>
+                <c:pt idx="2">
+                  <c:v>0.54</c:v>
+                </c:pt>
+                <c:pt idx="3">
+                  <c:v>0.83</c:v>
+                </c:pt>
+                <c:pt idx="4">
+                  <c:v>0.64</c:v>
+                </c:pt>
+                <c:pt idx="5">
+                  <c:v>0.61</c:v>
+                </c:pt>
+                <c:pt idx="6">
+                  <c:v>0.85</c:v>
+                </c:pt>
+                <c:pt idx="7">
+                  <c:v>0.66</c:v>
+                </c:pt>
+                <c:pt idx="8">
+                  <c:v>0.34</c:v>
+                </c:pt>
+              </c:numCache>
+            </c:numRef>
+          </c:val>
+          <c:extLst>
+            <c:ext xmlns:c16="http://schemas.microsoft.com/office/drawing/2014/chart" uri="{C3380CC4-5D6E-409C-BE32-E72D297353CC}">
+              <c16:uniqueId val="{00000003-C1D5-A945-93AC-6B4DBF498D12}"/>
+            </c:ext>
+          </c:extLst>
+        </c:ser>
+        <c:dLbls>
+          <c:dLblPos val="outEnd"/>
+          <c:showLegendKey val="0"/>
+          <c:showVal val="1"/>
+          <c:showCatName val="0"/>
+          <c:showSerName val="0"/>
+          <c:showPercent val="0"/>
+          <c:showBubbleSize val="0"/>
+        </c:dLbls>
+        <c:gapWidth val="444"/>
+        <c:overlap val="-90"/>
+        <c:axId val="1455392991"/>
+        <c:axId val="1454450943"/>
+      </c:barChart>
+      <c:catAx>
+        <c:axId val="1455392991"/>
+        <c:scaling>
+          <c:orientation val="minMax"/>
+        </c:scaling>
+        <c:delete val="0"/>
+        <c:axPos val="b"/>
+        <c:majorGridlines>
+          <c:spPr>
+            <a:ln w="9525" cap="flat" cmpd="sng" algn="ctr">
+              <a:solidFill>
+                <a:schemeClr val="tx1">
+                  <a:lumMod val="15000"/>
+                  <a:lumOff val="85000"/>
+                </a:schemeClr>
+              </a:solidFill>
+              <a:round/>
+            </a:ln>
+            <a:effectLst/>
+          </c:spPr>
+        </c:majorGridlines>
+        <c:numFmt formatCode="General" sourceLinked="1"/>
+        <c:majorTickMark val="none"/>
+        <c:minorTickMark val="none"/>
+        <c:tickLblPos val="nextTo"/>
+        <c:spPr>
+          <a:noFill/>
+          <a:ln w="9525" cap="flat" cmpd="sng" algn="ctr">
+            <a:solidFill>
+              <a:schemeClr val="tx1">
+                <a:lumMod val="15000"/>
+                <a:lumOff val="85000"/>
+              </a:schemeClr>
+            </a:solidFill>
+            <a:round/>
+          </a:ln>
+          <a:effectLst/>
+        </c:spPr>
+        <c:txPr>
+          <a:bodyPr rot="-60000000" spcFirstLastPara="1" vertOverflow="ellipsis" vert="horz" wrap="square" anchor="ctr" anchorCtr="1"/>
+          <a:lstStyle/>
+          <a:p>
+            <a:pPr>
+              <a:defRPr sz="1064" b="0" i="0" u="none" strike="noStrike" kern="1200" cap="all" spc="120" normalizeH="0" baseline="0">
+                <a:solidFill>
+                  <a:schemeClr val="tx1">
+                    <a:lumMod val="65000"/>
+                    <a:lumOff val="35000"/>
+                  </a:schemeClr>
+                </a:solidFill>
+                <a:latin typeface="+mn-lt"/>
+                <a:ea typeface="+mn-ea"/>
+                <a:cs typeface="+mn-cs"/>
+              </a:defRPr>
+            </a:pPr>
+            <a:endParaRPr lang="it-IT"/>
+          </a:p>
+        </c:txPr>
+        <c:crossAx val="1454450943"/>
+        <c:crosses val="autoZero"/>
+        <c:auto val="1"/>
+        <c:lblAlgn val="ctr"/>
+        <c:lblOffset val="100"/>
+        <c:noMultiLvlLbl val="0"/>
+      </c:catAx>
+      <c:valAx>
+        <c:axId val="1454450943"/>
+        <c:scaling>
+          <c:orientation val="minMax"/>
+        </c:scaling>
+        <c:delete val="1"/>
+        <c:axPos val="l"/>
+        <c:numFmt formatCode="General" sourceLinked="1"/>
+        <c:majorTickMark val="none"/>
+        <c:minorTickMark val="none"/>
+        <c:tickLblPos val="nextTo"/>
+        <c:crossAx val="1455392991"/>
+        <c:crosses val="autoZero"/>
+        <c:crossBetween val="between"/>
+      </c:valAx>
+      <c:spPr>
+        <a:noFill/>
+        <a:ln>
+          <a:noFill/>
+        </a:ln>
+        <a:effectLst/>
+      </c:spPr>
+    </c:plotArea>
+    <c:legend>
+      <c:legendPos val="t"/>
+      <c:overlay val="0"/>
+      <c:spPr>
+        <a:noFill/>
+        <a:ln>
+          <a:noFill/>
+        </a:ln>
+        <a:effectLst/>
+      </c:spPr>
+      <c:txPr>
+        <a:bodyPr rot="0" spcFirstLastPara="1" vertOverflow="ellipsis" vert="horz" wrap="square" anchor="ctr" anchorCtr="1"/>
+        <a:lstStyle/>
+        <a:p>
+          <a:pPr>
+            <a:defRPr sz="1197" b="0" i="0" u="none" strike="noStrike" kern="1200" baseline="0">
+              <a:solidFill>
+                <a:schemeClr val="tx1">
+                  <a:lumMod val="65000"/>
+                  <a:lumOff val="35000"/>
+                </a:schemeClr>
+              </a:solidFill>
+              <a:latin typeface="+mn-lt"/>
+              <a:ea typeface="+mn-ea"/>
+              <a:cs typeface="+mn-cs"/>
+            </a:defRPr>
+          </a:pPr>
+          <a:endParaRPr lang="it-IT"/>
+        </a:p>
+      </c:txPr>
+    </c:legend>
+    <c:plotVisOnly val="1"/>
+    <c:dispBlanksAs val="gap"/>
+    <c:extLst>
+      <c:ext xmlns:c16r3="http://schemas.microsoft.com/office/drawing/2017/03/chart" uri="{56B9EC1D-385E-4148-901F-78D8002777C0}">
+        <c16r3:dataDisplayOptions16>
+          <c16r3:dispNaAsBlank val="1"/>
+        </c16r3:dataDisplayOptions16>
+      </c:ext>
+    </c:extLst>
+    <c:showDLblsOverMax val="0"/>
+  </c:chart>
+  <c:spPr>
+    <a:noFill/>
+    <a:ln>
+      <a:noFill/>
+    </a:ln>
+    <a:effectLst/>
+  </c:spPr>
+  <c:txPr>
+    <a:bodyPr/>
+    <a:lstStyle/>
+    <a:p>
+      <a:pPr>
+        <a:defRPr/>
+      </a:pPr>
+      <a:endParaRPr lang="it-IT"/>
+    </a:p>
+  </c:txPr>
+  <c:externalData r:id="rId3">
+    <c:autoUpdate val="0"/>
+  </c:externalData>
+</c:chartSpace>
+</file>
+
+<file path=ppt/charts/chart8.xml><?xml version="1.0" encoding="utf-8"?>
+<c:chartSpace xmlns:c="http://schemas.openxmlformats.org/drawingml/2006/chart" xmlns:a="http://schemas.openxmlformats.org/drawingml/2006/main" xmlns:r="http://schemas.openxmlformats.org/officeDocument/2006/relationships" xmlns:c16r2="http://schemas.microsoft.com/office/drawing/2015/06/chart">
+  <c:date1904 val="0"/>
+  <c:lang val="it-IT"/>
+  <c:roundedCorners val="0"/>
+  <mc:AlternateContent xmlns:mc="http://schemas.openxmlformats.org/markup-compatibility/2006">
+    <mc:Choice xmlns:c14="http://schemas.microsoft.com/office/drawing/2007/8/2/chart" Requires="c14">
+      <c14:style val="102"/>
+    </mc:Choice>
+    <mc:Fallback>
+      <c:style val="2"/>
+    </mc:Fallback>
+  </mc:AlternateContent>
+  <c:chart>
+    <c:title>
+      <c:tx>
+        <c:rich>
+          <a:bodyPr rot="0" spcFirstLastPara="1" vertOverflow="ellipsis" vert="horz" wrap="square" anchor="ctr" anchorCtr="1"/>
+          <a:lstStyle/>
+          <a:p>
+            <a:pPr>
+              <a:defRPr sz="2128" b="1" i="0" u="none" strike="noStrike" kern="1200" cap="all" spc="120" normalizeH="0" baseline="0">
+                <a:solidFill>
+                  <a:schemeClr val="tx1">
+                    <a:lumMod val="65000"/>
+                    <a:lumOff val="35000"/>
+                  </a:schemeClr>
+                </a:solidFill>
+                <a:latin typeface="+mn-lt"/>
+                <a:ea typeface="+mn-ea"/>
+                <a:cs typeface="+mn-cs"/>
+              </a:defRPr>
+            </a:pPr>
+            <a:r>
+              <a:rPr lang="it-IT" sz="2128" b="1" i="0" u="none" strike="noStrike" kern="1200" cap="all" spc="120" normalizeH="0" baseline="0" dirty="0">
+                <a:solidFill>
+                  <a:srgbClr val="000000">
+                    <a:lumMod val="65000"/>
+                    <a:lumOff val="35000"/>
+                  </a:srgbClr>
+                </a:solidFill>
+              </a:rPr>
+              <a:t>First Experiment c=10 gamma=1 – recall</a:t>
+            </a:r>
+          </a:p>
+        </c:rich>
+      </c:tx>
+      <c:overlay val="0"/>
+      <c:spPr>
+        <a:noFill/>
+        <a:ln>
+          <a:noFill/>
+        </a:ln>
+        <a:effectLst/>
+      </c:spPr>
+      <c:txPr>
+        <a:bodyPr rot="0" spcFirstLastPara="1" vertOverflow="ellipsis" vert="horz" wrap="square" anchor="ctr" anchorCtr="1"/>
+        <a:lstStyle/>
+        <a:p>
+          <a:pPr>
+            <a:defRPr sz="2128" b="1" i="0" u="none" strike="noStrike" kern="1200" cap="all" spc="120" normalizeH="0" baseline="0">
+              <a:solidFill>
+                <a:schemeClr val="tx1">
+                  <a:lumMod val="65000"/>
+                  <a:lumOff val="35000"/>
+                </a:schemeClr>
+              </a:solidFill>
+              <a:latin typeface="+mn-lt"/>
+              <a:ea typeface="+mn-ea"/>
+              <a:cs typeface="+mn-cs"/>
+            </a:defRPr>
+          </a:pPr>
+          <a:endParaRPr lang="it-IT"/>
+        </a:p>
+      </c:txPr>
+    </c:title>
+    <c:autoTitleDeleted val="0"/>
+    <c:plotArea>
+      <c:layout/>
+      <c:barChart>
+        <c:barDir val="col"/>
+        <c:grouping val="clustered"/>
+        <c:varyColors val="0"/>
+        <c:ser>
+          <c:idx val="0"/>
+          <c:order val="0"/>
+          <c:tx>
+            <c:strRef>
+              <c:f>Foglio1!$B$1</c:f>
+              <c:strCache>
+                <c:ptCount val="1"/>
+                <c:pt idx="0">
+                  <c:v>f1</c:v>
+                </c:pt>
+              </c:strCache>
+            </c:strRef>
+          </c:tx>
+          <c:spPr>
+            <a:solidFill>
+              <a:schemeClr val="accent1"/>
+            </a:solidFill>
+            <a:ln>
+              <a:noFill/>
+            </a:ln>
+            <a:effectLst/>
+          </c:spPr>
+          <c:invertIfNegative val="0"/>
+          <c:dLbls>
+            <c:spPr>
+              <a:noFill/>
+              <a:ln>
+                <a:noFill/>
+              </a:ln>
+              <a:effectLst/>
+            </c:spPr>
+            <c:txPr>
+              <a:bodyPr rot="-5400000" spcFirstLastPara="1" vertOverflow="clip" horzOverflow="clip" vert="horz" wrap="square" lIns="38100" tIns="19050" rIns="38100" bIns="19050" anchor="ctr" anchorCtr="1">
+                <a:spAutoFit/>
+              </a:bodyPr>
+              <a:lstStyle/>
+              <a:p>
+                <a:pPr>
+                  <a:defRPr sz="1064" b="0" i="0" u="none" strike="noStrike" kern="1200" baseline="0">
+                    <a:solidFill>
+                      <a:schemeClr val="tx1">
+                        <a:lumMod val="50000"/>
+                        <a:lumOff val="50000"/>
+                      </a:schemeClr>
+                    </a:solidFill>
+                    <a:latin typeface="+mn-lt"/>
+                    <a:ea typeface="+mn-ea"/>
+                    <a:cs typeface="+mn-cs"/>
+                  </a:defRPr>
+                </a:pPr>
+                <a:endParaRPr lang="it-IT"/>
+              </a:p>
+            </c:txPr>
+            <c:dLblPos val="outEnd"/>
+            <c:showLegendKey val="0"/>
+            <c:showVal val="1"/>
+            <c:showCatName val="0"/>
+            <c:showSerName val="0"/>
+            <c:showPercent val="0"/>
+            <c:showBubbleSize val="0"/>
+            <c:showLeaderLines val="0"/>
+            <c:extLst>
+              <c:ext xmlns:c15="http://schemas.microsoft.com/office/drawing/2012/chart" uri="{CE6537A1-D6FC-4f65-9D91-7224C49458BB}">
+                <c15:showLeaderLines val="1"/>
+                <c15:leaderLines>
+                  <c:spPr>
+                    <a:ln w="9525">
+                      <a:solidFill>
+                        <a:schemeClr val="tx1">
+                          <a:lumMod val="35000"/>
+                          <a:lumOff val="65000"/>
+                        </a:schemeClr>
+                      </a:solidFill>
+                    </a:ln>
+                    <a:effectLst/>
+                  </c:spPr>
+                </c15:leaderLines>
+              </c:ext>
+            </c:extLst>
+          </c:dLbls>
+          <c:cat>
+            <c:strRef>
+              <c:f>Foglio1!$A$2:$A$10</c:f>
+              <c:strCache>
+                <c:ptCount val="9"/>
+                <c:pt idx="0">
+                  <c:v>addressbook</c:v>
+                </c:pt>
+                <c:pt idx="1">
+                  <c:v>claroline</c:v>
+                </c:pt>
+                <c:pt idx="2">
+                  <c:v>dimeshift</c:v>
+                </c:pt>
+                <c:pt idx="3">
+                  <c:v>mantisbt</c:v>
+                </c:pt>
+                <c:pt idx="4">
+                  <c:v>mrbs</c:v>
+                </c:pt>
+                <c:pt idx="5">
+                  <c:v>pagekit</c:v>
+                </c:pt>
+                <c:pt idx="6">
+                  <c:v>petclinic</c:v>
+                </c:pt>
+                <c:pt idx="7">
+                  <c:v>phoenix</c:v>
+                </c:pt>
+                <c:pt idx="8">
+                  <c:v>ppma</c:v>
+                </c:pt>
+              </c:strCache>
+            </c:strRef>
+          </c:cat>
+          <c:val>
+            <c:numRef>
+              <c:f>Foglio1!$B$2:$B$10</c:f>
+              <c:numCache>
+                <c:formatCode>General</c:formatCode>
+                <c:ptCount val="9"/>
+                <c:pt idx="0">
+                  <c:v>0.47</c:v>
+                </c:pt>
+                <c:pt idx="1">
+                  <c:v>0.66</c:v>
+                </c:pt>
+                <c:pt idx="2">
+                  <c:v>0.23</c:v>
+                </c:pt>
+                <c:pt idx="3">
+                  <c:v>0.53</c:v>
+                </c:pt>
+                <c:pt idx="4">
+                  <c:v>0.64</c:v>
+                </c:pt>
+                <c:pt idx="5">
+                  <c:v>0.47</c:v>
+                </c:pt>
+                <c:pt idx="6">
+                  <c:v>0.61</c:v>
+                </c:pt>
+                <c:pt idx="7">
+                  <c:v>0.48</c:v>
+                </c:pt>
+                <c:pt idx="8">
+                  <c:v>0.2</c:v>
+                </c:pt>
+              </c:numCache>
+            </c:numRef>
+          </c:val>
+          <c:extLst>
+            <c:ext xmlns:c16="http://schemas.microsoft.com/office/drawing/2014/chart" uri="{C3380CC4-5D6E-409C-BE32-E72D297353CC}">
+              <c16:uniqueId val="{00000000-C1D5-A945-93AC-6B4DBF498D12}"/>
+            </c:ext>
+          </c:extLst>
+        </c:ser>
+        <c:ser>
+          <c:idx val="1"/>
+          <c:order val="1"/>
+          <c:tx>
+            <c:strRef>
+              <c:f>Foglio1!$C$1</c:f>
+              <c:strCache>
+                <c:ptCount val="1"/>
+                <c:pt idx="0">
+                  <c:v>precision</c:v>
+                </c:pt>
+              </c:strCache>
+            </c:strRef>
+          </c:tx>
+          <c:spPr>
+            <a:solidFill>
+              <a:schemeClr val="accent2"/>
+            </a:solidFill>
+            <a:ln>
+              <a:noFill/>
+            </a:ln>
+            <a:effectLst/>
+          </c:spPr>
+          <c:invertIfNegative val="0"/>
+          <c:dLbls>
+            <c:spPr>
+              <a:noFill/>
+              <a:ln>
+                <a:noFill/>
+              </a:ln>
+              <a:effectLst/>
+            </c:spPr>
+            <c:txPr>
+              <a:bodyPr rot="-5400000" spcFirstLastPara="1" vertOverflow="clip" horzOverflow="clip" vert="horz" wrap="square" lIns="38100" tIns="19050" rIns="38100" bIns="19050" anchor="ctr" anchorCtr="1">
+                <a:spAutoFit/>
+              </a:bodyPr>
+              <a:lstStyle/>
+              <a:p>
+                <a:pPr>
+                  <a:defRPr sz="1064" b="0" i="0" u="none" strike="noStrike" kern="1200" baseline="0">
+                    <a:solidFill>
+                      <a:schemeClr val="tx1">
+                        <a:lumMod val="50000"/>
+                        <a:lumOff val="50000"/>
+                      </a:schemeClr>
+                    </a:solidFill>
+                    <a:latin typeface="+mn-lt"/>
+                    <a:ea typeface="+mn-ea"/>
+                    <a:cs typeface="+mn-cs"/>
+                  </a:defRPr>
+                </a:pPr>
+                <a:endParaRPr lang="it-IT"/>
+              </a:p>
+            </c:txPr>
+            <c:dLblPos val="outEnd"/>
+            <c:showLegendKey val="0"/>
+            <c:showVal val="1"/>
+            <c:showCatName val="0"/>
+            <c:showSerName val="0"/>
+            <c:showPercent val="0"/>
+            <c:showBubbleSize val="0"/>
+            <c:showLeaderLines val="0"/>
+            <c:extLst>
+              <c:ext xmlns:c15="http://schemas.microsoft.com/office/drawing/2012/chart" uri="{CE6537A1-D6FC-4f65-9D91-7224C49458BB}">
+                <c15:showLeaderLines val="1"/>
+                <c15:leaderLines>
+                  <c:spPr>
+                    <a:ln w="9525">
+                      <a:solidFill>
+                        <a:schemeClr val="tx1">
+                          <a:lumMod val="35000"/>
+                          <a:lumOff val="65000"/>
+                        </a:schemeClr>
+                      </a:solidFill>
+                    </a:ln>
+                    <a:effectLst/>
+                  </c:spPr>
+                </c15:leaderLines>
+              </c:ext>
+            </c:extLst>
+          </c:dLbls>
+          <c:cat>
+            <c:strRef>
+              <c:f>Foglio1!$A$2:$A$10</c:f>
+              <c:strCache>
+                <c:ptCount val="9"/>
+                <c:pt idx="0">
+                  <c:v>addressbook</c:v>
+                </c:pt>
+                <c:pt idx="1">
+                  <c:v>claroline</c:v>
+                </c:pt>
+                <c:pt idx="2">
+                  <c:v>dimeshift</c:v>
+                </c:pt>
+                <c:pt idx="3">
+                  <c:v>mantisbt</c:v>
+                </c:pt>
+                <c:pt idx="4">
+                  <c:v>mrbs</c:v>
+                </c:pt>
+                <c:pt idx="5">
+                  <c:v>pagekit</c:v>
+                </c:pt>
+                <c:pt idx="6">
+                  <c:v>petclinic</c:v>
+                </c:pt>
+                <c:pt idx="7">
+                  <c:v>phoenix</c:v>
+                </c:pt>
+                <c:pt idx="8">
+                  <c:v>ppma</c:v>
+                </c:pt>
+              </c:strCache>
+            </c:strRef>
+          </c:cat>
+          <c:val>
+            <c:numRef>
+              <c:f>Foglio1!$C$2:$C$10</c:f>
+              <c:numCache>
+                <c:formatCode>General</c:formatCode>
+                <c:ptCount val="9"/>
+                <c:pt idx="0">
+                  <c:v>0.96</c:v>
+                </c:pt>
+                <c:pt idx="1">
+                  <c:v>0.5</c:v>
+                </c:pt>
+                <c:pt idx="2">
+                  <c:v>0.13</c:v>
+                </c:pt>
+                <c:pt idx="3">
+                  <c:v>0.36</c:v>
+                </c:pt>
+                <c:pt idx="4">
+                  <c:v>0.47</c:v>
+                </c:pt>
+                <c:pt idx="5">
+                  <c:v>0.51</c:v>
+                </c:pt>
+                <c:pt idx="6">
+                  <c:v>0.44</c:v>
+                </c:pt>
+                <c:pt idx="7">
+                  <c:v>0.83</c:v>
+                </c:pt>
+                <c:pt idx="8">
+                  <c:v>0.11</c:v>
+                </c:pt>
+              </c:numCache>
+            </c:numRef>
+          </c:val>
+          <c:extLst>
+            <c:ext xmlns:c16="http://schemas.microsoft.com/office/drawing/2014/chart" uri="{C3380CC4-5D6E-409C-BE32-E72D297353CC}">
+              <c16:uniqueId val="{00000001-C1D5-A945-93AC-6B4DBF498D12}"/>
+            </c:ext>
+          </c:extLst>
+        </c:ser>
+        <c:ser>
+          <c:idx val="2"/>
+          <c:order val="2"/>
+          <c:tx>
+            <c:strRef>
+              <c:f>Foglio1!$D$1</c:f>
+              <c:strCache>
+                <c:ptCount val="1"/>
+                <c:pt idx="0">
+                  <c:v>recall</c:v>
+                </c:pt>
+              </c:strCache>
+            </c:strRef>
+          </c:tx>
+          <c:spPr>
+            <a:solidFill>
+              <a:schemeClr val="accent3"/>
+            </a:solidFill>
+            <a:ln>
+              <a:noFill/>
+            </a:ln>
+            <a:effectLst/>
+          </c:spPr>
+          <c:invertIfNegative val="0"/>
+          <c:dLbls>
+            <c:spPr>
+              <a:noFill/>
+              <a:ln>
+                <a:noFill/>
+              </a:ln>
+              <a:effectLst/>
+            </c:spPr>
+            <c:txPr>
+              <a:bodyPr rot="-5400000" spcFirstLastPara="1" vertOverflow="clip" horzOverflow="clip" vert="horz" wrap="square" lIns="38100" tIns="19050" rIns="38100" bIns="19050" anchor="ctr" anchorCtr="1">
+                <a:spAutoFit/>
+              </a:bodyPr>
+              <a:lstStyle/>
+              <a:p>
+                <a:pPr>
+                  <a:defRPr sz="1064" b="0" i="0" u="none" strike="noStrike" kern="1200" baseline="0">
+                    <a:solidFill>
+                      <a:schemeClr val="tx1">
+                        <a:lumMod val="50000"/>
+                        <a:lumOff val="50000"/>
+                      </a:schemeClr>
+                    </a:solidFill>
+                    <a:latin typeface="+mn-lt"/>
+                    <a:ea typeface="+mn-ea"/>
+                    <a:cs typeface="+mn-cs"/>
+                  </a:defRPr>
+                </a:pPr>
+                <a:endParaRPr lang="it-IT"/>
+              </a:p>
+            </c:txPr>
+            <c:dLblPos val="outEnd"/>
+            <c:showLegendKey val="0"/>
+            <c:showVal val="1"/>
+            <c:showCatName val="0"/>
+            <c:showSerName val="0"/>
+            <c:showPercent val="0"/>
+            <c:showBubbleSize val="0"/>
+            <c:showLeaderLines val="0"/>
+            <c:extLst>
+              <c:ext xmlns:c15="http://schemas.microsoft.com/office/drawing/2012/chart" uri="{CE6537A1-D6FC-4f65-9D91-7224C49458BB}">
+                <c15:showLeaderLines val="1"/>
+                <c15:leaderLines>
+                  <c:spPr>
+                    <a:ln w="9525">
+                      <a:solidFill>
+                        <a:schemeClr val="tx1">
+                          <a:lumMod val="35000"/>
+                          <a:lumOff val="65000"/>
+                        </a:schemeClr>
+                      </a:solidFill>
+                    </a:ln>
+                    <a:effectLst/>
+                  </c:spPr>
+                </c15:leaderLines>
+              </c:ext>
+            </c:extLst>
+          </c:dLbls>
+          <c:cat>
+            <c:strRef>
+              <c:f>Foglio1!$A$2:$A$10</c:f>
+              <c:strCache>
+                <c:ptCount val="9"/>
+                <c:pt idx="0">
+                  <c:v>addressbook</c:v>
+                </c:pt>
+                <c:pt idx="1">
+                  <c:v>claroline</c:v>
+                </c:pt>
+                <c:pt idx="2">
+                  <c:v>dimeshift</c:v>
+                </c:pt>
+                <c:pt idx="3">
+                  <c:v>mantisbt</c:v>
+                </c:pt>
+                <c:pt idx="4">
+                  <c:v>mrbs</c:v>
+                </c:pt>
+                <c:pt idx="5">
+                  <c:v>pagekit</c:v>
+                </c:pt>
+                <c:pt idx="6">
+                  <c:v>petclinic</c:v>
+                </c:pt>
+                <c:pt idx="7">
+                  <c:v>phoenix</c:v>
+                </c:pt>
+                <c:pt idx="8">
+                  <c:v>ppma</c:v>
+                </c:pt>
+              </c:strCache>
+            </c:strRef>
+          </c:cat>
+          <c:val>
+            <c:numRef>
+              <c:f>Foglio1!$D$2:$D$10</c:f>
+              <c:numCache>
+                <c:formatCode>General</c:formatCode>
+                <c:ptCount val="9"/>
+                <c:pt idx="0">
+                  <c:v>0.3</c:v>
+                </c:pt>
+                <c:pt idx="1">
+                  <c:v>1</c:v>
+                </c:pt>
+                <c:pt idx="2">
+                  <c:v>1</c:v>
+                </c:pt>
+                <c:pt idx="3">
+                  <c:v>1</c:v>
+                </c:pt>
+                <c:pt idx="4">
+                  <c:v>0.98</c:v>
+                </c:pt>
+                <c:pt idx="5">
+                  <c:v>0.43</c:v>
+                </c:pt>
+                <c:pt idx="6">
+                  <c:v>1</c:v>
+                </c:pt>
+                <c:pt idx="7">
+                  <c:v>0.34</c:v>
+                </c:pt>
+                <c:pt idx="8">
+                  <c:v>1</c:v>
+                </c:pt>
+              </c:numCache>
+            </c:numRef>
+          </c:val>
+          <c:extLst>
+            <c:ext xmlns:c16="http://schemas.microsoft.com/office/drawing/2014/chart" uri="{C3380CC4-5D6E-409C-BE32-E72D297353CC}">
+              <c16:uniqueId val="{00000002-C1D5-A945-93AC-6B4DBF498D12}"/>
+            </c:ext>
+          </c:extLst>
+        </c:ser>
+        <c:ser>
+          <c:idx val="3"/>
+          <c:order val="3"/>
+          <c:tx>
+            <c:strRef>
+              <c:f>Foglio1!$E$1</c:f>
+              <c:strCache>
+                <c:ptCount val="1"/>
+                <c:pt idx="0">
+                  <c:v>accuracy</c:v>
+                </c:pt>
+              </c:strCache>
+            </c:strRef>
+          </c:tx>
+          <c:spPr>
+            <a:solidFill>
+              <a:schemeClr val="accent4"/>
+            </a:solidFill>
+            <a:ln>
+              <a:noFill/>
+            </a:ln>
+            <a:effectLst/>
+          </c:spPr>
+          <c:invertIfNegative val="0"/>
+          <c:dLbls>
+            <c:spPr>
+              <a:noFill/>
+              <a:ln>
+                <a:noFill/>
+              </a:ln>
+              <a:effectLst/>
+            </c:spPr>
+            <c:txPr>
+              <a:bodyPr rot="-5400000" spcFirstLastPara="1" vertOverflow="clip" horzOverflow="clip" vert="horz" wrap="square" lIns="38100" tIns="19050" rIns="38100" bIns="19050" anchor="ctr" anchorCtr="1">
+                <a:spAutoFit/>
+              </a:bodyPr>
+              <a:lstStyle/>
+              <a:p>
+                <a:pPr>
+                  <a:defRPr sz="1064" b="0" i="0" u="none" strike="noStrike" kern="1200" baseline="0">
+                    <a:solidFill>
+                      <a:schemeClr val="tx1">
+                        <a:lumMod val="50000"/>
+                        <a:lumOff val="50000"/>
+                      </a:schemeClr>
+                    </a:solidFill>
+                    <a:latin typeface="+mn-lt"/>
+                    <a:ea typeface="+mn-ea"/>
+                    <a:cs typeface="+mn-cs"/>
+                  </a:defRPr>
+                </a:pPr>
+                <a:endParaRPr lang="it-IT"/>
+              </a:p>
+            </c:txPr>
+            <c:dLblPos val="outEnd"/>
+            <c:showLegendKey val="0"/>
+            <c:showVal val="1"/>
+            <c:showCatName val="0"/>
+            <c:showSerName val="0"/>
+            <c:showPercent val="0"/>
+            <c:showBubbleSize val="0"/>
+            <c:showLeaderLines val="0"/>
+            <c:extLst>
+              <c:ext xmlns:c15="http://schemas.microsoft.com/office/drawing/2012/chart" uri="{CE6537A1-D6FC-4f65-9D91-7224C49458BB}">
+                <c15:showLeaderLines val="1"/>
+                <c15:leaderLines>
+                  <c:spPr>
+                    <a:ln w="9525">
+                      <a:solidFill>
+                        <a:schemeClr val="tx1">
+                          <a:lumMod val="35000"/>
+                          <a:lumOff val="65000"/>
+                        </a:schemeClr>
+                      </a:solidFill>
+                    </a:ln>
+                    <a:effectLst/>
+                  </c:spPr>
+                </c15:leaderLines>
+              </c:ext>
+            </c:extLst>
+          </c:dLbls>
+          <c:cat>
+            <c:strRef>
+              <c:f>Foglio1!$A$2:$A$10</c:f>
+              <c:strCache>
+                <c:ptCount val="9"/>
+                <c:pt idx="0">
+                  <c:v>addressbook</c:v>
+                </c:pt>
+                <c:pt idx="1">
+                  <c:v>claroline</c:v>
+                </c:pt>
+                <c:pt idx="2">
+                  <c:v>dimeshift</c:v>
+                </c:pt>
+                <c:pt idx="3">
+                  <c:v>mantisbt</c:v>
+                </c:pt>
+                <c:pt idx="4">
+                  <c:v>mrbs</c:v>
+                </c:pt>
+                <c:pt idx="5">
+                  <c:v>pagekit</c:v>
+                </c:pt>
+                <c:pt idx="6">
+                  <c:v>petclinic</c:v>
+                </c:pt>
+                <c:pt idx="7">
+                  <c:v>phoenix</c:v>
+                </c:pt>
+                <c:pt idx="8">
+                  <c:v>ppma</c:v>
+                </c:pt>
+              </c:strCache>
+            </c:strRef>
+          </c:cat>
+          <c:val>
+            <c:numRef>
+              <c:f>Foglio1!$E$2:$E$10</c:f>
+              <c:numCache>
+                <c:formatCode>General</c:formatCode>
+                <c:ptCount val="9"/>
+                <c:pt idx="0">
+                  <c:v>0.8</c:v>
+                </c:pt>
+                <c:pt idx="1">
+                  <c:v>0.84</c:v>
+                </c:pt>
+                <c:pt idx="2">
+                  <c:v>0.47</c:v>
+                </c:pt>
+                <c:pt idx="3">
+                  <c:v>0.83</c:v>
+                </c:pt>
+                <c:pt idx="4">
+                  <c:v>0.6</c:v>
+                </c:pt>
+                <c:pt idx="5">
+                  <c:v>0.6</c:v>
+                </c:pt>
+                <c:pt idx="6">
+                  <c:v>0.82</c:v>
+                </c:pt>
+                <c:pt idx="7">
+                  <c:v>0.7</c:v>
+                </c:pt>
+                <c:pt idx="8">
+                  <c:v>0.13</c:v>
+                </c:pt>
+              </c:numCache>
+            </c:numRef>
+          </c:val>
+          <c:extLst>
+            <c:ext xmlns:c16="http://schemas.microsoft.com/office/drawing/2014/chart" uri="{C3380CC4-5D6E-409C-BE32-E72D297353CC}">
+              <c16:uniqueId val="{00000003-C1D5-A945-93AC-6B4DBF498D12}"/>
+            </c:ext>
+          </c:extLst>
+        </c:ser>
+        <c:dLbls>
+          <c:dLblPos val="outEnd"/>
+          <c:showLegendKey val="0"/>
+          <c:showVal val="1"/>
+          <c:showCatName val="0"/>
+          <c:showSerName val="0"/>
+          <c:showPercent val="0"/>
+          <c:showBubbleSize val="0"/>
+        </c:dLbls>
+        <c:gapWidth val="444"/>
+        <c:overlap val="-90"/>
+        <c:axId val="1455392991"/>
+        <c:axId val="1454450943"/>
+      </c:barChart>
+      <c:catAx>
+        <c:axId val="1455392991"/>
+        <c:scaling>
+          <c:orientation val="minMax"/>
+        </c:scaling>
+        <c:delete val="0"/>
+        <c:axPos val="b"/>
+        <c:majorGridlines>
+          <c:spPr>
+            <a:ln w="9525" cap="flat" cmpd="sng" algn="ctr">
+              <a:solidFill>
+                <a:schemeClr val="tx1">
+                  <a:lumMod val="15000"/>
+                  <a:lumOff val="85000"/>
+                </a:schemeClr>
+              </a:solidFill>
+              <a:round/>
+            </a:ln>
+            <a:effectLst/>
+          </c:spPr>
+        </c:majorGridlines>
+        <c:numFmt formatCode="General" sourceLinked="1"/>
+        <c:majorTickMark val="none"/>
+        <c:minorTickMark val="none"/>
+        <c:tickLblPos val="nextTo"/>
+        <c:spPr>
+          <a:noFill/>
+          <a:ln w="9525" cap="flat" cmpd="sng" algn="ctr">
+            <a:solidFill>
+              <a:schemeClr val="tx1">
+                <a:lumMod val="15000"/>
+                <a:lumOff val="85000"/>
+              </a:schemeClr>
+            </a:solidFill>
+            <a:round/>
+          </a:ln>
+          <a:effectLst/>
+        </c:spPr>
+        <c:txPr>
+          <a:bodyPr rot="-60000000" spcFirstLastPara="1" vertOverflow="ellipsis" vert="horz" wrap="square" anchor="ctr" anchorCtr="1"/>
+          <a:lstStyle/>
+          <a:p>
+            <a:pPr>
+              <a:defRPr sz="1064" b="0" i="0" u="none" strike="noStrike" kern="1200" cap="all" spc="120" normalizeH="0" baseline="0">
+                <a:solidFill>
+                  <a:schemeClr val="tx1">
+                    <a:lumMod val="65000"/>
+                    <a:lumOff val="35000"/>
+                  </a:schemeClr>
+                </a:solidFill>
+                <a:latin typeface="+mn-lt"/>
+                <a:ea typeface="+mn-ea"/>
+                <a:cs typeface="+mn-cs"/>
+              </a:defRPr>
+            </a:pPr>
+            <a:endParaRPr lang="it-IT"/>
+          </a:p>
+        </c:txPr>
+        <c:crossAx val="1454450943"/>
+        <c:crosses val="autoZero"/>
+        <c:auto val="1"/>
+        <c:lblAlgn val="ctr"/>
+        <c:lblOffset val="100"/>
+        <c:noMultiLvlLbl val="0"/>
+      </c:catAx>
+      <c:valAx>
+        <c:axId val="1454450943"/>
+        <c:scaling>
+          <c:orientation val="minMax"/>
+        </c:scaling>
+        <c:delete val="1"/>
+        <c:axPos val="l"/>
+        <c:numFmt formatCode="General" sourceLinked="1"/>
+        <c:majorTickMark val="none"/>
+        <c:minorTickMark val="none"/>
+        <c:tickLblPos val="nextTo"/>
+        <c:crossAx val="1455392991"/>
+        <c:crosses val="autoZero"/>
+        <c:crossBetween val="between"/>
+      </c:valAx>
+      <c:spPr>
+        <a:noFill/>
+        <a:ln>
+          <a:noFill/>
+        </a:ln>
+        <a:effectLst/>
+      </c:spPr>
+    </c:plotArea>
+    <c:legend>
+      <c:legendPos val="t"/>
+      <c:overlay val="0"/>
+      <c:spPr>
+        <a:noFill/>
+        <a:ln>
+          <a:noFill/>
+        </a:ln>
+        <a:effectLst/>
+      </c:spPr>
+      <c:txPr>
+        <a:bodyPr rot="0" spcFirstLastPara="1" vertOverflow="ellipsis" vert="horz" wrap="square" anchor="ctr" anchorCtr="1"/>
+        <a:lstStyle/>
+        <a:p>
+          <a:pPr>
+            <a:defRPr sz="1197" b="0" i="0" u="none" strike="noStrike" kern="1200" baseline="0">
+              <a:solidFill>
+                <a:schemeClr val="tx1">
+                  <a:lumMod val="65000"/>
+                  <a:lumOff val="35000"/>
+                </a:schemeClr>
+              </a:solidFill>
+              <a:latin typeface="+mn-lt"/>
+              <a:ea typeface="+mn-ea"/>
+              <a:cs typeface="+mn-cs"/>
+            </a:defRPr>
+          </a:pPr>
+          <a:endParaRPr lang="it-IT"/>
+        </a:p>
+      </c:txPr>
+    </c:legend>
+    <c:plotVisOnly val="1"/>
+    <c:dispBlanksAs val="gap"/>
+    <c:extLst>
+      <c:ext xmlns:c16r3="http://schemas.microsoft.com/office/drawing/2017/03/chart" uri="{56B9EC1D-385E-4148-901F-78D8002777C0}">
+        <c16r3:dataDisplayOptions16>
+          <c16r3:dispNaAsBlank val="1"/>
+        </c16r3:dataDisplayOptions16>
+      </c:ext>
+    </c:extLst>
+    <c:showDLblsOverMax val="0"/>
+  </c:chart>
+  <c:spPr>
+    <a:noFill/>
+    <a:ln>
+      <a:noFill/>
+    </a:ln>
+    <a:effectLst/>
+  </c:spPr>
+  <c:txPr>
+    <a:bodyPr/>
+    <a:lstStyle/>
+    <a:p>
+      <a:pPr>
+        <a:defRPr/>
+      </a:pPr>
+      <a:endParaRPr lang="it-IT"/>
+    </a:p>
+  </c:txPr>
+  <c:externalData r:id="rId3">
+    <c:autoUpdate val="0"/>
+  </c:externalData>
+</c:chartSpace>
+</file>
+
+<file path=ppt/charts/chart9.xml><?xml version="1.0" encoding="utf-8"?>
+<c:chartSpace xmlns:c="http://schemas.openxmlformats.org/drawingml/2006/chart" xmlns:a="http://schemas.openxmlformats.org/drawingml/2006/main" xmlns:r="http://schemas.openxmlformats.org/officeDocument/2006/relationships" xmlns:c16r2="http://schemas.microsoft.com/office/drawing/2015/06/chart">
+  <c:date1904 val="0"/>
+  <c:lang val="it-IT"/>
+  <c:roundedCorners val="0"/>
+  <mc:AlternateContent xmlns:mc="http://schemas.openxmlformats.org/markup-compatibility/2006">
+    <mc:Choice xmlns:c14="http://schemas.microsoft.com/office/drawing/2007/8/2/chart" Requires="c14">
+      <c14:style val="102"/>
+    </mc:Choice>
+    <mc:Fallback>
+      <c:style val="2"/>
+    </mc:Fallback>
+  </mc:AlternateContent>
+  <c:chart>
+    <c:title>
+      <c:tx>
+        <c:rich>
+          <a:bodyPr rot="0" spcFirstLastPara="1" vertOverflow="ellipsis" vert="horz" wrap="square" anchor="ctr" anchorCtr="1"/>
+          <a:lstStyle/>
+          <a:p>
+            <a:pPr>
+              <a:defRPr sz="2128" b="1" i="0" u="none" strike="noStrike" kern="1200" cap="all" spc="120" normalizeH="0" baseline="0">
+                <a:solidFill>
+                  <a:schemeClr val="tx1">
+                    <a:lumMod val="65000"/>
+                    <a:lumOff val="35000"/>
+                  </a:schemeClr>
+                </a:solidFill>
+                <a:latin typeface="+mn-lt"/>
+                <a:ea typeface="+mn-ea"/>
+                <a:cs typeface="+mn-cs"/>
+              </a:defRPr>
+            </a:pPr>
+            <a:r>
+              <a:rPr lang="it-IT" dirty="0"/>
+              <a:t>First Experiment</a:t>
+            </a:r>
+          </a:p>
+        </c:rich>
+      </c:tx>
+      <c:overlay val="0"/>
+      <c:spPr>
+        <a:noFill/>
+        <a:ln>
+          <a:noFill/>
+        </a:ln>
+        <a:effectLst/>
+      </c:spPr>
+      <c:txPr>
+        <a:bodyPr rot="0" spcFirstLastPara="1" vertOverflow="ellipsis" vert="horz" wrap="square" anchor="ctr" anchorCtr="1"/>
+        <a:lstStyle/>
+        <a:p>
+          <a:pPr>
+            <a:defRPr sz="2128" b="1" i="0" u="none" strike="noStrike" kern="1200" cap="all" spc="120" normalizeH="0" baseline="0">
+              <a:solidFill>
+                <a:schemeClr val="tx1">
+                  <a:lumMod val="65000"/>
+                  <a:lumOff val="35000"/>
+                </a:schemeClr>
+              </a:solidFill>
+              <a:latin typeface="+mn-lt"/>
+              <a:ea typeface="+mn-ea"/>
+              <a:cs typeface="+mn-cs"/>
+            </a:defRPr>
+          </a:pPr>
+          <a:endParaRPr lang="it-IT"/>
+        </a:p>
+      </c:txPr>
+    </c:title>
+    <c:autoTitleDeleted val="0"/>
+    <c:plotArea>
+      <c:layout/>
+      <c:barChart>
+        <c:barDir val="col"/>
+        <c:grouping val="clustered"/>
+        <c:varyColors val="0"/>
+        <c:ser>
+          <c:idx val="0"/>
+          <c:order val="0"/>
+          <c:tx>
+            <c:strRef>
+              <c:f>Foglio1!$B$1</c:f>
+              <c:strCache>
+                <c:ptCount val="1"/>
+                <c:pt idx="0">
+                  <c:v>f1</c:v>
+                </c:pt>
+              </c:strCache>
+            </c:strRef>
+          </c:tx>
+          <c:spPr>
+            <a:solidFill>
+              <a:schemeClr val="accent1"/>
+            </a:solidFill>
+            <a:ln>
+              <a:noFill/>
+            </a:ln>
+            <a:effectLst/>
+          </c:spPr>
+          <c:invertIfNegative val="0"/>
+          <c:dLbls>
+            <c:spPr>
+              <a:noFill/>
+              <a:ln>
+                <a:noFill/>
+              </a:ln>
+              <a:effectLst/>
+            </c:spPr>
+            <c:txPr>
+              <a:bodyPr rot="-5400000" spcFirstLastPara="1" vertOverflow="clip" horzOverflow="clip" vert="horz" wrap="square" lIns="38100" tIns="19050" rIns="38100" bIns="19050" anchor="ctr" anchorCtr="1">
+                <a:spAutoFit/>
+              </a:bodyPr>
+              <a:lstStyle/>
+              <a:p>
+                <a:pPr>
+                  <a:defRPr sz="1064" b="0" i="0" u="none" strike="noStrike" kern="1200" baseline="0">
+                    <a:solidFill>
+                      <a:schemeClr val="tx1">
+                        <a:lumMod val="50000"/>
+                        <a:lumOff val="50000"/>
+                      </a:schemeClr>
+                    </a:solidFill>
+                    <a:latin typeface="+mn-lt"/>
+                    <a:ea typeface="+mn-ea"/>
+                    <a:cs typeface="+mn-cs"/>
+                  </a:defRPr>
+                </a:pPr>
+                <a:endParaRPr lang="it-IT"/>
+              </a:p>
+            </c:txPr>
+            <c:dLblPos val="outEnd"/>
+            <c:showLegendKey val="0"/>
+            <c:showVal val="1"/>
+            <c:showCatName val="0"/>
+            <c:showSerName val="0"/>
+            <c:showPercent val="0"/>
+            <c:showBubbleSize val="0"/>
+            <c:showLeaderLines val="0"/>
+            <c:extLst>
+              <c:ext xmlns:c15="http://schemas.microsoft.com/office/drawing/2012/chart" uri="{CE6537A1-D6FC-4f65-9D91-7224C49458BB}">
+                <c15:showLeaderLines val="1"/>
+                <c15:leaderLines>
+                  <c:spPr>
+                    <a:ln w="9525">
+                      <a:solidFill>
+                        <a:schemeClr val="tx1">
+                          <a:lumMod val="35000"/>
+                          <a:lumOff val="65000"/>
+                        </a:schemeClr>
+                      </a:solidFill>
+                    </a:ln>
+                    <a:effectLst/>
+                  </c:spPr>
+                </c15:leaderLines>
+              </c:ext>
+            </c:extLst>
+          </c:dLbls>
+          <c:cat>
+            <c:strRef>
+              <c:f>Foglio1!$A$2:$A$10</c:f>
+              <c:strCache>
+                <c:ptCount val="9"/>
+                <c:pt idx="0">
+                  <c:v>addressbook</c:v>
+                </c:pt>
+                <c:pt idx="1">
+                  <c:v>claroline</c:v>
+                </c:pt>
+                <c:pt idx="2">
+                  <c:v>dimeshift</c:v>
+                </c:pt>
+                <c:pt idx="3">
+                  <c:v>mantisbt</c:v>
+                </c:pt>
+                <c:pt idx="4">
+                  <c:v>mrbs</c:v>
+                </c:pt>
+                <c:pt idx="5">
+                  <c:v>pagekit</c:v>
+                </c:pt>
+                <c:pt idx="6">
+                  <c:v>petclinic</c:v>
+                </c:pt>
+                <c:pt idx="7">
+                  <c:v>phoenix</c:v>
+                </c:pt>
+                <c:pt idx="8">
+                  <c:v>ppma</c:v>
+                </c:pt>
+              </c:strCache>
+            </c:strRef>
+          </c:cat>
+          <c:val>
+            <c:numRef>
+              <c:f>Foglio1!$B$2:$B$10</c:f>
+              <c:numCache>
+                <c:formatCode>General</c:formatCode>
+                <c:ptCount val="9"/>
+                <c:pt idx="0">
+                  <c:v>0</c:v>
+                </c:pt>
+                <c:pt idx="1">
+                  <c:v>2.5</c:v>
+                </c:pt>
+                <c:pt idx="2">
+                  <c:v>3.5</c:v>
+                </c:pt>
+                <c:pt idx="3">
+                  <c:v>1</c:v>
+                </c:pt>
+                <c:pt idx="4">
+                  <c:v>1</c:v>
+                </c:pt>
+                <c:pt idx="5">
+                  <c:v>1</c:v>
+                </c:pt>
+                <c:pt idx="6">
+                  <c:v>1</c:v>
+                </c:pt>
+                <c:pt idx="7">
+                  <c:v>1</c:v>
+                </c:pt>
+                <c:pt idx="8">
+                  <c:v>1</c:v>
+                </c:pt>
+              </c:numCache>
+            </c:numRef>
+          </c:val>
+          <c:extLst>
+            <c:ext xmlns:c16="http://schemas.microsoft.com/office/drawing/2014/chart" uri="{C3380CC4-5D6E-409C-BE32-E72D297353CC}">
+              <c16:uniqueId val="{00000000-900E-2B4A-9FE2-D9A3AF3F8B4D}"/>
+            </c:ext>
+          </c:extLst>
+        </c:ser>
+        <c:ser>
+          <c:idx val="1"/>
+          <c:order val="1"/>
+          <c:tx>
+            <c:strRef>
+              <c:f>Foglio1!$C$1</c:f>
+              <c:strCache>
+                <c:ptCount val="1"/>
+                <c:pt idx="0">
+                  <c:v>precision</c:v>
+                </c:pt>
+              </c:strCache>
+            </c:strRef>
+          </c:tx>
+          <c:spPr>
+            <a:solidFill>
+              <a:schemeClr val="accent2"/>
+            </a:solidFill>
+            <a:ln>
+              <a:noFill/>
+            </a:ln>
+            <a:effectLst/>
+          </c:spPr>
+          <c:invertIfNegative val="0"/>
+          <c:dLbls>
+            <c:spPr>
+              <a:noFill/>
+              <a:ln>
+                <a:noFill/>
+              </a:ln>
+              <a:effectLst/>
+            </c:spPr>
+            <c:txPr>
+              <a:bodyPr rot="-5400000" spcFirstLastPara="1" vertOverflow="clip" horzOverflow="clip" vert="horz" wrap="square" lIns="38100" tIns="19050" rIns="38100" bIns="19050" anchor="ctr" anchorCtr="1">
+                <a:spAutoFit/>
+              </a:bodyPr>
+              <a:lstStyle/>
+              <a:p>
+                <a:pPr>
+                  <a:defRPr sz="1064" b="0" i="0" u="none" strike="noStrike" kern="1200" baseline="0">
+                    <a:solidFill>
+                      <a:schemeClr val="tx1">
+                        <a:lumMod val="50000"/>
+                        <a:lumOff val="50000"/>
+                      </a:schemeClr>
+                    </a:solidFill>
+                    <a:latin typeface="+mn-lt"/>
+                    <a:ea typeface="+mn-ea"/>
+                    <a:cs typeface="+mn-cs"/>
+                  </a:defRPr>
+                </a:pPr>
+                <a:endParaRPr lang="it-IT"/>
+              </a:p>
+            </c:txPr>
+            <c:dLblPos val="outEnd"/>
+            <c:showLegendKey val="0"/>
+            <c:showVal val="1"/>
+            <c:showCatName val="0"/>
+            <c:showSerName val="0"/>
+            <c:showPercent val="0"/>
+            <c:showBubbleSize val="0"/>
+            <c:showLeaderLines val="0"/>
+            <c:extLst>
+              <c:ext xmlns:c15="http://schemas.microsoft.com/office/drawing/2012/chart" uri="{CE6537A1-D6FC-4f65-9D91-7224C49458BB}">
+                <c15:showLeaderLines val="1"/>
+                <c15:leaderLines>
+                  <c:spPr>
+                    <a:ln w="9525">
+                      <a:solidFill>
+                        <a:schemeClr val="tx1">
+                          <a:lumMod val="35000"/>
+                          <a:lumOff val="65000"/>
+                        </a:schemeClr>
+                      </a:solidFill>
+                    </a:ln>
+                    <a:effectLst/>
+                  </c:spPr>
+                </c15:leaderLines>
+              </c:ext>
+            </c:extLst>
+          </c:dLbls>
+          <c:cat>
+            <c:strRef>
+              <c:f>Foglio1!$A$2:$A$10</c:f>
+              <c:strCache>
+                <c:ptCount val="9"/>
+                <c:pt idx="0">
+                  <c:v>addressbook</c:v>
+                </c:pt>
+                <c:pt idx="1">
+                  <c:v>claroline</c:v>
+                </c:pt>
+                <c:pt idx="2">
+                  <c:v>dimeshift</c:v>
+                </c:pt>
+                <c:pt idx="3">
+                  <c:v>mantisbt</c:v>
+                </c:pt>
+                <c:pt idx="4">
+                  <c:v>mrbs</c:v>
+                </c:pt>
+                <c:pt idx="5">
+                  <c:v>pagekit</c:v>
+                </c:pt>
+                <c:pt idx="6">
+                  <c:v>petclinic</c:v>
+                </c:pt>
+                <c:pt idx="7">
+                  <c:v>phoenix</c:v>
+                </c:pt>
+                <c:pt idx="8">
+                  <c:v>ppma</c:v>
+                </c:pt>
+              </c:strCache>
+            </c:strRef>
+          </c:cat>
+          <c:val>
+            <c:numRef>
+              <c:f>Foglio1!$C$2:$C$10</c:f>
+              <c:numCache>
+                <c:formatCode>General</c:formatCode>
+                <c:ptCount val="9"/>
+                <c:pt idx="0">
+                  <c:v>2.4</c:v>
+                </c:pt>
+                <c:pt idx="1">
+                  <c:v>4.4000000000000004</c:v>
+                </c:pt>
+                <c:pt idx="2">
+                  <c:v>1.8</c:v>
+                </c:pt>
+                <c:pt idx="3">
+                  <c:v>1</c:v>
+                </c:pt>
+                <c:pt idx="4">
+                  <c:v>1</c:v>
+                </c:pt>
+                <c:pt idx="5">
+                  <c:v>1</c:v>
+                </c:pt>
+                <c:pt idx="6">
+                  <c:v>1</c:v>
+                </c:pt>
+                <c:pt idx="7">
+                  <c:v>1</c:v>
+                </c:pt>
+                <c:pt idx="8">
+                  <c:v>1</c:v>
+                </c:pt>
+              </c:numCache>
+            </c:numRef>
+          </c:val>
+          <c:extLst>
+            <c:ext xmlns:c16="http://schemas.microsoft.com/office/drawing/2014/chart" uri="{C3380CC4-5D6E-409C-BE32-E72D297353CC}">
+              <c16:uniqueId val="{00000001-900E-2B4A-9FE2-D9A3AF3F8B4D}"/>
+            </c:ext>
+          </c:extLst>
+        </c:ser>
+        <c:ser>
+          <c:idx val="2"/>
+          <c:order val="2"/>
+          <c:tx>
+            <c:strRef>
+              <c:f>Foglio1!$D$1</c:f>
+              <c:strCache>
+                <c:ptCount val="1"/>
+                <c:pt idx="0">
+                  <c:v>recall</c:v>
+                </c:pt>
+              </c:strCache>
+            </c:strRef>
+          </c:tx>
+          <c:spPr>
+            <a:solidFill>
+              <a:schemeClr val="accent3"/>
+            </a:solidFill>
+            <a:ln>
+              <a:noFill/>
+            </a:ln>
+            <a:effectLst/>
+          </c:spPr>
+          <c:invertIfNegative val="0"/>
+          <c:dLbls>
+            <c:spPr>
+              <a:noFill/>
+              <a:ln>
+                <a:noFill/>
+              </a:ln>
+              <a:effectLst/>
+            </c:spPr>
+            <c:txPr>
+              <a:bodyPr rot="-5400000" spcFirstLastPara="1" vertOverflow="clip" horzOverflow="clip" vert="horz" wrap="square" lIns="38100" tIns="19050" rIns="38100" bIns="19050" anchor="ctr" anchorCtr="1">
+                <a:spAutoFit/>
+              </a:bodyPr>
+              <a:lstStyle/>
+              <a:p>
+                <a:pPr>
+                  <a:defRPr sz="1064" b="0" i="0" u="none" strike="noStrike" kern="1200" baseline="0">
+                    <a:solidFill>
+                      <a:schemeClr val="tx1">
+                        <a:lumMod val="50000"/>
+                        <a:lumOff val="50000"/>
+                      </a:schemeClr>
+                    </a:solidFill>
+                    <a:latin typeface="+mn-lt"/>
+                    <a:ea typeface="+mn-ea"/>
+                    <a:cs typeface="+mn-cs"/>
+                  </a:defRPr>
+                </a:pPr>
+                <a:endParaRPr lang="it-IT"/>
+              </a:p>
+            </c:txPr>
+            <c:dLblPos val="outEnd"/>
+            <c:showLegendKey val="0"/>
+            <c:showVal val="1"/>
+            <c:showCatName val="0"/>
+            <c:showSerName val="0"/>
+            <c:showPercent val="0"/>
+            <c:showBubbleSize val="0"/>
+            <c:showLeaderLines val="0"/>
+            <c:extLst>
+              <c:ext xmlns:c15="http://schemas.microsoft.com/office/drawing/2012/chart" uri="{CE6537A1-D6FC-4f65-9D91-7224C49458BB}">
+                <c15:showLeaderLines val="1"/>
+                <c15:leaderLines>
+                  <c:spPr>
+                    <a:ln w="9525">
+                      <a:solidFill>
+                        <a:schemeClr val="tx1">
+                          <a:lumMod val="35000"/>
+                          <a:lumOff val="65000"/>
+                        </a:schemeClr>
+                      </a:solidFill>
+                    </a:ln>
+                    <a:effectLst/>
+                  </c:spPr>
+                </c15:leaderLines>
+              </c:ext>
+            </c:extLst>
+          </c:dLbls>
+          <c:cat>
+            <c:strRef>
+              <c:f>Foglio1!$A$2:$A$10</c:f>
+              <c:strCache>
+                <c:ptCount val="9"/>
+                <c:pt idx="0">
+                  <c:v>addressbook</c:v>
+                </c:pt>
+                <c:pt idx="1">
+                  <c:v>claroline</c:v>
+                </c:pt>
+                <c:pt idx="2">
+                  <c:v>dimeshift</c:v>
+                </c:pt>
+                <c:pt idx="3">
+                  <c:v>mantisbt</c:v>
+                </c:pt>
+                <c:pt idx="4">
+                  <c:v>mrbs</c:v>
+                </c:pt>
+                <c:pt idx="5">
+                  <c:v>pagekit</c:v>
+                </c:pt>
+                <c:pt idx="6">
+                  <c:v>petclinic</c:v>
+                </c:pt>
+                <c:pt idx="7">
+                  <c:v>phoenix</c:v>
+                </c:pt>
+                <c:pt idx="8">
+                  <c:v>ppma</c:v>
+                </c:pt>
+              </c:strCache>
+            </c:strRef>
+          </c:cat>
+          <c:val>
+            <c:numRef>
+              <c:f>Foglio1!$D$2:$D$10</c:f>
+              <c:numCache>
+                <c:formatCode>General</c:formatCode>
+                <c:ptCount val="9"/>
+                <c:pt idx="0">
+                  <c:v>2</c:v>
+                </c:pt>
+                <c:pt idx="1">
+                  <c:v>2</c:v>
+                </c:pt>
+                <c:pt idx="2">
+                  <c:v>3</c:v>
+                </c:pt>
+                <c:pt idx="3">
+                  <c:v>1</c:v>
+                </c:pt>
+                <c:pt idx="4">
+                  <c:v>1</c:v>
+                </c:pt>
+                <c:pt idx="5">
+                  <c:v>1</c:v>
+                </c:pt>
+                <c:pt idx="6">
+                  <c:v>1</c:v>
+                </c:pt>
+                <c:pt idx="7">
+                  <c:v>1</c:v>
+                </c:pt>
+                <c:pt idx="8">
+                  <c:v>1</c:v>
+                </c:pt>
+              </c:numCache>
+            </c:numRef>
+          </c:val>
+          <c:extLst>
+            <c:ext xmlns:c16="http://schemas.microsoft.com/office/drawing/2014/chart" uri="{C3380CC4-5D6E-409C-BE32-E72D297353CC}">
+              <c16:uniqueId val="{00000002-900E-2B4A-9FE2-D9A3AF3F8B4D}"/>
+            </c:ext>
+          </c:extLst>
+        </c:ser>
+        <c:ser>
+          <c:idx val="3"/>
+          <c:order val="3"/>
+          <c:tx>
+            <c:strRef>
+              <c:f>Foglio1!$E$1</c:f>
+              <c:strCache>
+                <c:ptCount val="1"/>
+                <c:pt idx="0">
+                  <c:v>accuracy</c:v>
+                </c:pt>
+              </c:strCache>
+            </c:strRef>
+          </c:tx>
+          <c:spPr>
+            <a:solidFill>
+              <a:schemeClr val="accent4"/>
+            </a:solidFill>
+            <a:ln>
+              <a:noFill/>
+            </a:ln>
+            <a:effectLst/>
+          </c:spPr>
+          <c:invertIfNegative val="0"/>
+          <c:dLbls>
+            <c:spPr>
+              <a:noFill/>
+              <a:ln>
+                <a:noFill/>
+              </a:ln>
+              <a:effectLst/>
+            </c:spPr>
+            <c:txPr>
+              <a:bodyPr rot="-5400000" spcFirstLastPara="1" vertOverflow="clip" horzOverflow="clip" vert="horz" wrap="square" lIns="38100" tIns="19050" rIns="38100" bIns="19050" anchor="ctr" anchorCtr="1">
+                <a:spAutoFit/>
+              </a:bodyPr>
+              <a:lstStyle/>
+              <a:p>
+                <a:pPr>
+                  <a:defRPr sz="1064" b="0" i="0" u="none" strike="noStrike" kern="1200" baseline="0">
+                    <a:solidFill>
+                      <a:schemeClr val="tx1">
+                        <a:lumMod val="50000"/>
+                        <a:lumOff val="50000"/>
+                      </a:schemeClr>
+                    </a:solidFill>
+                    <a:latin typeface="+mn-lt"/>
+                    <a:ea typeface="+mn-ea"/>
+                    <a:cs typeface="+mn-cs"/>
+                  </a:defRPr>
+                </a:pPr>
+                <a:endParaRPr lang="it-IT"/>
+              </a:p>
+            </c:txPr>
+            <c:dLblPos val="outEnd"/>
+            <c:showLegendKey val="0"/>
+            <c:showVal val="1"/>
+            <c:showCatName val="0"/>
+            <c:showSerName val="0"/>
+            <c:showPercent val="0"/>
+            <c:showBubbleSize val="0"/>
+            <c:showLeaderLines val="0"/>
+            <c:extLst>
+              <c:ext xmlns:c15="http://schemas.microsoft.com/office/drawing/2012/chart" uri="{CE6537A1-D6FC-4f65-9D91-7224C49458BB}">
+                <c15:showLeaderLines val="1"/>
+                <c15:leaderLines>
+                  <c:spPr>
+                    <a:ln w="9525">
+                      <a:solidFill>
+                        <a:schemeClr val="tx1">
+                          <a:lumMod val="35000"/>
+                          <a:lumOff val="65000"/>
+                        </a:schemeClr>
+                      </a:solidFill>
+                    </a:ln>
+                    <a:effectLst/>
+                  </c:spPr>
+                </c15:leaderLines>
+              </c:ext>
+            </c:extLst>
+          </c:dLbls>
+          <c:cat>
+            <c:strRef>
+              <c:f>Foglio1!$A$2:$A$10</c:f>
+              <c:strCache>
+                <c:ptCount val="9"/>
+                <c:pt idx="0">
+                  <c:v>addressbook</c:v>
+                </c:pt>
+                <c:pt idx="1">
+                  <c:v>claroline</c:v>
+                </c:pt>
+                <c:pt idx="2">
+                  <c:v>dimeshift</c:v>
+                </c:pt>
+                <c:pt idx="3">
+                  <c:v>mantisbt</c:v>
+                </c:pt>
+                <c:pt idx="4">
+                  <c:v>mrbs</c:v>
+                </c:pt>
+                <c:pt idx="5">
+                  <c:v>pagekit</c:v>
+                </c:pt>
+                <c:pt idx="6">
+                  <c:v>petclinic</c:v>
+                </c:pt>
+                <c:pt idx="7">
+                  <c:v>phoenix</c:v>
+                </c:pt>
+                <c:pt idx="8">
+                  <c:v>ppma</c:v>
+                </c:pt>
+              </c:strCache>
+            </c:strRef>
+          </c:cat>
+          <c:val>
+            <c:numRef>
+              <c:f>Foglio1!$E$2:$E$10</c:f>
+              <c:numCache>
+                <c:formatCode>General</c:formatCode>
+                <c:ptCount val="9"/>
                 <c:pt idx="0">
                   <c:v>1</c:v>
                 </c:pt>
@@ -4549,12 +6736,30 @@
                 <c:pt idx="2">
                   <c:v>1</c:v>
                 </c:pt>
+                <c:pt idx="3">
+                  <c:v>1</c:v>
+                </c:pt>
+                <c:pt idx="4">
+                  <c:v>1</c:v>
+                </c:pt>
+                <c:pt idx="5">
+                  <c:v>1</c:v>
+                </c:pt>
+                <c:pt idx="6">
+                  <c:v>1</c:v>
+                </c:pt>
+                <c:pt idx="7">
+                  <c:v>1</c:v>
+                </c:pt>
+                <c:pt idx="8">
+                  <c:v>1</c:v>
+                </c:pt>
               </c:numCache>
             </c:numRef>
           </c:val>
           <c:extLst>
             <c:ext xmlns:c16="http://schemas.microsoft.com/office/drawing/2014/chart" uri="{C3380CC4-5D6E-409C-BE32-E72D297353CC}">
-              <c16:uniqueId val="{00000003-B8CE-B441-AD11-529AF179C3EF}"/>
+              <c16:uniqueId val="{00000003-900E-2B4A-9FE2-D9A3AF3F8B4D}"/>
             </c:ext>
           </c:extLst>
         </c:ser>
@@ -4966,6 +7171,86 @@
 </file>
 
 <file path=ppt/charts/colors7.xml><?xml version="1.0" encoding="utf-8"?>
+<cs:colorStyle xmlns:cs="http://schemas.microsoft.com/office/drawing/2012/chartStyle" xmlns:a="http://schemas.openxmlformats.org/drawingml/2006/main" meth="cycle" id="10">
+  <a:schemeClr val="accent1"/>
+  <a:schemeClr val="accent2"/>
+  <a:schemeClr val="accent3"/>
+  <a:schemeClr val="accent4"/>
+  <a:schemeClr val="accent5"/>
+  <a:schemeClr val="accent6"/>
+  <cs:variation/>
+  <cs:variation>
+    <a:lumMod val="60000"/>
+  </cs:variation>
+  <cs:variation>
+    <a:lumMod val="80000"/>
+    <a:lumOff val="20000"/>
+  </cs:variation>
+  <cs:variation>
+    <a:lumMod val="80000"/>
+  </cs:variation>
+  <cs:variation>
+    <a:lumMod val="60000"/>
+    <a:lumOff val="40000"/>
+  </cs:variation>
+  <cs:variation>
+    <a:lumMod val="50000"/>
+  </cs:variation>
+  <cs:variation>
+    <a:lumMod val="70000"/>
+    <a:lumOff val="30000"/>
+  </cs:variation>
+  <cs:variation>
+    <a:lumMod val="70000"/>
+  </cs:variation>
+  <cs:variation>
+    <a:lumMod val="50000"/>
+    <a:lumOff val="50000"/>
+  </cs:variation>
+</cs:colorStyle>
+</file>
+
+<file path=ppt/charts/colors8.xml><?xml version="1.0" encoding="utf-8"?>
+<cs:colorStyle xmlns:cs="http://schemas.microsoft.com/office/drawing/2012/chartStyle" xmlns:a="http://schemas.openxmlformats.org/drawingml/2006/main" meth="cycle" id="10">
+  <a:schemeClr val="accent1"/>
+  <a:schemeClr val="accent2"/>
+  <a:schemeClr val="accent3"/>
+  <a:schemeClr val="accent4"/>
+  <a:schemeClr val="accent5"/>
+  <a:schemeClr val="accent6"/>
+  <cs:variation/>
+  <cs:variation>
+    <a:lumMod val="60000"/>
+  </cs:variation>
+  <cs:variation>
+    <a:lumMod val="80000"/>
+    <a:lumOff val="20000"/>
+  </cs:variation>
+  <cs:variation>
+    <a:lumMod val="80000"/>
+  </cs:variation>
+  <cs:variation>
+    <a:lumMod val="60000"/>
+    <a:lumOff val="40000"/>
+  </cs:variation>
+  <cs:variation>
+    <a:lumMod val="50000"/>
+  </cs:variation>
+  <cs:variation>
+    <a:lumMod val="70000"/>
+    <a:lumOff val="30000"/>
+  </cs:variation>
+  <cs:variation>
+    <a:lumMod val="70000"/>
+  </cs:variation>
+  <cs:variation>
+    <a:lumMod val="50000"/>
+    <a:lumOff val="50000"/>
+  </cs:variation>
+</cs:colorStyle>
+</file>
+
+<file path=ppt/charts/colors9.xml><?xml version="1.0" encoding="utf-8"?>
 <cs:colorStyle xmlns:cs="http://schemas.microsoft.com/office/drawing/2012/chartStyle" xmlns:a="http://schemas.openxmlformats.org/drawingml/2006/main" meth="cycle" id="10">
   <a:schemeClr val="accent1"/>
   <a:schemeClr val="accent2"/>
@@ -8673,6 +10958,1054 @@
 </cs:chartStyle>
 </file>
 
+<file path=ppt/charts/style8.xml><?xml version="1.0" encoding="utf-8"?>
+<cs:chartStyle xmlns:cs="http://schemas.microsoft.com/office/drawing/2012/chartStyle" xmlns:a="http://schemas.openxmlformats.org/drawingml/2006/main" id="202">
+  <cs:axisTitle>
+    <cs:lnRef idx="0"/>
+    <cs:fillRef idx="0"/>
+    <cs:effectRef idx="0"/>
+    <cs:fontRef idx="minor">
+      <a:schemeClr val="tx1">
+        <a:lumMod val="65000"/>
+        <a:lumOff val="35000"/>
+      </a:schemeClr>
+    </cs:fontRef>
+    <cs:defRPr sz="1197" kern="1200" cap="all"/>
+  </cs:axisTitle>
+  <cs:categoryAxis>
+    <cs:lnRef idx="0"/>
+    <cs:fillRef idx="0"/>
+    <cs:effectRef idx="0"/>
+    <cs:fontRef idx="minor">
+      <a:schemeClr val="tx1">
+        <a:lumMod val="65000"/>
+        <a:lumOff val="35000"/>
+      </a:schemeClr>
+    </cs:fontRef>
+    <cs:spPr>
+      <a:ln w="9525" cap="flat" cmpd="sng" algn="ctr">
+        <a:solidFill>
+          <a:schemeClr val="tx1">
+            <a:lumMod val="15000"/>
+            <a:lumOff val="85000"/>
+          </a:schemeClr>
+        </a:solidFill>
+        <a:round/>
+      </a:ln>
+    </cs:spPr>
+    <cs:defRPr sz="1064" kern="1200" cap="all" spc="120" normalizeH="0" baseline="0"/>
+  </cs:categoryAxis>
+  <cs:chartArea mods="allowNoFillOverride allowNoLineOverride">
+    <cs:lnRef idx="0"/>
+    <cs:fillRef idx="0"/>
+    <cs:effectRef idx="0"/>
+    <cs:fontRef idx="minor">
+      <a:schemeClr val="dk1"/>
+    </cs:fontRef>
+    <cs:spPr>
+      <a:solidFill>
+        <a:schemeClr val="lt1"/>
+      </a:solidFill>
+      <a:ln w="9525" cap="flat" cmpd="sng" algn="ctr">
+        <a:solidFill>
+          <a:schemeClr val="tx1">
+            <a:lumMod val="15000"/>
+            <a:lumOff val="85000"/>
+          </a:schemeClr>
+        </a:solidFill>
+        <a:round/>
+      </a:ln>
+    </cs:spPr>
+    <cs:defRPr sz="1197" kern="1200"/>
+  </cs:chartArea>
+  <cs:dataLabel>
+    <cs:lnRef idx="0"/>
+    <cs:fillRef idx="0"/>
+    <cs:effectRef idx="0"/>
+    <cs:fontRef idx="minor">
+      <a:schemeClr val="tx1">
+        <a:lumMod val="50000"/>
+        <a:lumOff val="50000"/>
+      </a:schemeClr>
+    </cs:fontRef>
+    <cs:defRPr sz="1064" b="0" i="0" u="none" strike="noStrike" kern="1200" baseline="0"/>
+    <cs:bodyPr rot="-5400000" spcFirstLastPara="1" vertOverflow="clip" horzOverflow="clip" vert="horz" wrap="square" lIns="38100" tIns="19050" rIns="38100" bIns="19050" anchor="ctr" anchorCtr="1">
+      <a:spAutoFit/>
+    </cs:bodyPr>
+  </cs:dataLabel>
+  <cs:dataLabelCallout>
+    <cs:lnRef idx="0"/>
+    <cs:fillRef idx="0"/>
+    <cs:effectRef idx="0"/>
+    <cs:fontRef idx="minor">
+      <a:schemeClr val="dk1">
+        <a:lumMod val="65000"/>
+        <a:lumOff val="35000"/>
+      </a:schemeClr>
+    </cs:fontRef>
+    <cs:spPr>
+      <a:solidFill>
+        <a:schemeClr val="lt1"/>
+      </a:solidFill>
+      <a:ln>
+        <a:solidFill>
+          <a:schemeClr val="dk1">
+            <a:lumMod val="25000"/>
+            <a:lumOff val="75000"/>
+          </a:schemeClr>
+        </a:solidFill>
+      </a:ln>
+    </cs:spPr>
+    <cs:defRPr sz="1197" kern="1200"/>
+    <cs:bodyPr rot="0" spcFirstLastPara="1" vertOverflow="clip" horzOverflow="clip" vert="horz" wrap="square" lIns="36576" tIns="18288" rIns="36576" bIns="18288" anchor="ctr" anchorCtr="1">
+      <a:spAutoFit/>
+    </cs:bodyPr>
+  </cs:dataLabelCallout>
+  <cs:dataPoint>
+    <cs:lnRef idx="0"/>
+    <cs:fillRef idx="0">
+      <cs:styleClr val="auto"/>
+    </cs:fillRef>
+    <cs:effectRef idx="0"/>
+    <cs:fontRef idx="minor">
+      <a:schemeClr val="dk1"/>
+    </cs:fontRef>
+    <cs:spPr>
+      <a:solidFill>
+        <a:schemeClr val="phClr"/>
+      </a:solidFill>
+    </cs:spPr>
+  </cs:dataPoint>
+  <cs:dataPoint3D>
+    <cs:lnRef idx="0"/>
+    <cs:fillRef idx="0">
+      <cs:styleClr val="auto"/>
+    </cs:fillRef>
+    <cs:effectRef idx="0"/>
+    <cs:fontRef idx="minor">
+      <a:schemeClr val="dk1"/>
+    </cs:fontRef>
+    <cs:spPr>
+      <a:solidFill>
+        <a:schemeClr val="phClr"/>
+      </a:solidFill>
+    </cs:spPr>
+  </cs:dataPoint3D>
+  <cs:dataPointLine>
+    <cs:lnRef idx="0">
+      <cs:styleClr val="auto"/>
+    </cs:lnRef>
+    <cs:fillRef idx="0"/>
+    <cs:effectRef idx="0"/>
+    <cs:fontRef idx="minor">
+      <a:schemeClr val="dk1"/>
+    </cs:fontRef>
+    <cs:spPr>
+      <a:ln w="22225" cap="rnd">
+        <a:solidFill>
+          <a:schemeClr val="phClr"/>
+        </a:solidFill>
+        <a:round/>
+      </a:ln>
+    </cs:spPr>
+  </cs:dataPointLine>
+  <cs:dataPointMarker>
+    <cs:lnRef idx="0">
+      <cs:styleClr val="auto"/>
+    </cs:lnRef>
+    <cs:fillRef idx="0">
+      <cs:styleClr val="auto"/>
+    </cs:fillRef>
+    <cs:effectRef idx="0"/>
+    <cs:fontRef idx="minor">
+      <a:schemeClr val="dk1"/>
+    </cs:fontRef>
+    <cs:spPr>
+      <a:solidFill>
+        <a:schemeClr val="phClr"/>
+      </a:solidFill>
+      <a:ln w="9525">
+        <a:solidFill>
+          <a:schemeClr val="phClr"/>
+        </a:solidFill>
+        <a:round/>
+      </a:ln>
+    </cs:spPr>
+  </cs:dataPointMarker>
+  <cs:dataPointMarkerLayout size="6"/>
+  <cs:dataPointWireframe>
+    <cs:lnRef idx="0">
+      <cs:styleClr val="auto"/>
+    </cs:lnRef>
+    <cs:fillRef idx="0"/>
+    <cs:effectRef idx="0"/>
+    <cs:fontRef idx="minor">
+      <a:schemeClr val="dk1"/>
+    </cs:fontRef>
+    <cs:spPr>
+      <a:ln w="9525" cap="rnd">
+        <a:solidFill>
+          <a:schemeClr val="phClr"/>
+        </a:solidFill>
+        <a:round/>
+      </a:ln>
+    </cs:spPr>
+  </cs:dataPointWireframe>
+  <cs:dataTable>
+    <cs:lnRef idx="0"/>
+    <cs:fillRef idx="0"/>
+    <cs:effectRef idx="0"/>
+    <cs:fontRef idx="minor">
+      <a:schemeClr val="tx1">
+        <a:lumMod val="65000"/>
+        <a:lumOff val="35000"/>
+      </a:schemeClr>
+    </cs:fontRef>
+    <cs:spPr>
+      <a:ln w="9525">
+        <a:solidFill>
+          <a:schemeClr val="tx1">
+            <a:lumMod val="15000"/>
+            <a:lumOff val="85000"/>
+          </a:schemeClr>
+        </a:solidFill>
+      </a:ln>
+    </cs:spPr>
+    <cs:defRPr sz="1197" kern="1200"/>
+  </cs:dataTable>
+  <cs:downBar>
+    <cs:lnRef idx="0"/>
+    <cs:fillRef idx="0"/>
+    <cs:effectRef idx="0"/>
+    <cs:fontRef idx="minor">
+      <a:schemeClr val="dk1"/>
+    </cs:fontRef>
+    <cs:spPr>
+      <a:solidFill>
+        <a:schemeClr val="dk1">
+          <a:lumMod val="75000"/>
+          <a:lumOff val="25000"/>
+        </a:schemeClr>
+      </a:solidFill>
+      <a:ln w="9525">
+        <a:solidFill>
+          <a:schemeClr val="tx1">
+            <a:lumMod val="15000"/>
+            <a:lumOff val="85000"/>
+          </a:schemeClr>
+        </a:solidFill>
+      </a:ln>
+    </cs:spPr>
+  </cs:downBar>
+  <cs:dropLine>
+    <cs:lnRef idx="0"/>
+    <cs:fillRef idx="0"/>
+    <cs:effectRef idx="0"/>
+    <cs:fontRef idx="minor">
+      <a:schemeClr val="dk1"/>
+    </cs:fontRef>
+    <cs:spPr>
+      <a:ln w="9525">
+        <a:solidFill>
+          <a:schemeClr val="tx1">
+            <a:lumMod val="35000"/>
+            <a:lumOff val="65000"/>
+          </a:schemeClr>
+        </a:solidFill>
+      </a:ln>
+    </cs:spPr>
+  </cs:dropLine>
+  <cs:errorBar>
+    <cs:lnRef idx="0"/>
+    <cs:fillRef idx="0"/>
+    <cs:effectRef idx="0"/>
+    <cs:fontRef idx="minor">
+      <a:schemeClr val="dk1"/>
+    </cs:fontRef>
+    <cs:spPr>
+      <a:ln w="9525">
+        <a:solidFill>
+          <a:schemeClr val="tx1">
+            <a:lumMod val="65000"/>
+            <a:lumOff val="35000"/>
+          </a:schemeClr>
+        </a:solidFill>
+        <a:round/>
+      </a:ln>
+    </cs:spPr>
+  </cs:errorBar>
+  <cs:floor>
+    <cs:lnRef idx="0"/>
+    <cs:fillRef idx="0"/>
+    <cs:effectRef idx="0"/>
+    <cs:fontRef idx="minor">
+      <a:schemeClr val="dk1"/>
+    </cs:fontRef>
+  </cs:floor>
+  <cs:gridlineMajor>
+    <cs:lnRef idx="0"/>
+    <cs:fillRef idx="0"/>
+    <cs:effectRef idx="0"/>
+    <cs:fontRef idx="minor">
+      <a:schemeClr val="dk1"/>
+    </cs:fontRef>
+    <cs:spPr>
+      <a:ln w="9525" cap="flat" cmpd="sng" algn="ctr">
+        <a:solidFill>
+          <a:schemeClr val="tx1">
+            <a:lumMod val="15000"/>
+            <a:lumOff val="85000"/>
+          </a:schemeClr>
+        </a:solidFill>
+        <a:round/>
+      </a:ln>
+    </cs:spPr>
+  </cs:gridlineMajor>
+  <cs:gridlineMinor>
+    <cs:lnRef idx="0"/>
+    <cs:fillRef idx="0"/>
+    <cs:effectRef idx="0"/>
+    <cs:fontRef idx="minor">
+      <a:schemeClr val="dk1"/>
+    </cs:fontRef>
+    <cs:spPr>
+      <a:ln>
+        <a:solidFill>
+          <a:schemeClr val="tx1">
+            <a:lumMod val="5000"/>
+            <a:lumOff val="95000"/>
+          </a:schemeClr>
+        </a:solidFill>
+      </a:ln>
+    </cs:spPr>
+  </cs:gridlineMinor>
+  <cs:hiLoLine>
+    <cs:lnRef idx="0"/>
+    <cs:fillRef idx="0"/>
+    <cs:effectRef idx="0"/>
+    <cs:fontRef idx="minor">
+      <a:schemeClr val="dk1"/>
+    </cs:fontRef>
+    <cs:spPr>
+      <a:ln w="9525">
+        <a:solidFill>
+          <a:schemeClr val="tx1">
+            <a:lumMod val="50000"/>
+            <a:lumOff val="50000"/>
+          </a:schemeClr>
+        </a:solidFill>
+      </a:ln>
+    </cs:spPr>
+  </cs:hiLoLine>
+  <cs:leaderLine>
+    <cs:lnRef idx="0"/>
+    <cs:fillRef idx="0"/>
+    <cs:effectRef idx="0"/>
+    <cs:fontRef idx="minor">
+      <a:schemeClr val="dk1"/>
+    </cs:fontRef>
+    <cs:spPr>
+      <a:ln w="9525">
+        <a:solidFill>
+          <a:schemeClr val="tx1">
+            <a:lumMod val="35000"/>
+            <a:lumOff val="65000"/>
+          </a:schemeClr>
+        </a:solidFill>
+      </a:ln>
+    </cs:spPr>
+  </cs:leaderLine>
+  <cs:legend>
+    <cs:lnRef idx="0"/>
+    <cs:fillRef idx="0"/>
+    <cs:effectRef idx="0"/>
+    <cs:fontRef idx="minor">
+      <a:schemeClr val="tx1">
+        <a:lumMod val="65000"/>
+        <a:lumOff val="35000"/>
+      </a:schemeClr>
+    </cs:fontRef>
+    <cs:defRPr sz="1197" kern="1200"/>
+  </cs:legend>
+  <cs:plotArea mods="allowNoFillOverride allowNoLineOverride">
+    <cs:lnRef idx="0"/>
+    <cs:fillRef idx="0"/>
+    <cs:effectRef idx="0"/>
+    <cs:fontRef idx="minor">
+      <a:schemeClr val="dk1"/>
+    </cs:fontRef>
+  </cs:plotArea>
+  <cs:plotArea3D mods="allowNoFillOverride allowNoLineOverride">
+    <cs:lnRef idx="0"/>
+    <cs:fillRef idx="0"/>
+    <cs:effectRef idx="0"/>
+    <cs:fontRef idx="minor">
+      <a:schemeClr val="dk1"/>
+    </cs:fontRef>
+  </cs:plotArea3D>
+  <cs:seriesAxis>
+    <cs:lnRef idx="0"/>
+    <cs:fillRef idx="0"/>
+    <cs:effectRef idx="0"/>
+    <cs:fontRef idx="minor">
+      <a:schemeClr val="tx1">
+        <a:lumMod val="65000"/>
+        <a:lumOff val="35000"/>
+      </a:schemeClr>
+    </cs:fontRef>
+    <cs:spPr>
+      <a:ln w="9525" cap="flat" cmpd="sng" algn="ctr">
+        <a:solidFill>
+          <a:schemeClr val="tx1">
+            <a:lumMod val="15000"/>
+            <a:lumOff val="85000"/>
+          </a:schemeClr>
+        </a:solidFill>
+        <a:round/>
+      </a:ln>
+    </cs:spPr>
+    <cs:defRPr sz="1197" kern="1200"/>
+  </cs:seriesAxis>
+  <cs:seriesLine>
+    <cs:lnRef idx="0"/>
+    <cs:fillRef idx="0"/>
+    <cs:effectRef idx="0"/>
+    <cs:fontRef idx="minor">
+      <a:schemeClr val="dk1"/>
+    </cs:fontRef>
+    <cs:spPr>
+      <a:ln w="9525">
+        <a:solidFill>
+          <a:schemeClr val="tx1">
+            <a:lumMod val="35000"/>
+            <a:lumOff val="65000"/>
+          </a:schemeClr>
+        </a:solidFill>
+        <a:round/>
+      </a:ln>
+    </cs:spPr>
+  </cs:seriesLine>
+  <cs:title>
+    <cs:lnRef idx="0"/>
+    <cs:fillRef idx="0"/>
+    <cs:effectRef idx="0"/>
+    <cs:fontRef idx="minor">
+      <a:schemeClr val="tx1">
+        <a:lumMod val="65000"/>
+        <a:lumOff val="35000"/>
+      </a:schemeClr>
+    </cs:fontRef>
+    <cs:defRPr sz="2128" b="1" kern="1200" cap="all" spc="120" normalizeH="0" baseline="0"/>
+  </cs:title>
+  <cs:trendline>
+    <cs:lnRef idx="0">
+      <cs:styleClr val="auto"/>
+    </cs:lnRef>
+    <cs:fillRef idx="0"/>
+    <cs:effectRef idx="0"/>
+    <cs:fontRef idx="minor">
+      <a:schemeClr val="dk1"/>
+    </cs:fontRef>
+    <cs:spPr>
+      <a:ln w="19050" cap="rnd">
+        <a:solidFill>
+          <a:schemeClr val="phClr"/>
+        </a:solidFill>
+        <a:prstDash val="sysDash"/>
+      </a:ln>
+    </cs:spPr>
+  </cs:trendline>
+  <cs:trendlineLabel>
+    <cs:lnRef idx="0"/>
+    <cs:fillRef idx="0"/>
+    <cs:effectRef idx="0"/>
+    <cs:fontRef idx="minor">
+      <a:schemeClr val="tx1">
+        <a:lumMod val="65000"/>
+        <a:lumOff val="35000"/>
+      </a:schemeClr>
+    </cs:fontRef>
+    <cs:defRPr sz="1064" kern="1200"/>
+  </cs:trendlineLabel>
+  <cs:upBar>
+    <cs:lnRef idx="0"/>
+    <cs:fillRef idx="0"/>
+    <cs:effectRef idx="0"/>
+    <cs:fontRef idx="minor">
+      <a:schemeClr val="dk1"/>
+    </cs:fontRef>
+    <cs:spPr>
+      <a:solidFill>
+        <a:schemeClr val="lt1"/>
+      </a:solidFill>
+      <a:ln w="9525">
+        <a:solidFill>
+          <a:schemeClr val="tx1">
+            <a:lumMod val="65000"/>
+            <a:lumOff val="35000"/>
+          </a:schemeClr>
+        </a:solidFill>
+      </a:ln>
+    </cs:spPr>
+  </cs:upBar>
+  <cs:valueAxis>
+    <cs:lnRef idx="0"/>
+    <cs:fillRef idx="0"/>
+    <cs:effectRef idx="0"/>
+    <cs:fontRef idx="minor">
+      <a:schemeClr val="tx1">
+        <a:lumMod val="65000"/>
+        <a:lumOff val="35000"/>
+      </a:schemeClr>
+    </cs:fontRef>
+    <cs:spPr>
+      <a:ln w="9525" cap="flat" cmpd="sng" algn="ctr">
+        <a:solidFill>
+          <a:schemeClr val="dk1">
+            <a:lumMod val="15000"/>
+            <a:lumOff val="85000"/>
+          </a:schemeClr>
+        </a:solidFill>
+        <a:round/>
+      </a:ln>
+    </cs:spPr>
+    <cs:defRPr sz="1197" kern="1200"/>
+  </cs:valueAxis>
+  <cs:wall>
+    <cs:lnRef idx="0"/>
+    <cs:fillRef idx="0"/>
+    <cs:effectRef idx="0"/>
+    <cs:fontRef idx="minor">
+      <a:schemeClr val="dk1"/>
+    </cs:fontRef>
+  </cs:wall>
+</cs:chartStyle>
+</file>
+
+<file path=ppt/charts/style9.xml><?xml version="1.0" encoding="utf-8"?>
+<cs:chartStyle xmlns:cs="http://schemas.microsoft.com/office/drawing/2012/chartStyle" xmlns:a="http://schemas.openxmlformats.org/drawingml/2006/main" id="202">
+  <cs:axisTitle>
+    <cs:lnRef idx="0"/>
+    <cs:fillRef idx="0"/>
+    <cs:effectRef idx="0"/>
+    <cs:fontRef idx="minor">
+      <a:schemeClr val="tx1">
+        <a:lumMod val="65000"/>
+        <a:lumOff val="35000"/>
+      </a:schemeClr>
+    </cs:fontRef>
+    <cs:defRPr sz="1197" kern="1200" cap="all"/>
+  </cs:axisTitle>
+  <cs:categoryAxis>
+    <cs:lnRef idx="0"/>
+    <cs:fillRef idx="0"/>
+    <cs:effectRef idx="0"/>
+    <cs:fontRef idx="minor">
+      <a:schemeClr val="tx1">
+        <a:lumMod val="65000"/>
+        <a:lumOff val="35000"/>
+      </a:schemeClr>
+    </cs:fontRef>
+    <cs:spPr>
+      <a:ln w="9525" cap="flat" cmpd="sng" algn="ctr">
+        <a:solidFill>
+          <a:schemeClr val="tx1">
+            <a:lumMod val="15000"/>
+            <a:lumOff val="85000"/>
+          </a:schemeClr>
+        </a:solidFill>
+        <a:round/>
+      </a:ln>
+    </cs:spPr>
+    <cs:defRPr sz="1064" kern="1200" cap="all" spc="120" normalizeH="0" baseline="0"/>
+  </cs:categoryAxis>
+  <cs:chartArea mods="allowNoFillOverride allowNoLineOverride">
+    <cs:lnRef idx="0"/>
+    <cs:fillRef idx="0"/>
+    <cs:effectRef idx="0"/>
+    <cs:fontRef idx="minor">
+      <a:schemeClr val="dk1"/>
+    </cs:fontRef>
+    <cs:spPr>
+      <a:solidFill>
+        <a:schemeClr val="lt1"/>
+      </a:solidFill>
+      <a:ln w="9525" cap="flat" cmpd="sng" algn="ctr">
+        <a:solidFill>
+          <a:schemeClr val="tx1">
+            <a:lumMod val="15000"/>
+            <a:lumOff val="85000"/>
+          </a:schemeClr>
+        </a:solidFill>
+        <a:round/>
+      </a:ln>
+    </cs:spPr>
+    <cs:defRPr sz="1197" kern="1200"/>
+  </cs:chartArea>
+  <cs:dataLabel>
+    <cs:lnRef idx="0"/>
+    <cs:fillRef idx="0"/>
+    <cs:effectRef idx="0"/>
+    <cs:fontRef idx="minor">
+      <a:schemeClr val="tx1">
+        <a:lumMod val="50000"/>
+        <a:lumOff val="50000"/>
+      </a:schemeClr>
+    </cs:fontRef>
+    <cs:defRPr sz="1064" b="0" i="0" u="none" strike="noStrike" kern="1200" baseline="0"/>
+    <cs:bodyPr rot="-5400000" spcFirstLastPara="1" vertOverflow="clip" horzOverflow="clip" vert="horz" wrap="square" lIns="38100" tIns="19050" rIns="38100" bIns="19050" anchor="ctr" anchorCtr="1">
+      <a:spAutoFit/>
+    </cs:bodyPr>
+  </cs:dataLabel>
+  <cs:dataLabelCallout>
+    <cs:lnRef idx="0"/>
+    <cs:fillRef idx="0"/>
+    <cs:effectRef idx="0"/>
+    <cs:fontRef idx="minor">
+      <a:schemeClr val="dk1">
+        <a:lumMod val="65000"/>
+        <a:lumOff val="35000"/>
+      </a:schemeClr>
+    </cs:fontRef>
+    <cs:spPr>
+      <a:solidFill>
+        <a:schemeClr val="lt1"/>
+      </a:solidFill>
+      <a:ln>
+        <a:solidFill>
+          <a:schemeClr val="dk1">
+            <a:lumMod val="25000"/>
+            <a:lumOff val="75000"/>
+          </a:schemeClr>
+        </a:solidFill>
+      </a:ln>
+    </cs:spPr>
+    <cs:defRPr sz="1197" kern="1200"/>
+    <cs:bodyPr rot="0" spcFirstLastPara="1" vertOverflow="clip" horzOverflow="clip" vert="horz" wrap="square" lIns="36576" tIns="18288" rIns="36576" bIns="18288" anchor="ctr" anchorCtr="1">
+      <a:spAutoFit/>
+    </cs:bodyPr>
+  </cs:dataLabelCallout>
+  <cs:dataPoint>
+    <cs:lnRef idx="0"/>
+    <cs:fillRef idx="0">
+      <cs:styleClr val="auto"/>
+    </cs:fillRef>
+    <cs:effectRef idx="0"/>
+    <cs:fontRef idx="minor">
+      <a:schemeClr val="dk1"/>
+    </cs:fontRef>
+    <cs:spPr>
+      <a:solidFill>
+        <a:schemeClr val="phClr"/>
+      </a:solidFill>
+    </cs:spPr>
+  </cs:dataPoint>
+  <cs:dataPoint3D>
+    <cs:lnRef idx="0"/>
+    <cs:fillRef idx="0">
+      <cs:styleClr val="auto"/>
+    </cs:fillRef>
+    <cs:effectRef idx="0"/>
+    <cs:fontRef idx="minor">
+      <a:schemeClr val="dk1"/>
+    </cs:fontRef>
+    <cs:spPr>
+      <a:solidFill>
+        <a:schemeClr val="phClr"/>
+      </a:solidFill>
+    </cs:spPr>
+  </cs:dataPoint3D>
+  <cs:dataPointLine>
+    <cs:lnRef idx="0">
+      <cs:styleClr val="auto"/>
+    </cs:lnRef>
+    <cs:fillRef idx="0"/>
+    <cs:effectRef idx="0"/>
+    <cs:fontRef idx="minor">
+      <a:schemeClr val="dk1"/>
+    </cs:fontRef>
+    <cs:spPr>
+      <a:ln w="22225" cap="rnd">
+        <a:solidFill>
+          <a:schemeClr val="phClr"/>
+        </a:solidFill>
+        <a:round/>
+      </a:ln>
+    </cs:spPr>
+  </cs:dataPointLine>
+  <cs:dataPointMarker>
+    <cs:lnRef idx="0">
+      <cs:styleClr val="auto"/>
+    </cs:lnRef>
+    <cs:fillRef idx="0">
+      <cs:styleClr val="auto"/>
+    </cs:fillRef>
+    <cs:effectRef idx="0"/>
+    <cs:fontRef idx="minor">
+      <a:schemeClr val="dk1"/>
+    </cs:fontRef>
+    <cs:spPr>
+      <a:solidFill>
+        <a:schemeClr val="phClr"/>
+      </a:solidFill>
+      <a:ln w="9525">
+        <a:solidFill>
+          <a:schemeClr val="phClr"/>
+        </a:solidFill>
+        <a:round/>
+      </a:ln>
+    </cs:spPr>
+  </cs:dataPointMarker>
+  <cs:dataPointMarkerLayout size="6"/>
+  <cs:dataPointWireframe>
+    <cs:lnRef idx="0">
+      <cs:styleClr val="auto"/>
+    </cs:lnRef>
+    <cs:fillRef idx="0"/>
+    <cs:effectRef idx="0"/>
+    <cs:fontRef idx="minor">
+      <a:schemeClr val="dk1"/>
+    </cs:fontRef>
+    <cs:spPr>
+      <a:ln w="9525" cap="rnd">
+        <a:solidFill>
+          <a:schemeClr val="phClr"/>
+        </a:solidFill>
+        <a:round/>
+      </a:ln>
+    </cs:spPr>
+  </cs:dataPointWireframe>
+  <cs:dataTable>
+    <cs:lnRef idx="0"/>
+    <cs:fillRef idx="0"/>
+    <cs:effectRef idx="0"/>
+    <cs:fontRef idx="minor">
+      <a:schemeClr val="tx1">
+        <a:lumMod val="65000"/>
+        <a:lumOff val="35000"/>
+      </a:schemeClr>
+    </cs:fontRef>
+    <cs:spPr>
+      <a:ln w="9525">
+        <a:solidFill>
+          <a:schemeClr val="tx1">
+            <a:lumMod val="15000"/>
+            <a:lumOff val="85000"/>
+          </a:schemeClr>
+        </a:solidFill>
+      </a:ln>
+    </cs:spPr>
+    <cs:defRPr sz="1197" kern="1200"/>
+  </cs:dataTable>
+  <cs:downBar>
+    <cs:lnRef idx="0"/>
+    <cs:fillRef idx="0"/>
+    <cs:effectRef idx="0"/>
+    <cs:fontRef idx="minor">
+      <a:schemeClr val="dk1"/>
+    </cs:fontRef>
+    <cs:spPr>
+      <a:solidFill>
+        <a:schemeClr val="dk1">
+          <a:lumMod val="75000"/>
+          <a:lumOff val="25000"/>
+        </a:schemeClr>
+      </a:solidFill>
+      <a:ln w="9525">
+        <a:solidFill>
+          <a:schemeClr val="tx1">
+            <a:lumMod val="15000"/>
+            <a:lumOff val="85000"/>
+          </a:schemeClr>
+        </a:solidFill>
+      </a:ln>
+    </cs:spPr>
+  </cs:downBar>
+  <cs:dropLine>
+    <cs:lnRef idx="0"/>
+    <cs:fillRef idx="0"/>
+    <cs:effectRef idx="0"/>
+    <cs:fontRef idx="minor">
+      <a:schemeClr val="dk1"/>
+    </cs:fontRef>
+    <cs:spPr>
+      <a:ln w="9525">
+        <a:solidFill>
+          <a:schemeClr val="tx1">
+            <a:lumMod val="35000"/>
+            <a:lumOff val="65000"/>
+          </a:schemeClr>
+        </a:solidFill>
+      </a:ln>
+    </cs:spPr>
+  </cs:dropLine>
+  <cs:errorBar>
+    <cs:lnRef idx="0"/>
+    <cs:fillRef idx="0"/>
+    <cs:effectRef idx="0"/>
+    <cs:fontRef idx="minor">
+      <a:schemeClr val="dk1"/>
+    </cs:fontRef>
+    <cs:spPr>
+      <a:ln w="9525">
+        <a:solidFill>
+          <a:schemeClr val="tx1">
+            <a:lumMod val="65000"/>
+            <a:lumOff val="35000"/>
+          </a:schemeClr>
+        </a:solidFill>
+        <a:round/>
+      </a:ln>
+    </cs:spPr>
+  </cs:errorBar>
+  <cs:floor>
+    <cs:lnRef idx="0"/>
+    <cs:fillRef idx="0"/>
+    <cs:effectRef idx="0"/>
+    <cs:fontRef idx="minor">
+      <a:schemeClr val="dk1"/>
+    </cs:fontRef>
+  </cs:floor>
+  <cs:gridlineMajor>
+    <cs:lnRef idx="0"/>
+    <cs:fillRef idx="0"/>
+    <cs:effectRef idx="0"/>
+    <cs:fontRef idx="minor">
+      <a:schemeClr val="dk1"/>
+    </cs:fontRef>
+    <cs:spPr>
+      <a:ln w="9525" cap="flat" cmpd="sng" algn="ctr">
+        <a:solidFill>
+          <a:schemeClr val="tx1">
+            <a:lumMod val="15000"/>
+            <a:lumOff val="85000"/>
+          </a:schemeClr>
+        </a:solidFill>
+        <a:round/>
+      </a:ln>
+    </cs:spPr>
+  </cs:gridlineMajor>
+  <cs:gridlineMinor>
+    <cs:lnRef idx="0"/>
+    <cs:fillRef idx="0"/>
+    <cs:effectRef idx="0"/>
+    <cs:fontRef idx="minor">
+      <a:schemeClr val="dk1"/>
+    </cs:fontRef>
+    <cs:spPr>
+      <a:ln>
+        <a:solidFill>
+          <a:schemeClr val="tx1">
+            <a:lumMod val="5000"/>
+            <a:lumOff val="95000"/>
+          </a:schemeClr>
+        </a:solidFill>
+      </a:ln>
+    </cs:spPr>
+  </cs:gridlineMinor>
+  <cs:hiLoLine>
+    <cs:lnRef idx="0"/>
+    <cs:fillRef idx="0"/>
+    <cs:effectRef idx="0"/>
+    <cs:fontRef idx="minor">
+      <a:schemeClr val="dk1"/>
+    </cs:fontRef>
+    <cs:spPr>
+      <a:ln w="9525">
+        <a:solidFill>
+          <a:schemeClr val="tx1">
+            <a:lumMod val="50000"/>
+            <a:lumOff val="50000"/>
+          </a:schemeClr>
+        </a:solidFill>
+      </a:ln>
+    </cs:spPr>
+  </cs:hiLoLine>
+  <cs:leaderLine>
+    <cs:lnRef idx="0"/>
+    <cs:fillRef idx="0"/>
+    <cs:effectRef idx="0"/>
+    <cs:fontRef idx="minor">
+      <a:schemeClr val="dk1"/>
+    </cs:fontRef>
+    <cs:spPr>
+      <a:ln w="9525">
+        <a:solidFill>
+          <a:schemeClr val="tx1">
+            <a:lumMod val="35000"/>
+            <a:lumOff val="65000"/>
+          </a:schemeClr>
+        </a:solidFill>
+      </a:ln>
+    </cs:spPr>
+  </cs:leaderLine>
+  <cs:legend>
+    <cs:lnRef idx="0"/>
+    <cs:fillRef idx="0"/>
+    <cs:effectRef idx="0"/>
+    <cs:fontRef idx="minor">
+      <a:schemeClr val="tx1">
+        <a:lumMod val="65000"/>
+        <a:lumOff val="35000"/>
+      </a:schemeClr>
+    </cs:fontRef>
+    <cs:defRPr sz="1197" kern="1200"/>
+  </cs:legend>
+  <cs:plotArea mods="allowNoFillOverride allowNoLineOverride">
+    <cs:lnRef idx="0"/>
+    <cs:fillRef idx="0"/>
+    <cs:effectRef idx="0"/>
+    <cs:fontRef idx="minor">
+      <a:schemeClr val="dk1"/>
+    </cs:fontRef>
+  </cs:plotArea>
+  <cs:plotArea3D mods="allowNoFillOverride allowNoLineOverride">
+    <cs:lnRef idx="0"/>
+    <cs:fillRef idx="0"/>
+    <cs:effectRef idx="0"/>
+    <cs:fontRef idx="minor">
+      <a:schemeClr val="dk1"/>
+    </cs:fontRef>
+  </cs:plotArea3D>
+  <cs:seriesAxis>
+    <cs:lnRef idx="0"/>
+    <cs:fillRef idx="0"/>
+    <cs:effectRef idx="0"/>
+    <cs:fontRef idx="minor">
+      <a:schemeClr val="tx1">
+        <a:lumMod val="65000"/>
+        <a:lumOff val="35000"/>
+      </a:schemeClr>
+    </cs:fontRef>
+    <cs:spPr>
+      <a:ln w="9525" cap="flat" cmpd="sng" algn="ctr">
+        <a:solidFill>
+          <a:schemeClr val="tx1">
+            <a:lumMod val="15000"/>
+            <a:lumOff val="85000"/>
+          </a:schemeClr>
+        </a:solidFill>
+        <a:round/>
+      </a:ln>
+    </cs:spPr>
+    <cs:defRPr sz="1197" kern="1200"/>
+  </cs:seriesAxis>
+  <cs:seriesLine>
+    <cs:lnRef idx="0"/>
+    <cs:fillRef idx="0"/>
+    <cs:effectRef idx="0"/>
+    <cs:fontRef idx="minor">
+      <a:schemeClr val="dk1"/>
+    </cs:fontRef>
+    <cs:spPr>
+      <a:ln w="9525">
+        <a:solidFill>
+          <a:schemeClr val="tx1">
+            <a:lumMod val="35000"/>
+            <a:lumOff val="65000"/>
+          </a:schemeClr>
+        </a:solidFill>
+        <a:round/>
+      </a:ln>
+    </cs:spPr>
+  </cs:seriesLine>
+  <cs:title>
+    <cs:lnRef idx="0"/>
+    <cs:fillRef idx="0"/>
+    <cs:effectRef idx="0"/>
+    <cs:fontRef idx="minor">
+      <a:schemeClr val="tx1">
+        <a:lumMod val="65000"/>
+        <a:lumOff val="35000"/>
+      </a:schemeClr>
+    </cs:fontRef>
+    <cs:defRPr sz="2128" b="1" kern="1200" cap="all" spc="120" normalizeH="0" baseline="0"/>
+  </cs:title>
+  <cs:trendline>
+    <cs:lnRef idx="0">
+      <cs:styleClr val="auto"/>
+    </cs:lnRef>
+    <cs:fillRef idx="0"/>
+    <cs:effectRef idx="0"/>
+    <cs:fontRef idx="minor">
+      <a:schemeClr val="dk1"/>
+    </cs:fontRef>
+    <cs:spPr>
+      <a:ln w="19050" cap="rnd">
+        <a:solidFill>
+          <a:schemeClr val="phClr"/>
+        </a:solidFill>
+        <a:prstDash val="sysDash"/>
+      </a:ln>
+    </cs:spPr>
+  </cs:trendline>
+  <cs:trendlineLabel>
+    <cs:lnRef idx="0"/>
+    <cs:fillRef idx="0"/>
+    <cs:effectRef idx="0"/>
+    <cs:fontRef idx="minor">
+      <a:schemeClr val="tx1">
+        <a:lumMod val="65000"/>
+        <a:lumOff val="35000"/>
+      </a:schemeClr>
+    </cs:fontRef>
+    <cs:defRPr sz="1064" kern="1200"/>
+  </cs:trendlineLabel>
+  <cs:upBar>
+    <cs:lnRef idx="0"/>
+    <cs:fillRef idx="0"/>
+    <cs:effectRef idx="0"/>
+    <cs:fontRef idx="minor">
+      <a:schemeClr val="dk1"/>
+    </cs:fontRef>
+    <cs:spPr>
+      <a:solidFill>
+        <a:schemeClr val="lt1"/>
+      </a:solidFill>
+      <a:ln w="9525">
+        <a:solidFill>
+          <a:schemeClr val="tx1">
+            <a:lumMod val="65000"/>
+            <a:lumOff val="35000"/>
+          </a:schemeClr>
+        </a:solidFill>
+      </a:ln>
+    </cs:spPr>
+  </cs:upBar>
+  <cs:valueAxis>
+    <cs:lnRef idx="0"/>
+    <cs:fillRef idx="0"/>
+    <cs:effectRef idx="0"/>
+    <cs:fontRef idx="minor">
+      <a:schemeClr val="tx1">
+        <a:lumMod val="65000"/>
+        <a:lumOff val="35000"/>
+      </a:schemeClr>
+    </cs:fontRef>
+    <cs:spPr>
+      <a:ln w="9525" cap="flat" cmpd="sng" algn="ctr">
+        <a:solidFill>
+          <a:schemeClr val="dk1">
+            <a:lumMod val="15000"/>
+            <a:lumOff val="85000"/>
+          </a:schemeClr>
+        </a:solidFill>
+        <a:round/>
+      </a:ln>
+    </cs:spPr>
+    <cs:defRPr sz="1197" kern="1200"/>
+  </cs:valueAxis>
+  <cs:wall>
+    <cs:lnRef idx="0"/>
+    <cs:fillRef idx="0"/>
+    <cs:effectRef idx="0"/>
+    <cs:fontRef idx="minor">
+      <a:schemeClr val="dk1"/>
+    </cs:fontRef>
+  </cs:wall>
+</cs:chartStyle>
+</file>
+
 <file path=ppt/slideLayouts/slideLayout1.xml><?xml version="1.0" encoding="utf-8"?>
 <p:sldLayout xmlns:a="http://schemas.openxmlformats.org/drawingml/2006/main" xmlns:r="http://schemas.openxmlformats.org/officeDocument/2006/relationships" xmlns:p="http://schemas.openxmlformats.org/presentationml/2006/main" type="blank" preserve="1">
   <p:cSld name="Blank Slide">
@@ -30887,6 +34220,15 @@
               <a:t>Similarity</a:t>
             </a:r>
             <a:r>
+              <a:rPr lang="it-IT" sz="4000" spc="-1" dirty="0">
+                <a:solidFill>
+                  <a:srgbClr val="FFFFFF"/>
+                </a:solidFill>
+                <a:latin typeface="Calibri Light"/>
+              </a:rPr>
+              <a:t> </a:t>
+            </a:r>
+            <a:r>
               <a:rPr lang="it-IT" sz="4000" b="0" strike="noStrike" spc="-1" dirty="0">
                 <a:solidFill>
                   <a:srgbClr val="FFFFFF"/>
@@ -30926,14 +34268,14 @@
           <p:nvPr>
             <p:extLst>
               <p:ext uri="{D42A27DB-BD31-4B8C-83A1-F6EECF244321}">
-                <p14:modId xmlns:p14="http://schemas.microsoft.com/office/powerpoint/2010/main" val="1007633424"/>
+                <p14:modId xmlns:p14="http://schemas.microsoft.com/office/powerpoint/2010/main" val="853174606"/>
               </p:ext>
             </p:extLst>
           </p:nvPr>
         </p:nvGraphicFramePr>
         <p:xfrm>
-          <a:off x="2910212" y="1902025"/>
-          <a:ext cx="6371336" cy="4433040"/>
+          <a:off x="310896" y="1902025"/>
+          <a:ext cx="11667744" cy="4433040"/>
         </p:xfrm>
         <a:graphic>
           <a:graphicData uri="http://schemas.openxmlformats.org/drawingml/2006/chart">
@@ -30950,6 +34292,429 @@
 </file>
 
 <file path=ppt/slides/slide32.xml><?xml version="1.0" encoding="utf-8"?>
+<p:sld xmlns:a="http://schemas.openxmlformats.org/drawingml/2006/main" xmlns:r="http://schemas.openxmlformats.org/officeDocument/2006/relationships" xmlns:p="http://schemas.openxmlformats.org/presentationml/2006/main">
+  <p:cSld>
+    <p:bg>
+      <p:bgPr>
+        <a:solidFill>
+          <a:srgbClr val="FFFFFF"/>
+        </a:solidFill>
+        <a:effectLst/>
+      </p:bgPr>
+    </p:bg>
+    <p:spTree>
+      <p:nvGrpSpPr>
+        <p:cNvPr id="1" name=""/>
+        <p:cNvGrpSpPr/>
+        <p:nvPr/>
+      </p:nvGrpSpPr>
+      <p:grpSpPr>
+        <a:xfrm>
+          <a:off x="0" y="0"/>
+          <a:ext cx="0" cy="0"/>
+          <a:chOff x="0" y="0"/>
+          <a:chExt cx="0" cy="0"/>
+        </a:xfrm>
+      </p:grpSpPr>
+      <p:sp>
+        <p:nvSpPr>
+          <p:cNvPr id="472" name="Rectangle 9"/>
+          <p:cNvSpPr/>
+          <p:nvPr/>
+        </p:nvSpPr>
+        <p:spPr>
+          <a:xfrm flipH="1">
+            <a:off x="0" y="0"/>
+            <a:ext cx="12191760" cy="1590480"/>
+          </a:xfrm>
+          <a:prstGeom prst="rect">
+            <a:avLst/>
+          </a:prstGeom>
+          <a:gradFill rotWithShape="0">
+            <a:gsLst>
+              <a:gs pos="0">
+                <a:srgbClr val="000000"/>
+              </a:gs>
+              <a:gs pos="100000">
+                <a:srgbClr val="2F5597"/>
+              </a:gs>
+            </a:gsLst>
+            <a:lin ang="2400000"/>
+          </a:gradFill>
+          <a:ln>
+            <a:noFill/>
+          </a:ln>
+        </p:spPr>
+        <p:style>
+          <a:lnRef idx="2">
+            <a:schemeClr val="accent1">
+              <a:shade val="50000"/>
+            </a:schemeClr>
+          </a:lnRef>
+          <a:fillRef idx="1">
+            <a:schemeClr val="accent1"/>
+          </a:fillRef>
+          <a:effectRef idx="0">
+            <a:schemeClr val="accent1"/>
+          </a:effectRef>
+          <a:fontRef idx="minor"/>
+        </p:style>
+        <p:txBody>
+          <a:bodyPr lIns="90000" tIns="45000" rIns="90000" bIns="45000" anchor="ctr">
+            <a:noAutofit/>
+          </a:bodyPr>
+          <a:lstStyle/>
+          <a:p>
+            <a:pPr algn="ctr">
+              <a:lnSpc>
+                <a:spcPct val="100000"/>
+              </a:lnSpc>
+            </a:pPr>
+            <a:endParaRPr lang="en-US" sz="1410" b="0" strike="noStrike" spc="-1">
+              <a:solidFill>
+                <a:schemeClr val="lt1"/>
+              </a:solidFill>
+              <a:latin typeface="Calibri"/>
+            </a:endParaRPr>
+          </a:p>
+        </p:txBody>
+      </p:sp>
+      <p:sp>
+        <p:nvSpPr>
+          <p:cNvPr id="473" name="Rectangle 11"/>
+          <p:cNvSpPr/>
+          <p:nvPr/>
+        </p:nvSpPr>
+        <p:spPr>
+          <a:xfrm rot="10800000" flipH="1">
+            <a:off x="360" y="360"/>
+            <a:ext cx="8115120" cy="1590480"/>
+          </a:xfrm>
+          <a:prstGeom prst="rect">
+            <a:avLst/>
+          </a:prstGeom>
+          <a:gradFill rotWithShape="0">
+            <a:gsLst>
+              <a:gs pos="20000">
+                <a:srgbClr val="4472C4">
+                  <a:alpha val="0"/>
+                </a:srgbClr>
+              </a:gs>
+              <a:gs pos="100000">
+                <a:srgbClr val="203864">
+                  <a:alpha val="55294"/>
+                </a:srgbClr>
+              </a:gs>
+            </a:gsLst>
+            <a:lin ang="7800000"/>
+          </a:gradFill>
+          <a:ln>
+            <a:noFill/>
+          </a:ln>
+        </p:spPr>
+        <p:style>
+          <a:lnRef idx="2">
+            <a:schemeClr val="accent1">
+              <a:shade val="50000"/>
+            </a:schemeClr>
+          </a:lnRef>
+          <a:fillRef idx="1">
+            <a:schemeClr val="accent1"/>
+          </a:fillRef>
+          <a:effectRef idx="0">
+            <a:schemeClr val="accent1"/>
+          </a:effectRef>
+          <a:fontRef idx="minor"/>
+        </p:style>
+        <p:txBody>
+          <a:bodyPr lIns="90000" tIns="45000" rIns="90000" bIns="45000" anchor="ctr">
+            <a:noAutofit/>
+          </a:bodyPr>
+          <a:lstStyle/>
+          <a:p>
+            <a:pPr algn="ctr">
+              <a:lnSpc>
+                <a:spcPct val="100000"/>
+              </a:lnSpc>
+            </a:pPr>
+            <a:endParaRPr lang="en-US" sz="1410" b="0" strike="noStrike" spc="-1">
+              <a:solidFill>
+                <a:schemeClr val="lt1"/>
+              </a:solidFill>
+              <a:latin typeface="Calibri"/>
+            </a:endParaRPr>
+          </a:p>
+        </p:txBody>
+      </p:sp>
+      <p:sp>
+        <p:nvSpPr>
+          <p:cNvPr id="474" name="Rectangle 13"/>
+          <p:cNvSpPr/>
+          <p:nvPr/>
+        </p:nvSpPr>
+        <p:spPr>
+          <a:xfrm flipH="1">
+            <a:off x="8114400" y="0"/>
+            <a:ext cx="4076280" cy="1590480"/>
+          </a:xfrm>
+          <a:prstGeom prst="rect">
+            <a:avLst/>
+          </a:prstGeom>
+          <a:gradFill rotWithShape="0">
+            <a:gsLst>
+              <a:gs pos="0">
+                <a:srgbClr val="4472C4">
+                  <a:alpha val="66274"/>
+                </a:srgbClr>
+              </a:gs>
+              <a:gs pos="100000">
+                <a:srgbClr val="000000">
+                  <a:alpha val="30196"/>
+                </a:srgbClr>
+              </a:gs>
+            </a:gsLst>
+            <a:lin ang="19200000"/>
+          </a:gradFill>
+          <a:ln>
+            <a:noFill/>
+          </a:ln>
+        </p:spPr>
+        <p:style>
+          <a:lnRef idx="2">
+            <a:schemeClr val="accent1">
+              <a:shade val="50000"/>
+            </a:schemeClr>
+          </a:lnRef>
+          <a:fillRef idx="1">
+            <a:schemeClr val="accent1"/>
+          </a:fillRef>
+          <a:effectRef idx="0">
+            <a:schemeClr val="accent1"/>
+          </a:effectRef>
+          <a:fontRef idx="minor"/>
+        </p:style>
+        <p:txBody>
+          <a:bodyPr lIns="90000" tIns="45000" rIns="90000" bIns="45000" anchor="ctr">
+            <a:noAutofit/>
+          </a:bodyPr>
+          <a:lstStyle/>
+          <a:p>
+            <a:pPr algn="ctr">
+              <a:lnSpc>
+                <a:spcPct val="100000"/>
+              </a:lnSpc>
+            </a:pPr>
+            <a:endParaRPr lang="en-US" sz="1410" b="0" strike="noStrike" spc="-1">
+              <a:solidFill>
+                <a:schemeClr val="lt1"/>
+              </a:solidFill>
+              <a:latin typeface="Calibri"/>
+            </a:endParaRPr>
+          </a:p>
+        </p:txBody>
+      </p:sp>
+      <p:sp>
+        <p:nvSpPr>
+          <p:cNvPr id="475" name="Rectangle 15"/>
+          <p:cNvSpPr/>
+          <p:nvPr/>
+        </p:nvSpPr>
+        <p:spPr>
+          <a:xfrm>
+            <a:off x="459360" y="0"/>
+            <a:ext cx="11732400" cy="1596960"/>
+          </a:xfrm>
+          <a:prstGeom prst="rect">
+            <a:avLst/>
+          </a:prstGeom>
+          <a:gradFill rotWithShape="0">
+            <a:gsLst>
+              <a:gs pos="50000">
+                <a:srgbClr val="000000">
+                  <a:alpha val="0"/>
+                </a:srgbClr>
+              </a:gs>
+              <a:gs pos="100000">
+                <a:srgbClr val="203864">
+                  <a:alpha val="52156"/>
+                </a:srgbClr>
+              </a:gs>
+            </a:gsLst>
+            <a:lin ang="16800000"/>
+          </a:gradFill>
+          <a:ln>
+            <a:noFill/>
+          </a:ln>
+        </p:spPr>
+        <p:style>
+          <a:lnRef idx="2">
+            <a:schemeClr val="accent1">
+              <a:shade val="50000"/>
+            </a:schemeClr>
+          </a:lnRef>
+          <a:fillRef idx="1">
+            <a:schemeClr val="accent1"/>
+          </a:fillRef>
+          <a:effectRef idx="0">
+            <a:schemeClr val="accent1"/>
+          </a:effectRef>
+          <a:fontRef idx="minor"/>
+        </p:style>
+        <p:txBody>
+          <a:bodyPr lIns="90000" tIns="45000" rIns="90000" bIns="45000" anchor="ctr">
+            <a:noAutofit/>
+          </a:bodyPr>
+          <a:lstStyle/>
+          <a:p>
+            <a:pPr algn="ctr">
+              <a:lnSpc>
+                <a:spcPct val="100000"/>
+              </a:lnSpc>
+            </a:pPr>
+            <a:endParaRPr lang="en-US" sz="1410" b="0" strike="noStrike" spc="-1">
+              <a:solidFill>
+                <a:schemeClr val="lt1"/>
+              </a:solidFill>
+              <a:latin typeface="Calibri"/>
+            </a:endParaRPr>
+          </a:p>
+        </p:txBody>
+      </p:sp>
+      <p:sp>
+        <p:nvSpPr>
+          <p:cNvPr id="476" name="PlaceHolder 1"/>
+          <p:cNvSpPr>
+            <a:spLocks noGrp="1"/>
+          </p:cNvSpPr>
+          <p:nvPr>
+            <p:ph type="title"/>
+          </p:nvPr>
+        </p:nvSpPr>
+        <p:spPr>
+          <a:xfrm>
+            <a:off x="459360" y="278640"/>
+            <a:ext cx="11058120" cy="1033200"/>
+          </a:xfrm>
+          <a:prstGeom prst="rect">
+            <a:avLst/>
+          </a:prstGeom>
+          <a:noFill/>
+          <a:ln w="0">
+            <a:noFill/>
+          </a:ln>
+        </p:spPr>
+        <p:txBody>
+          <a:bodyPr anchor="ctr">
+            <a:normAutofit/>
+          </a:bodyPr>
+          <a:lstStyle/>
+          <a:p>
+            <a:pPr indent="0">
+              <a:lnSpc>
+                <a:spcPct val="90000"/>
+              </a:lnSpc>
+              <a:buNone/>
+            </a:pPr>
+            <a:r>
+              <a:rPr lang="it-IT" sz="4000" spc="-1" dirty="0">
+                <a:solidFill>
+                  <a:srgbClr val="FFFFFF"/>
+                </a:solidFill>
+                <a:latin typeface="Calibri Light"/>
+              </a:rPr>
+              <a:t>First </a:t>
+            </a:r>
+            <a:r>
+              <a:rPr lang="it-IT" sz="4000" spc="-1" dirty="0" err="1">
+                <a:solidFill>
+                  <a:srgbClr val="FFFFFF"/>
+                </a:solidFill>
+                <a:latin typeface="Calibri Light"/>
+              </a:rPr>
+              <a:t>classifier</a:t>
+            </a:r>
+            <a:r>
+              <a:rPr lang="it-IT" sz="4000" spc="-1" dirty="0">
+                <a:solidFill>
+                  <a:srgbClr val="FFFFFF"/>
+                </a:solidFill>
+                <a:latin typeface="Calibri Light"/>
+              </a:rPr>
+              <a:t> on </a:t>
+            </a:r>
+            <a:r>
+              <a:rPr lang="it-IT" sz="4000" spc="-1" dirty="0" err="1">
+                <a:solidFill>
+                  <a:srgbClr val="FFFFFF"/>
+                </a:solidFill>
+                <a:latin typeface="Calibri Light"/>
+              </a:rPr>
+              <a:t>TreeEditDistance</a:t>
+            </a:r>
+            <a:r>
+              <a:rPr lang="it-IT" sz="4000" b="0" strike="noStrike" spc="-1" dirty="0">
+                <a:solidFill>
+                  <a:srgbClr val="FFFFFF"/>
+                </a:solidFill>
+                <a:latin typeface="Calibri Light"/>
+              </a:rPr>
+              <a:t>- </a:t>
+            </a:r>
+            <a:r>
+              <a:rPr lang="it-IT" sz="4000" b="0" strike="noStrike" spc="-1" dirty="0" err="1">
+                <a:solidFill>
+                  <a:srgbClr val="FFFFFF"/>
+                </a:solidFill>
+                <a:latin typeface="Calibri Light"/>
+              </a:rPr>
+              <a:t>Results</a:t>
+            </a:r>
+            <a:endParaRPr lang="it-IT" sz="4000" b="0" strike="noStrike" spc="-1" dirty="0">
+              <a:solidFill>
+                <a:srgbClr val="000000"/>
+              </a:solidFill>
+              <a:latin typeface="Calibri"/>
+            </a:endParaRPr>
+          </a:p>
+        </p:txBody>
+      </p:sp>
+      <p:graphicFrame>
+        <p:nvGraphicFramePr>
+          <p:cNvPr id="6" name="Grafico 5">
+            <a:extLst>
+              <a:ext uri="{FF2B5EF4-FFF2-40B4-BE49-F238E27FC236}">
+                <a16:creationId xmlns:a16="http://schemas.microsoft.com/office/drawing/2014/main" id="{636C2048-D7AD-A36E-7983-876CF2149AD1}"/>
+              </a:ext>
+            </a:extLst>
+          </p:cNvPr>
+          <p:cNvGraphicFramePr/>
+          <p:nvPr>
+            <p:extLst>
+              <p:ext uri="{D42A27DB-BD31-4B8C-83A1-F6EECF244321}">
+                <p14:modId xmlns:p14="http://schemas.microsoft.com/office/powerpoint/2010/main" val="3619442701"/>
+              </p:ext>
+            </p:extLst>
+          </p:nvPr>
+        </p:nvGraphicFramePr>
+        <p:xfrm>
+          <a:off x="310896" y="1902025"/>
+          <a:ext cx="11667744" cy="4433040"/>
+        </p:xfrm>
+        <a:graphic>
+          <a:graphicData uri="http://schemas.openxmlformats.org/drawingml/2006/chart">
+            <c:chart xmlns:c="http://schemas.openxmlformats.org/drawingml/2006/chart" xmlns:r="http://schemas.openxmlformats.org/officeDocument/2006/relationships" r:id="rId2"/>
+          </a:graphicData>
+        </a:graphic>
+      </p:graphicFrame>
+    </p:spTree>
+  </p:cSld>
+  <p:clrMapOvr>
+    <a:masterClrMapping/>
+  </p:clrMapOvr>
+</p:sld>
+</file>
+
+<file path=ppt/slides/slide33.xml><?xml version="1.0" encoding="utf-8"?>
 <p:sld xmlns:a="http://schemas.openxmlformats.org/drawingml/2006/main" xmlns:r="http://schemas.openxmlformats.org/officeDocument/2006/relationships" xmlns:p="http://schemas.openxmlformats.org/presentationml/2006/main">
   <p:cSld>
     <p:bg>
@@ -31391,7 +35156,7 @@
 </p:sld>
 </file>
 
-<file path=ppt/slides/slide33.xml><?xml version="1.0" encoding="utf-8"?>
+<file path=ppt/slides/slide34.xml><?xml version="1.0" encoding="utf-8"?>
 <p:sld xmlns:a="http://schemas.openxmlformats.org/drawingml/2006/main" xmlns:r="http://schemas.openxmlformats.org/officeDocument/2006/relationships" xmlns:p="http://schemas.openxmlformats.org/presentationml/2006/main">
   <p:cSld>
     <p:bg>
@@ -31833,7 +35598,7 @@
 </p:sld>
 </file>
 
-<file path=ppt/slides/slide34.xml><?xml version="1.0" encoding="utf-8"?>
+<file path=ppt/slides/slide35.xml><?xml version="1.0" encoding="utf-8"?>
 <p:sld xmlns:a="http://schemas.openxmlformats.org/drawingml/2006/main" xmlns:r="http://schemas.openxmlformats.org/officeDocument/2006/relationships" xmlns:p="http://schemas.openxmlformats.org/presentationml/2006/main">
   <p:cSld>
     <p:bg>
@@ -32275,7 +36040,7 @@
 </p:sld>
 </file>
 
-<file path=ppt/slides/slide35.xml><?xml version="1.0" encoding="utf-8"?>
+<file path=ppt/slides/slide36.xml><?xml version="1.0" encoding="utf-8"?>
 <p:sld xmlns:a="http://schemas.openxmlformats.org/drawingml/2006/main" xmlns:r="http://schemas.openxmlformats.org/officeDocument/2006/relationships" xmlns:p="http://schemas.openxmlformats.org/presentationml/2006/main">
   <p:cSld>
     <p:bg>
@@ -32717,7 +36482,7 @@
 </p:sld>
 </file>
 
-<file path=ppt/slides/slide36.xml><?xml version="1.0" encoding="utf-8"?>
+<file path=ppt/slides/slide37.xml><?xml version="1.0" encoding="utf-8"?>
 <p:sld xmlns:a="http://schemas.openxmlformats.org/drawingml/2006/main" xmlns:r="http://schemas.openxmlformats.org/officeDocument/2006/relationships" xmlns:p="http://schemas.openxmlformats.org/presentationml/2006/main">
   <p:cSld>
     <p:bg>
@@ -33159,7 +36924,7 @@
 </p:sld>
 </file>
 
-<file path=ppt/slides/slide37.xml><?xml version="1.0" encoding="utf-8"?>
+<file path=ppt/slides/slide38.xml><?xml version="1.0" encoding="utf-8"?>
 <p:sld xmlns:a="http://schemas.openxmlformats.org/drawingml/2006/main" xmlns:r="http://schemas.openxmlformats.org/officeDocument/2006/relationships" xmlns:p="http://schemas.openxmlformats.org/presentationml/2006/main">
   <p:cSld>
     <p:bg>
@@ -33601,7 +37366,7 @@
 </p:sld>
 </file>
 
-<file path=ppt/slides/slide38.xml><?xml version="1.0" encoding="utf-8"?>
+<file path=ppt/slides/slide39.xml><?xml version="1.0" encoding="utf-8"?>
 <p:sld xmlns:a="http://schemas.openxmlformats.org/drawingml/2006/main" xmlns:r="http://schemas.openxmlformats.org/officeDocument/2006/relationships" xmlns:p="http://schemas.openxmlformats.org/presentationml/2006/main">
   <p:cSld>
     <p:bg>
@@ -33990,10 +37755,10 @@
       </p:sp>
       <p:graphicFrame>
         <p:nvGraphicFramePr>
-          <p:cNvPr id="5" name="Grafico 4">
+          <p:cNvPr id="6" name="Grafico 5">
             <a:extLst>
               <a:ext uri="{FF2B5EF4-FFF2-40B4-BE49-F238E27FC236}">
-                <a16:creationId xmlns:a16="http://schemas.microsoft.com/office/drawing/2014/main" id="{87B5A6AB-FC1A-A544-00C3-0DD4FCE03581}"/>
+                <a16:creationId xmlns:a16="http://schemas.microsoft.com/office/drawing/2014/main" id="{636C2048-D7AD-A36E-7983-876CF2149AD1}"/>
               </a:ext>
             </a:extLst>
           </p:cNvPr>
@@ -34001,14 +37766,14 @@
           <p:nvPr>
             <p:extLst>
               <p:ext uri="{D42A27DB-BD31-4B8C-83A1-F6EECF244321}">
-                <p14:modId xmlns:p14="http://schemas.microsoft.com/office/powerpoint/2010/main" val="2513235515"/>
+                <p14:modId xmlns:p14="http://schemas.microsoft.com/office/powerpoint/2010/main" val="1555173501"/>
               </p:ext>
             </p:extLst>
           </p:nvPr>
         </p:nvGraphicFramePr>
         <p:xfrm>
-          <a:off x="2910212" y="1902025"/>
-          <a:ext cx="6371336" cy="4433040"/>
+          <a:off x="310896" y="1902025"/>
+          <a:ext cx="11667744" cy="4433040"/>
         </p:xfrm>
         <a:graphic>
           <a:graphicData uri="http://schemas.openxmlformats.org/drawingml/2006/chart">
@@ -34017,6 +37782,11 @@
         </a:graphic>
       </p:graphicFrame>
     </p:spTree>
+    <p:extLst>
+      <p:ext uri="{BB962C8B-B14F-4D97-AF65-F5344CB8AC3E}">
+        <p14:creationId xmlns:p14="http://schemas.microsoft.com/office/powerpoint/2010/main" val="3199629356"/>
+      </p:ext>
+    </p:extLst>
   </p:cSld>
   <p:clrMapOvr>
     <a:masterClrMapping/>
@@ -34024,7 +37794,1189 @@
 </p:sld>
 </file>
 
-<file path=ppt/slides/slide39.xml><?xml version="1.0" encoding="utf-8"?>
+<file path=ppt/slides/slide4.xml><?xml version="1.0" encoding="utf-8"?>
+<p:sld xmlns:a="http://schemas.openxmlformats.org/drawingml/2006/main" xmlns:r="http://schemas.openxmlformats.org/officeDocument/2006/relationships" xmlns:p="http://schemas.openxmlformats.org/presentationml/2006/main">
+  <p:cSld>
+    <p:bg>
+      <p:bgPr>
+        <a:solidFill>
+          <a:schemeClr val="bg1"/>
+        </a:solidFill>
+        <a:effectLst/>
+      </p:bgPr>
+    </p:bg>
+    <p:spTree>
+      <p:nvGrpSpPr>
+        <p:cNvPr id="1" name=""/>
+        <p:cNvGrpSpPr/>
+        <p:nvPr/>
+      </p:nvGrpSpPr>
+      <p:grpSpPr>
+        <a:xfrm>
+          <a:off x="0" y="0"/>
+          <a:ext cx="0" cy="0"/>
+          <a:chOff x="0" y="0"/>
+          <a:chExt cx="0" cy="0"/>
+        </a:xfrm>
+      </p:grpSpPr>
+      <p:sp useBgFill="1">
+        <p:nvSpPr>
+          <p:cNvPr id="38" name="Rectangle 24">
+            <a:extLst>
+              <a:ext uri="{FF2B5EF4-FFF2-40B4-BE49-F238E27FC236}">
+                <a16:creationId xmlns:a16="http://schemas.microsoft.com/office/drawing/2014/main" id="{0E30439A-8A5B-46EC-8283-9B6B031D40D0}"/>
+              </a:ext>
+              <a:ext uri="{C183D7F6-B498-43B3-948B-1728B52AA6E4}">
+                <adec:decorative xmlns:adec="http://schemas.microsoft.com/office/drawing/2017/decorative" val="1"/>
+              </a:ext>
+            </a:extLst>
+          </p:cNvPr>
+          <p:cNvSpPr>
+            <a:spLocks noGrp="1" noRot="1" noChangeAspect="1" noMove="1" noResize="1" noEditPoints="1" noAdjustHandles="1" noChangeArrowheads="1" noChangeShapeType="1" noTextEdit="1"/>
+          </p:cNvSpPr>
+          <p:nvPr>
+            <p:extLst>
+              <p:ext uri="{386F3935-93C4-4BCD-93E2-E3B085C9AB24}">
+                <p16:designElem xmlns:p16="http://schemas.microsoft.com/office/powerpoint/2015/main" val="1"/>
+              </p:ext>
+            </p:extLst>
+          </p:nvPr>
+        </p:nvSpPr>
+        <p:spPr>
+          <a:xfrm>
+            <a:off x="0" y="0"/>
+            <a:ext cx="12192000" cy="6858000"/>
+          </a:xfrm>
+          <a:prstGeom prst="rect">
+            <a:avLst/>
+          </a:prstGeom>
+          <a:ln w="12700" cap="flat" cmpd="sng" algn="ctr">
+            <a:noFill/>
+            <a:prstDash val="solid"/>
+            <a:miter lim="800000"/>
+          </a:ln>
+          <a:effectLst/>
+          <a:extLst>
+            <a:ext uri="{91240B29-F687-4F45-9708-019B960494DF}">
+              <a14:hiddenLine xmlns:a14="http://schemas.microsoft.com/office/drawing/2010/main" w="12700" cap="flat" cmpd="sng" algn="ctr">
+                <a:solidFill>
+                  <a:schemeClr val="accent1">
+                    <a:shade val="50000"/>
+                  </a:schemeClr>
+                </a:solidFill>
+                <a:prstDash val="solid"/>
+                <a:miter lim="800000"/>
+              </a14:hiddenLine>
+            </a:ext>
+          </a:extLst>
+        </p:spPr>
+        <p:style>
+          <a:lnRef idx="2">
+            <a:schemeClr val="accent1">
+              <a:shade val="50000"/>
+            </a:schemeClr>
+          </a:lnRef>
+          <a:fillRef idx="1">
+            <a:schemeClr val="accent1"/>
+          </a:fillRef>
+          <a:effectRef idx="0">
+            <a:schemeClr val="accent1"/>
+          </a:effectRef>
+          <a:fontRef idx="minor">
+            <a:schemeClr val="lt1"/>
+          </a:fontRef>
+        </p:style>
+        <p:txBody>
+          <a:bodyPr rtlCol="0" anchor="ctr"/>
+          <a:lstStyle/>
+          <a:p>
+            <a:pPr algn="ctr"/>
+            <a:endParaRPr lang="en-US"/>
+          </a:p>
+        </p:txBody>
+      </p:sp>
+      <p:sp>
+        <p:nvSpPr>
+          <p:cNvPr id="39" name="Rectangle 26">
+            <a:extLst>
+              <a:ext uri="{FF2B5EF4-FFF2-40B4-BE49-F238E27FC236}">
+                <a16:creationId xmlns:a16="http://schemas.microsoft.com/office/drawing/2014/main" id="{5CEAD642-85CF-4750-8432-7C80C901F001}"/>
+              </a:ext>
+              <a:ext uri="{C183D7F6-B498-43B3-948B-1728B52AA6E4}">
+                <adec:decorative xmlns:adec="http://schemas.microsoft.com/office/drawing/2017/decorative" val="1"/>
+              </a:ext>
+            </a:extLst>
+          </p:cNvPr>
+          <p:cNvSpPr>
+            <a:spLocks noGrp="1" noRot="1" noChangeAspect="1" noMove="1" noResize="1" noEditPoints="1" noAdjustHandles="1" noChangeArrowheads="1" noChangeShapeType="1" noTextEdit="1"/>
+          </p:cNvSpPr>
+          <p:nvPr>
+            <p:extLst>
+              <p:ext uri="{386F3935-93C4-4BCD-93E2-E3B085C9AB24}">
+                <p16:designElem xmlns:p16="http://schemas.microsoft.com/office/powerpoint/2015/main" val="1"/>
+              </p:ext>
+            </p:extLst>
+          </p:nvPr>
+        </p:nvSpPr>
+        <p:spPr>
+          <a:xfrm>
+            <a:off x="0" y="-427"/>
+            <a:ext cx="12192001" cy="6858000"/>
+          </a:xfrm>
+          <a:prstGeom prst="rect">
+            <a:avLst/>
+          </a:prstGeom>
+          <a:gradFill>
+            <a:gsLst>
+              <a:gs pos="0">
+                <a:srgbClr val="000000"/>
+              </a:gs>
+              <a:gs pos="100000">
+                <a:schemeClr val="accent1">
+                  <a:lumMod val="75000"/>
+                </a:schemeClr>
+              </a:gs>
+            </a:gsLst>
+            <a:lin ang="15000000" scaled="0"/>
+          </a:gradFill>
+          <a:ln>
+            <a:noFill/>
+          </a:ln>
+        </p:spPr>
+        <p:style>
+          <a:lnRef idx="2">
+            <a:schemeClr val="accent1">
+              <a:shade val="50000"/>
+            </a:schemeClr>
+          </a:lnRef>
+          <a:fillRef idx="1">
+            <a:schemeClr val="accent1"/>
+          </a:fillRef>
+          <a:effectRef idx="0">
+            <a:schemeClr val="accent1"/>
+          </a:effectRef>
+          <a:fontRef idx="minor">
+            <a:schemeClr val="lt1"/>
+          </a:fontRef>
+        </p:style>
+        <p:txBody>
+          <a:bodyPr rtlCol="0" anchor="ctr"/>
+          <a:lstStyle/>
+          <a:p>
+            <a:pPr algn="ctr"/>
+            <a:endParaRPr lang="en-US"/>
+          </a:p>
+        </p:txBody>
+      </p:sp>
+      <p:sp>
+        <p:nvSpPr>
+          <p:cNvPr id="40" name="Rectangle 28">
+            <a:extLst>
+              <a:ext uri="{FF2B5EF4-FFF2-40B4-BE49-F238E27FC236}">
+                <a16:creationId xmlns:a16="http://schemas.microsoft.com/office/drawing/2014/main" id="{FA33EEAE-15D5-4119-8C1E-89D943F911EF}"/>
+              </a:ext>
+              <a:ext uri="{C183D7F6-B498-43B3-948B-1728B52AA6E4}">
+                <adec:decorative xmlns:adec="http://schemas.microsoft.com/office/drawing/2017/decorative" val="1"/>
+              </a:ext>
+            </a:extLst>
+          </p:cNvPr>
+          <p:cNvSpPr>
+            <a:spLocks noGrp="1" noRot="1" noChangeAspect="1" noMove="1" noResize="1" noEditPoints="1" noAdjustHandles="1" noChangeArrowheads="1" noChangeShapeType="1" noTextEdit="1"/>
+          </p:cNvSpPr>
+          <p:nvPr>
+            <p:extLst>
+              <p:ext uri="{386F3935-93C4-4BCD-93E2-E3B085C9AB24}">
+                <p16:designElem xmlns:p16="http://schemas.microsoft.com/office/powerpoint/2015/main" val="1"/>
+              </p:ext>
+            </p:extLst>
+          </p:nvPr>
+        </p:nvSpPr>
+        <p:spPr>
+          <a:xfrm rot="10800000" flipH="1">
+            <a:off x="455521" y="-1720"/>
+            <a:ext cx="11750040" cy="6840685"/>
+          </a:xfrm>
+          <a:prstGeom prst="rect">
+            <a:avLst/>
+          </a:prstGeom>
+          <a:gradFill>
+            <a:gsLst>
+              <a:gs pos="21000">
+                <a:schemeClr val="accent1">
+                  <a:lumMod val="50000"/>
+                  <a:alpha val="61000"/>
+                </a:schemeClr>
+              </a:gs>
+              <a:gs pos="100000">
+                <a:schemeClr val="accent1">
+                  <a:alpha val="0"/>
+                </a:schemeClr>
+              </a:gs>
+            </a:gsLst>
+            <a:lin ang="21594000" scaled="0"/>
+          </a:gradFill>
+          <a:ln>
+            <a:noFill/>
+          </a:ln>
+        </p:spPr>
+        <p:style>
+          <a:lnRef idx="2">
+            <a:schemeClr val="accent1">
+              <a:shade val="50000"/>
+            </a:schemeClr>
+          </a:lnRef>
+          <a:fillRef idx="1">
+            <a:schemeClr val="accent1"/>
+          </a:fillRef>
+          <a:effectRef idx="0">
+            <a:schemeClr val="accent1"/>
+          </a:effectRef>
+          <a:fontRef idx="minor">
+            <a:schemeClr val="lt1"/>
+          </a:fontRef>
+        </p:style>
+        <p:txBody>
+          <a:bodyPr rtlCol="0" anchor="ctr"/>
+          <a:lstStyle/>
+          <a:p>
+            <a:pPr algn="ctr"/>
+            <a:endParaRPr lang="en-US"/>
+          </a:p>
+        </p:txBody>
+      </p:sp>
+      <p:sp>
+        <p:nvSpPr>
+          <p:cNvPr id="41" name="Rectangle 30">
+            <a:extLst>
+              <a:ext uri="{FF2B5EF4-FFF2-40B4-BE49-F238E27FC236}">
+                <a16:creationId xmlns:a16="http://schemas.microsoft.com/office/drawing/2014/main" id="{730D8B3B-9B80-4025-B934-26DC7D7CD231}"/>
+              </a:ext>
+              <a:ext uri="{C183D7F6-B498-43B3-948B-1728B52AA6E4}">
+                <adec:decorative xmlns:adec="http://schemas.microsoft.com/office/drawing/2017/decorative" val="1"/>
+              </a:ext>
+            </a:extLst>
+          </p:cNvPr>
+          <p:cNvSpPr>
+            <a:spLocks noGrp="1" noRot="1" noChangeAspect="1" noMove="1" noResize="1" noEditPoints="1" noAdjustHandles="1" noChangeArrowheads="1" noChangeShapeType="1" noTextEdit="1"/>
+          </p:cNvSpPr>
+          <p:nvPr>
+            <p:extLst>
+              <p:ext uri="{386F3935-93C4-4BCD-93E2-E3B085C9AB24}">
+                <p16:designElem xmlns:p16="http://schemas.microsoft.com/office/powerpoint/2015/main" val="1"/>
+              </p:ext>
+            </p:extLst>
+          </p:nvPr>
+        </p:nvSpPr>
+        <p:spPr>
+          <a:xfrm>
+            <a:off x="8606054" y="-1291"/>
+            <a:ext cx="3608179" cy="6858864"/>
+          </a:xfrm>
+          <a:prstGeom prst="rect">
+            <a:avLst/>
+          </a:prstGeom>
+          <a:gradFill>
+            <a:gsLst>
+              <a:gs pos="0">
+                <a:schemeClr val="accent1">
+                  <a:lumMod val="75000"/>
+                  <a:alpha val="0"/>
+                </a:schemeClr>
+              </a:gs>
+              <a:gs pos="99000">
+                <a:srgbClr val="000000">
+                  <a:alpha val="41000"/>
+                </a:srgbClr>
+              </a:gs>
+            </a:gsLst>
+            <a:lin ang="16200000" scaled="0"/>
+          </a:gradFill>
+          <a:ln>
+            <a:noFill/>
+          </a:ln>
+        </p:spPr>
+        <p:style>
+          <a:lnRef idx="2">
+            <a:schemeClr val="accent1">
+              <a:shade val="50000"/>
+            </a:schemeClr>
+          </a:lnRef>
+          <a:fillRef idx="1">
+            <a:schemeClr val="accent1"/>
+          </a:fillRef>
+          <a:effectRef idx="0">
+            <a:schemeClr val="accent1"/>
+          </a:effectRef>
+          <a:fontRef idx="minor">
+            <a:schemeClr val="lt1"/>
+          </a:fontRef>
+        </p:style>
+        <p:txBody>
+          <a:bodyPr rtlCol="0" anchor="ctr"/>
+          <a:lstStyle/>
+          <a:p>
+            <a:pPr algn="ctr"/>
+            <a:endParaRPr lang="en-US"/>
+          </a:p>
+        </p:txBody>
+      </p:sp>
+      <p:sp>
+        <p:nvSpPr>
+          <p:cNvPr id="42" name="Oval 32">
+            <a:extLst>
+              <a:ext uri="{FF2B5EF4-FFF2-40B4-BE49-F238E27FC236}">
+                <a16:creationId xmlns:a16="http://schemas.microsoft.com/office/drawing/2014/main" id="{B5A1B09C-1565-46F8-B70F-621C5EB48A09}"/>
+              </a:ext>
+              <a:ext uri="{C183D7F6-B498-43B3-948B-1728B52AA6E4}">
+                <adec:decorative xmlns:adec="http://schemas.microsoft.com/office/drawing/2017/decorative" val="1"/>
+              </a:ext>
+            </a:extLst>
+          </p:cNvPr>
+          <p:cNvSpPr>
+            <a:spLocks noGrp="1" noRot="1" noChangeAspect="1" noMove="1" noResize="1" noEditPoints="1" noAdjustHandles="1" noChangeArrowheads="1" noChangeShapeType="1" noTextEdit="1"/>
+          </p:cNvSpPr>
+          <p:nvPr>
+            <p:extLst>
+              <p:ext uri="{386F3935-93C4-4BCD-93E2-E3B085C9AB24}">
+                <p16:designElem xmlns:p16="http://schemas.microsoft.com/office/powerpoint/2015/main" val="1"/>
+              </p:ext>
+            </p:extLst>
+          </p:nvPr>
+        </p:nvSpPr>
+        <p:spPr>
+          <a:xfrm rot="15274173">
+            <a:off x="6059728" y="779270"/>
+            <a:ext cx="4967533" cy="4988390"/>
+          </a:xfrm>
+          <a:prstGeom prst="ellipse">
+            <a:avLst/>
+          </a:prstGeom>
+          <a:gradFill>
+            <a:gsLst>
+              <a:gs pos="0">
+                <a:schemeClr val="accent1">
+                  <a:alpha val="24000"/>
+                </a:schemeClr>
+              </a:gs>
+              <a:gs pos="79000">
+                <a:schemeClr val="accent1">
+                  <a:lumMod val="60000"/>
+                  <a:lumOff val="40000"/>
+                  <a:alpha val="0"/>
+                </a:schemeClr>
+              </a:gs>
+            </a:gsLst>
+            <a:lin ang="14400000" scaled="0"/>
+          </a:gradFill>
+          <a:ln>
+            <a:noFill/>
+          </a:ln>
+        </p:spPr>
+        <p:style>
+          <a:lnRef idx="2">
+            <a:schemeClr val="accent1">
+              <a:shade val="50000"/>
+            </a:schemeClr>
+          </a:lnRef>
+          <a:fillRef idx="1">
+            <a:schemeClr val="accent1"/>
+          </a:fillRef>
+          <a:effectRef idx="0">
+            <a:schemeClr val="accent1"/>
+          </a:effectRef>
+          <a:fontRef idx="minor">
+            <a:schemeClr val="lt1"/>
+          </a:fontRef>
+        </p:style>
+        <p:txBody>
+          <a:bodyPr rtlCol="0" anchor="ctr"/>
+          <a:lstStyle/>
+          <a:p>
+            <a:pPr algn="ctr"/>
+            <a:endParaRPr lang="en-US" dirty="0"/>
+          </a:p>
+        </p:txBody>
+      </p:sp>
+      <p:sp>
+        <p:nvSpPr>
+          <p:cNvPr id="2" name="Titolo 1">
+            <a:extLst>
+              <a:ext uri="{FF2B5EF4-FFF2-40B4-BE49-F238E27FC236}">
+                <a16:creationId xmlns:a16="http://schemas.microsoft.com/office/drawing/2014/main" id="{D1BFF31E-7A63-77D0-BEB5-94548B12EFEC}"/>
+              </a:ext>
+            </a:extLst>
+          </p:cNvPr>
+          <p:cNvSpPr>
+            <a:spLocks noGrp="1"/>
+          </p:cNvSpPr>
+          <p:nvPr>
+            <p:ph type="title"/>
+          </p:nvPr>
+        </p:nvSpPr>
+        <p:spPr>
+          <a:xfrm>
+            <a:off x="1386865" y="818984"/>
+            <a:ext cx="6596245" cy="3268520"/>
+          </a:xfrm>
+        </p:spPr>
+        <p:txBody>
+          <a:bodyPr vert="horz" lIns="91440" tIns="45720" rIns="91440" bIns="45720" rtlCol="0" anchor="b">
+            <a:normAutofit fontScale="90000"/>
+          </a:bodyPr>
+          <a:lstStyle/>
+          <a:p>
+            <a:pPr algn="ctr"/>
+            <a:r>
+              <a:rPr lang="en-US" sz="4800" kern="1200" dirty="0" err="1">
+                <a:solidFill>
+                  <a:srgbClr val="FFFFFF"/>
+                </a:solidFill>
+                <a:latin typeface="+mj-lt"/>
+                <a:ea typeface="+mj-ea"/>
+                <a:cs typeface="+mj-cs"/>
+              </a:rPr>
+              <a:t>Generazione</a:t>
+            </a:r>
+            <a:r>
+              <a:rPr lang="en-US" sz="4800" kern="1200" dirty="0">
+                <a:solidFill>
+                  <a:srgbClr val="FFFFFF"/>
+                </a:solidFill>
+                <a:latin typeface="+mj-lt"/>
+                <a:ea typeface="+mj-ea"/>
+                <a:cs typeface="+mj-cs"/>
+              </a:rPr>
+              <a:t> </a:t>
+            </a:r>
+            <a:r>
+              <a:rPr lang="en-US" sz="4800" kern="1200" dirty="0" err="1">
+                <a:solidFill>
+                  <a:srgbClr val="FFFFFF"/>
+                </a:solidFill>
+                <a:latin typeface="+mj-lt"/>
+                <a:ea typeface="+mj-ea"/>
+                <a:cs typeface="+mj-cs"/>
+              </a:rPr>
+              <a:t>automatica</a:t>
+            </a:r>
+            <a:r>
+              <a:rPr lang="en-US" sz="4800" kern="1200" dirty="0">
+                <a:solidFill>
+                  <a:srgbClr val="FFFFFF"/>
+                </a:solidFill>
+                <a:latin typeface="+mj-lt"/>
+                <a:ea typeface="+mj-ea"/>
+                <a:cs typeface="+mj-cs"/>
+              </a:rPr>
+              <a:t> di test end-to-end per </a:t>
+            </a:r>
+            <a:r>
+              <a:rPr lang="en-US" sz="4800" kern="1200" dirty="0" err="1">
+                <a:solidFill>
+                  <a:srgbClr val="FFFFFF"/>
+                </a:solidFill>
+                <a:latin typeface="+mj-lt"/>
+                <a:ea typeface="+mj-ea"/>
+                <a:cs typeface="+mj-cs"/>
+              </a:rPr>
+              <a:t>applicazioni</a:t>
+            </a:r>
+            <a:r>
+              <a:rPr lang="en-US" sz="4800" kern="1200" dirty="0">
+                <a:solidFill>
+                  <a:srgbClr val="FFFFFF"/>
+                </a:solidFill>
+                <a:latin typeface="+mj-lt"/>
+                <a:ea typeface="+mj-ea"/>
+                <a:cs typeface="+mj-cs"/>
+              </a:rPr>
+              <a:t> web in </a:t>
+            </a:r>
+            <a:r>
+              <a:rPr lang="en-US" sz="4800" kern="1200" dirty="0" err="1">
+                <a:solidFill>
+                  <a:srgbClr val="FFFFFF"/>
+                </a:solidFill>
+                <a:latin typeface="+mj-lt"/>
+                <a:ea typeface="+mj-ea"/>
+                <a:cs typeface="+mj-cs"/>
+              </a:rPr>
+              <a:t>ambito</a:t>
+            </a:r>
+            <a:r>
+              <a:rPr lang="en-US" sz="4800" kern="1200" dirty="0">
+                <a:solidFill>
+                  <a:srgbClr val="FFFFFF"/>
+                </a:solidFill>
+                <a:latin typeface="+mj-lt"/>
+                <a:ea typeface="+mj-ea"/>
+                <a:cs typeface="+mj-cs"/>
+              </a:rPr>
+              <a:t> </a:t>
+            </a:r>
+            <a:r>
+              <a:rPr lang="en-US" sz="4800" kern="1200" dirty="0" err="1">
+                <a:solidFill>
+                  <a:srgbClr val="FFFFFF"/>
+                </a:solidFill>
+                <a:latin typeface="+mj-lt"/>
+                <a:ea typeface="+mj-ea"/>
+                <a:cs typeface="+mj-cs"/>
+              </a:rPr>
+              <a:t>industriale</a:t>
+            </a:r>
+            <a:endParaRPr lang="en-US" sz="4800" kern="1200" dirty="0">
+              <a:solidFill>
+                <a:srgbClr val="FFFFFF"/>
+              </a:solidFill>
+              <a:latin typeface="+mj-lt"/>
+              <a:ea typeface="+mj-ea"/>
+              <a:cs typeface="+mj-cs"/>
+            </a:endParaRPr>
+          </a:p>
+        </p:txBody>
+      </p:sp>
+      <p:sp>
+        <p:nvSpPr>
+          <p:cNvPr id="43" name="Rectangle 34">
+            <a:extLst>
+              <a:ext uri="{FF2B5EF4-FFF2-40B4-BE49-F238E27FC236}">
+                <a16:creationId xmlns:a16="http://schemas.microsoft.com/office/drawing/2014/main" id="{8C516CC8-80AC-446C-A56E-9F54B7210402}"/>
+              </a:ext>
+              <a:ext uri="{C183D7F6-B498-43B3-948B-1728B52AA6E4}">
+                <adec:decorative xmlns:adec="http://schemas.microsoft.com/office/drawing/2017/decorative" val="1"/>
+              </a:ext>
+            </a:extLst>
+          </p:cNvPr>
+          <p:cNvSpPr>
+            <a:spLocks noGrp="1" noRot="1" noChangeAspect="1" noMove="1" noResize="1" noEditPoints="1" noAdjustHandles="1" noChangeArrowheads="1" noChangeShapeType="1" noTextEdit="1"/>
+          </p:cNvSpPr>
+          <p:nvPr>
+            <p:extLst>
+              <p:ext uri="{386F3935-93C4-4BCD-93E2-E3B085C9AB24}">
+                <p16:designElem xmlns:p16="http://schemas.microsoft.com/office/powerpoint/2015/main" val="1"/>
+              </p:ext>
+            </p:extLst>
+          </p:nvPr>
+        </p:nvSpPr>
+        <p:spPr>
+          <a:xfrm rot="10800000" flipH="1">
+            <a:off x="6314" y="4480038"/>
+            <a:ext cx="12179371" cy="2377962"/>
+          </a:xfrm>
+          <a:prstGeom prst="rect">
+            <a:avLst/>
+          </a:prstGeom>
+          <a:gradFill>
+            <a:gsLst>
+              <a:gs pos="0">
+                <a:schemeClr val="accent1">
+                  <a:lumMod val="75000"/>
+                  <a:alpha val="50000"/>
+                </a:schemeClr>
+              </a:gs>
+              <a:gs pos="99000">
+                <a:srgbClr val="000000">
+                  <a:alpha val="34000"/>
+                </a:srgbClr>
+              </a:gs>
+            </a:gsLst>
+            <a:lin ang="17400000" scaled="0"/>
+          </a:gradFill>
+          <a:ln>
+            <a:noFill/>
+          </a:ln>
+        </p:spPr>
+        <p:style>
+          <a:lnRef idx="2">
+            <a:schemeClr val="accent1">
+              <a:shade val="50000"/>
+            </a:schemeClr>
+          </a:lnRef>
+          <a:fillRef idx="1">
+            <a:schemeClr val="accent1"/>
+          </a:fillRef>
+          <a:effectRef idx="0">
+            <a:schemeClr val="accent1"/>
+          </a:effectRef>
+          <a:fontRef idx="minor">
+            <a:schemeClr val="lt1"/>
+          </a:fontRef>
+        </p:style>
+        <p:txBody>
+          <a:bodyPr rtlCol="0" anchor="ctr"/>
+          <a:lstStyle/>
+          <a:p>
+            <a:pPr algn="ctr"/>
+            <a:endParaRPr lang="en-US"/>
+          </a:p>
+        </p:txBody>
+      </p:sp>
+      <p:sp>
+        <p:nvSpPr>
+          <p:cNvPr id="3" name="Sottotitolo 2">
+            <a:extLst>
+              <a:ext uri="{FF2B5EF4-FFF2-40B4-BE49-F238E27FC236}">
+                <a16:creationId xmlns:a16="http://schemas.microsoft.com/office/drawing/2014/main" id="{339BB551-C3B0-421E-B031-F7CC7D7A8252}"/>
+              </a:ext>
+            </a:extLst>
+          </p:cNvPr>
+          <p:cNvSpPr>
+            <a:spLocks noGrp="1"/>
+          </p:cNvSpPr>
+          <p:nvPr>
+            <p:ph type="subTitle"/>
+          </p:nvPr>
+        </p:nvSpPr>
+        <p:spPr>
+          <a:xfrm>
+            <a:off x="1931874" y="4797188"/>
+            <a:ext cx="6051236" cy="1241828"/>
+          </a:xfrm>
+        </p:spPr>
+        <p:txBody>
+          <a:bodyPr vert="horz" lIns="91440" tIns="45720" rIns="91440" bIns="45720" rtlCol="0">
+            <a:normAutofit/>
+          </a:bodyPr>
+          <a:lstStyle/>
+          <a:p>
+            <a:pPr algn="r">
+              <a:spcBef>
+                <a:spcPts val="1000"/>
+              </a:spcBef>
+            </a:pPr>
+            <a:r>
+              <a:rPr lang="en-US" sz="2400" kern="1200" dirty="0">
+                <a:solidFill>
+                  <a:srgbClr val="FFFFFF"/>
+                </a:solidFill>
+                <a:latin typeface="+mn-lt"/>
+                <a:ea typeface="+mn-ea"/>
+                <a:cs typeface="+mn-cs"/>
+              </a:rPr>
+              <a:t>Giuseppe Porcaro N97000362</a:t>
+            </a:r>
+          </a:p>
+        </p:txBody>
+      </p:sp>
+      <p:sp>
+        <p:nvSpPr>
+          <p:cNvPr id="37" name="Rectangle 36">
+            <a:extLst>
+              <a:ext uri="{FF2B5EF4-FFF2-40B4-BE49-F238E27FC236}">
+                <a16:creationId xmlns:a16="http://schemas.microsoft.com/office/drawing/2014/main" id="{53947E58-F088-49F1-A3D1-DEA690192E84}"/>
+              </a:ext>
+              <a:ext uri="{C183D7F6-B498-43B3-948B-1728B52AA6E4}">
+                <adec:decorative xmlns:adec="http://schemas.microsoft.com/office/drawing/2017/decorative" val="1"/>
+              </a:ext>
+            </a:extLst>
+          </p:cNvPr>
+          <p:cNvSpPr>
+            <a:spLocks noGrp="1" noRot="1" noChangeAspect="1" noMove="1" noResize="1" noEditPoints="1" noAdjustHandles="1" noChangeArrowheads="1" noChangeShapeType="1" noTextEdit="1"/>
+          </p:cNvSpPr>
+          <p:nvPr>
+            <p:extLst>
+              <p:ext uri="{386F3935-93C4-4BCD-93E2-E3B085C9AB24}">
+                <p16:designElem xmlns:p16="http://schemas.microsoft.com/office/powerpoint/2015/main" val="1"/>
+              </p:ext>
+            </p:extLst>
+          </p:nvPr>
+        </p:nvSpPr>
+        <p:spPr>
+          <a:xfrm rot="16200000" flipH="1">
+            <a:off x="6967085" y="1632660"/>
+            <a:ext cx="6857572" cy="3592258"/>
+          </a:xfrm>
+          <a:prstGeom prst="rect">
+            <a:avLst/>
+          </a:prstGeom>
+          <a:gradFill>
+            <a:gsLst>
+              <a:gs pos="0">
+                <a:schemeClr val="accent1">
+                  <a:lumMod val="75000"/>
+                  <a:alpha val="50000"/>
+                </a:schemeClr>
+              </a:gs>
+              <a:gs pos="99000">
+                <a:srgbClr val="000000">
+                  <a:alpha val="0"/>
+                </a:srgbClr>
+              </a:gs>
+            </a:gsLst>
+            <a:lin ang="15600000" scaled="0"/>
+          </a:gradFill>
+          <a:ln>
+            <a:noFill/>
+          </a:ln>
+        </p:spPr>
+        <p:style>
+          <a:lnRef idx="2">
+            <a:schemeClr val="accent1">
+              <a:shade val="50000"/>
+            </a:schemeClr>
+          </a:lnRef>
+          <a:fillRef idx="1">
+            <a:schemeClr val="accent1"/>
+          </a:fillRef>
+          <a:effectRef idx="0">
+            <a:schemeClr val="accent1"/>
+          </a:effectRef>
+          <a:fontRef idx="minor">
+            <a:schemeClr val="lt1"/>
+          </a:fontRef>
+        </p:style>
+        <p:txBody>
+          <a:bodyPr rtlCol="0" anchor="ctr"/>
+          <a:lstStyle/>
+          <a:p>
+            <a:pPr algn="ctr"/>
+            <a:endParaRPr lang="en-US"/>
+          </a:p>
+        </p:txBody>
+      </p:sp>
+    </p:spTree>
+    <p:extLst>
+      <p:ext uri="{BB962C8B-B14F-4D97-AF65-F5344CB8AC3E}">
+        <p14:creationId xmlns:p14="http://schemas.microsoft.com/office/powerpoint/2010/main" val="2318464935"/>
+      </p:ext>
+    </p:extLst>
+  </p:cSld>
+  <p:clrMapOvr>
+    <a:masterClrMapping/>
+  </p:clrMapOvr>
+</p:sld>
+</file>
+
+<file path=ppt/slides/slide40.xml><?xml version="1.0" encoding="utf-8"?>
+<p:sld xmlns:a="http://schemas.openxmlformats.org/drawingml/2006/main" xmlns:r="http://schemas.openxmlformats.org/officeDocument/2006/relationships" xmlns:p="http://schemas.openxmlformats.org/presentationml/2006/main">
+  <p:cSld>
+    <p:bg>
+      <p:bgPr>
+        <a:solidFill>
+          <a:srgbClr val="FFFFFF"/>
+        </a:solidFill>
+        <a:effectLst/>
+      </p:bgPr>
+    </p:bg>
+    <p:spTree>
+      <p:nvGrpSpPr>
+        <p:cNvPr id="1" name=""/>
+        <p:cNvGrpSpPr/>
+        <p:nvPr/>
+      </p:nvGrpSpPr>
+      <p:grpSpPr>
+        <a:xfrm>
+          <a:off x="0" y="0"/>
+          <a:ext cx="0" cy="0"/>
+          <a:chOff x="0" y="0"/>
+          <a:chExt cx="0" cy="0"/>
+        </a:xfrm>
+      </p:grpSpPr>
+      <p:sp>
+        <p:nvSpPr>
+          <p:cNvPr id="472" name="Rectangle 9"/>
+          <p:cNvSpPr/>
+          <p:nvPr/>
+        </p:nvSpPr>
+        <p:spPr>
+          <a:xfrm flipH="1">
+            <a:off x="0" y="0"/>
+            <a:ext cx="12191760" cy="1590480"/>
+          </a:xfrm>
+          <a:prstGeom prst="rect">
+            <a:avLst/>
+          </a:prstGeom>
+          <a:gradFill rotWithShape="0">
+            <a:gsLst>
+              <a:gs pos="0">
+                <a:srgbClr val="000000"/>
+              </a:gs>
+              <a:gs pos="100000">
+                <a:srgbClr val="2F5597"/>
+              </a:gs>
+            </a:gsLst>
+            <a:lin ang="2400000"/>
+          </a:gradFill>
+          <a:ln>
+            <a:noFill/>
+          </a:ln>
+        </p:spPr>
+        <p:style>
+          <a:lnRef idx="2">
+            <a:schemeClr val="accent1">
+              <a:shade val="50000"/>
+            </a:schemeClr>
+          </a:lnRef>
+          <a:fillRef idx="1">
+            <a:schemeClr val="accent1"/>
+          </a:fillRef>
+          <a:effectRef idx="0">
+            <a:schemeClr val="accent1"/>
+          </a:effectRef>
+          <a:fontRef idx="minor"/>
+        </p:style>
+        <p:txBody>
+          <a:bodyPr lIns="90000" tIns="45000" rIns="90000" bIns="45000" anchor="ctr">
+            <a:noAutofit/>
+          </a:bodyPr>
+          <a:lstStyle/>
+          <a:p>
+            <a:pPr algn="ctr">
+              <a:lnSpc>
+                <a:spcPct val="100000"/>
+              </a:lnSpc>
+            </a:pPr>
+            <a:endParaRPr lang="en-US" sz="1410" b="0" strike="noStrike" spc="-1">
+              <a:solidFill>
+                <a:schemeClr val="lt1"/>
+              </a:solidFill>
+              <a:latin typeface="Calibri"/>
+            </a:endParaRPr>
+          </a:p>
+        </p:txBody>
+      </p:sp>
+      <p:sp>
+        <p:nvSpPr>
+          <p:cNvPr id="473" name="Rectangle 11"/>
+          <p:cNvSpPr/>
+          <p:nvPr/>
+        </p:nvSpPr>
+        <p:spPr>
+          <a:xfrm rot="10800000" flipH="1">
+            <a:off x="360" y="360"/>
+            <a:ext cx="8115120" cy="1590480"/>
+          </a:xfrm>
+          <a:prstGeom prst="rect">
+            <a:avLst/>
+          </a:prstGeom>
+          <a:gradFill rotWithShape="0">
+            <a:gsLst>
+              <a:gs pos="20000">
+                <a:srgbClr val="4472C4">
+                  <a:alpha val="0"/>
+                </a:srgbClr>
+              </a:gs>
+              <a:gs pos="100000">
+                <a:srgbClr val="203864">
+                  <a:alpha val="55294"/>
+                </a:srgbClr>
+              </a:gs>
+            </a:gsLst>
+            <a:lin ang="7800000"/>
+          </a:gradFill>
+          <a:ln>
+            <a:noFill/>
+          </a:ln>
+        </p:spPr>
+        <p:style>
+          <a:lnRef idx="2">
+            <a:schemeClr val="accent1">
+              <a:shade val="50000"/>
+            </a:schemeClr>
+          </a:lnRef>
+          <a:fillRef idx="1">
+            <a:schemeClr val="accent1"/>
+          </a:fillRef>
+          <a:effectRef idx="0">
+            <a:schemeClr val="accent1"/>
+          </a:effectRef>
+          <a:fontRef idx="minor"/>
+        </p:style>
+        <p:txBody>
+          <a:bodyPr lIns="90000" tIns="45000" rIns="90000" bIns="45000" anchor="ctr">
+            <a:noAutofit/>
+          </a:bodyPr>
+          <a:lstStyle/>
+          <a:p>
+            <a:pPr algn="ctr">
+              <a:lnSpc>
+                <a:spcPct val="100000"/>
+              </a:lnSpc>
+            </a:pPr>
+            <a:endParaRPr lang="en-US" sz="1410" b="0" strike="noStrike" spc="-1">
+              <a:solidFill>
+                <a:schemeClr val="lt1"/>
+              </a:solidFill>
+              <a:latin typeface="Calibri"/>
+            </a:endParaRPr>
+          </a:p>
+        </p:txBody>
+      </p:sp>
+      <p:sp>
+        <p:nvSpPr>
+          <p:cNvPr id="474" name="Rectangle 13"/>
+          <p:cNvSpPr/>
+          <p:nvPr/>
+        </p:nvSpPr>
+        <p:spPr>
+          <a:xfrm flipH="1">
+            <a:off x="8114400" y="0"/>
+            <a:ext cx="4076280" cy="1590480"/>
+          </a:xfrm>
+          <a:prstGeom prst="rect">
+            <a:avLst/>
+          </a:prstGeom>
+          <a:gradFill rotWithShape="0">
+            <a:gsLst>
+              <a:gs pos="0">
+                <a:srgbClr val="4472C4">
+                  <a:alpha val="66274"/>
+                </a:srgbClr>
+              </a:gs>
+              <a:gs pos="100000">
+                <a:srgbClr val="000000">
+                  <a:alpha val="30196"/>
+                </a:srgbClr>
+              </a:gs>
+            </a:gsLst>
+            <a:lin ang="19200000"/>
+          </a:gradFill>
+          <a:ln>
+            <a:noFill/>
+          </a:ln>
+        </p:spPr>
+        <p:style>
+          <a:lnRef idx="2">
+            <a:schemeClr val="accent1">
+              <a:shade val="50000"/>
+            </a:schemeClr>
+          </a:lnRef>
+          <a:fillRef idx="1">
+            <a:schemeClr val="accent1"/>
+          </a:fillRef>
+          <a:effectRef idx="0">
+            <a:schemeClr val="accent1"/>
+          </a:effectRef>
+          <a:fontRef idx="minor"/>
+        </p:style>
+        <p:txBody>
+          <a:bodyPr lIns="90000" tIns="45000" rIns="90000" bIns="45000" anchor="ctr">
+            <a:noAutofit/>
+          </a:bodyPr>
+          <a:lstStyle/>
+          <a:p>
+            <a:pPr algn="ctr">
+              <a:lnSpc>
+                <a:spcPct val="100000"/>
+              </a:lnSpc>
+            </a:pPr>
+            <a:endParaRPr lang="en-US" sz="1410" b="0" strike="noStrike" spc="-1">
+              <a:solidFill>
+                <a:schemeClr val="lt1"/>
+              </a:solidFill>
+              <a:latin typeface="Calibri"/>
+            </a:endParaRPr>
+          </a:p>
+        </p:txBody>
+      </p:sp>
+      <p:sp>
+        <p:nvSpPr>
+          <p:cNvPr id="475" name="Rectangle 15"/>
+          <p:cNvSpPr/>
+          <p:nvPr/>
+        </p:nvSpPr>
+        <p:spPr>
+          <a:xfrm>
+            <a:off x="459360" y="0"/>
+            <a:ext cx="11732400" cy="1596960"/>
+          </a:xfrm>
+          <a:prstGeom prst="rect">
+            <a:avLst/>
+          </a:prstGeom>
+          <a:gradFill rotWithShape="0">
+            <a:gsLst>
+              <a:gs pos="50000">
+                <a:srgbClr val="000000">
+                  <a:alpha val="0"/>
+                </a:srgbClr>
+              </a:gs>
+              <a:gs pos="100000">
+                <a:srgbClr val="203864">
+                  <a:alpha val="52156"/>
+                </a:srgbClr>
+              </a:gs>
+            </a:gsLst>
+            <a:lin ang="16800000"/>
+          </a:gradFill>
+          <a:ln>
+            <a:noFill/>
+          </a:ln>
+        </p:spPr>
+        <p:style>
+          <a:lnRef idx="2">
+            <a:schemeClr val="accent1">
+              <a:shade val="50000"/>
+            </a:schemeClr>
+          </a:lnRef>
+          <a:fillRef idx="1">
+            <a:schemeClr val="accent1"/>
+          </a:fillRef>
+          <a:effectRef idx="0">
+            <a:schemeClr val="accent1"/>
+          </a:effectRef>
+          <a:fontRef idx="minor"/>
+        </p:style>
+        <p:txBody>
+          <a:bodyPr lIns="90000" tIns="45000" rIns="90000" bIns="45000" anchor="ctr">
+            <a:noAutofit/>
+          </a:bodyPr>
+          <a:lstStyle/>
+          <a:p>
+            <a:pPr algn="ctr">
+              <a:lnSpc>
+                <a:spcPct val="100000"/>
+              </a:lnSpc>
+            </a:pPr>
+            <a:endParaRPr lang="en-US" sz="1410" b="0" strike="noStrike" spc="-1">
+              <a:solidFill>
+                <a:schemeClr val="lt1"/>
+              </a:solidFill>
+              <a:latin typeface="Calibri"/>
+            </a:endParaRPr>
+          </a:p>
+        </p:txBody>
+      </p:sp>
+      <p:sp>
+        <p:nvSpPr>
+          <p:cNvPr id="476" name="PlaceHolder 1"/>
+          <p:cNvSpPr>
+            <a:spLocks noGrp="1"/>
+          </p:cNvSpPr>
+          <p:nvPr>
+            <p:ph type="title"/>
+          </p:nvPr>
+        </p:nvSpPr>
+        <p:spPr>
+          <a:xfrm>
+            <a:off x="459360" y="278640"/>
+            <a:ext cx="11058120" cy="1033200"/>
+          </a:xfrm>
+          <a:prstGeom prst="rect">
+            <a:avLst/>
+          </a:prstGeom>
+          <a:noFill/>
+          <a:ln w="0">
+            <a:noFill/>
+          </a:ln>
+        </p:spPr>
+        <p:txBody>
+          <a:bodyPr anchor="ctr">
+            <a:normAutofit/>
+          </a:bodyPr>
+          <a:lstStyle/>
+          <a:p>
+            <a:pPr indent="0">
+              <a:lnSpc>
+                <a:spcPct val="90000"/>
+              </a:lnSpc>
+              <a:buNone/>
+            </a:pPr>
+            <a:r>
+              <a:rPr lang="it-IT" sz="4000" spc="-1" dirty="0">
+                <a:solidFill>
+                  <a:srgbClr val="FFFFFF"/>
+                </a:solidFill>
+                <a:latin typeface="Calibri Light"/>
+              </a:rPr>
+              <a:t>First </a:t>
+            </a:r>
+            <a:r>
+              <a:rPr lang="it-IT" sz="4000" spc="-1" dirty="0" err="1">
+                <a:solidFill>
+                  <a:srgbClr val="FFFFFF"/>
+                </a:solidFill>
+                <a:latin typeface="Calibri Light"/>
+              </a:rPr>
+              <a:t>classifier</a:t>
+            </a:r>
+            <a:r>
+              <a:rPr lang="it-IT" sz="4000" spc="-1" dirty="0">
+                <a:solidFill>
+                  <a:srgbClr val="FFFFFF"/>
+                </a:solidFill>
+                <a:latin typeface="Calibri Light"/>
+              </a:rPr>
+              <a:t> on </a:t>
+            </a:r>
+            <a:r>
+              <a:rPr lang="it-IT" sz="4000" spc="-1" dirty="0" err="1">
+                <a:solidFill>
+                  <a:srgbClr val="FFFFFF"/>
+                </a:solidFill>
+                <a:latin typeface="Calibri Light"/>
+              </a:rPr>
+              <a:t>TreeEditDistance</a:t>
+            </a:r>
+            <a:r>
+              <a:rPr lang="it-IT" sz="4000" b="0" strike="noStrike" spc="-1" dirty="0">
+                <a:solidFill>
+                  <a:srgbClr val="FFFFFF"/>
+                </a:solidFill>
+                <a:latin typeface="Calibri Light"/>
+              </a:rPr>
+              <a:t>- </a:t>
+            </a:r>
+            <a:r>
+              <a:rPr lang="it-IT" sz="4000" b="0" strike="noStrike" spc="-1" dirty="0" err="1">
+                <a:solidFill>
+                  <a:srgbClr val="FFFFFF"/>
+                </a:solidFill>
+                <a:latin typeface="Calibri Light"/>
+              </a:rPr>
+              <a:t>Results</a:t>
+            </a:r>
+            <a:endParaRPr lang="it-IT" sz="4000" b="0" strike="noStrike" spc="-1" dirty="0">
+              <a:solidFill>
+                <a:srgbClr val="000000"/>
+              </a:solidFill>
+              <a:latin typeface="Calibri"/>
+            </a:endParaRPr>
+          </a:p>
+        </p:txBody>
+      </p:sp>
+      <p:graphicFrame>
+        <p:nvGraphicFramePr>
+          <p:cNvPr id="6" name="Grafico 5">
+            <a:extLst>
+              <a:ext uri="{FF2B5EF4-FFF2-40B4-BE49-F238E27FC236}">
+                <a16:creationId xmlns:a16="http://schemas.microsoft.com/office/drawing/2014/main" id="{636C2048-D7AD-A36E-7983-876CF2149AD1}"/>
+              </a:ext>
+            </a:extLst>
+          </p:cNvPr>
+          <p:cNvGraphicFramePr/>
+          <p:nvPr>
+            <p:extLst>
+              <p:ext uri="{D42A27DB-BD31-4B8C-83A1-F6EECF244321}">
+                <p14:modId xmlns:p14="http://schemas.microsoft.com/office/powerpoint/2010/main" val="3200092671"/>
+              </p:ext>
+            </p:extLst>
+          </p:nvPr>
+        </p:nvGraphicFramePr>
+        <p:xfrm>
+          <a:off x="310896" y="1902025"/>
+          <a:ext cx="11667744" cy="4433040"/>
+        </p:xfrm>
+        <a:graphic>
+          <a:graphicData uri="http://schemas.openxmlformats.org/drawingml/2006/chart">
+            <c:chart xmlns:c="http://schemas.openxmlformats.org/drawingml/2006/chart" xmlns:r="http://schemas.openxmlformats.org/officeDocument/2006/relationships" r:id="rId2"/>
+          </a:graphicData>
+        </a:graphic>
+      </p:graphicFrame>
+    </p:spTree>
+    <p:extLst>
+      <p:ext uri="{BB962C8B-B14F-4D97-AF65-F5344CB8AC3E}">
+        <p14:creationId xmlns:p14="http://schemas.microsoft.com/office/powerpoint/2010/main" val="368015144"/>
+      </p:ext>
+    </p:extLst>
+  </p:cSld>
+  <p:clrMapOvr>
+    <a:masterClrMapping/>
+  </p:clrMapOvr>
+</p:sld>
+</file>
+
+<file path=ppt/slides/slide41.xml><?xml version="1.0" encoding="utf-8"?>
 <p:sld xmlns:a="http://schemas.openxmlformats.org/drawingml/2006/main" xmlns:r="http://schemas.openxmlformats.org/officeDocument/2006/relationships" xmlns:p="http://schemas.openxmlformats.org/presentationml/2006/main">
   <p:cSld>
     <p:bg>
@@ -34173,324 +39125,7 @@
 </p:sld>
 </file>
 
-<file path=ppt/slides/slide4.xml><?xml version="1.0" encoding="utf-8"?>
-<p:sld xmlns:a="http://schemas.openxmlformats.org/drawingml/2006/main" xmlns:r="http://schemas.openxmlformats.org/officeDocument/2006/relationships" xmlns:p="http://schemas.openxmlformats.org/presentationml/2006/main">
-  <p:cSld>
-    <p:bg>
-      <p:bgPr>
-        <a:solidFill>
-          <a:srgbClr val="FFFFFF"/>
-        </a:solidFill>
-        <a:effectLst/>
-      </p:bgPr>
-    </p:bg>
-    <p:spTree>
-      <p:nvGrpSpPr>
-        <p:cNvPr id="1" name=""/>
-        <p:cNvGrpSpPr/>
-        <p:nvPr/>
-      </p:nvGrpSpPr>
-      <p:grpSpPr>
-        <a:xfrm>
-          <a:off x="0" y="0"/>
-          <a:ext cx="0" cy="0"/>
-          <a:chOff x="0" y="0"/>
-          <a:chExt cx="0" cy="0"/>
-        </a:xfrm>
-      </p:grpSpPr>
-      <p:sp useBgFill="1">
-        <p:nvSpPr>
-          <p:cNvPr id="101" name="Rectangle 1030"/>
-          <p:cNvSpPr/>
-          <p:nvPr/>
-        </p:nvSpPr>
-        <p:spPr>
-          <a:xfrm>
-            <a:off x="0" y="0"/>
-            <a:ext cx="12191760" cy="6857640"/>
-          </a:xfrm>
-          <a:prstGeom prst="rect">
-            <a:avLst/>
-          </a:prstGeom>
-          <a:ln>
-            <a:noFill/>
-          </a:ln>
-        </p:spPr>
-        <p:style>
-          <a:lnRef idx="2">
-            <a:schemeClr val="accent1">
-              <a:shade val="50000"/>
-            </a:schemeClr>
-          </a:lnRef>
-          <a:fillRef idx="1">
-            <a:schemeClr val="accent1"/>
-          </a:fillRef>
-          <a:effectRef idx="0">
-            <a:schemeClr val="accent1"/>
-          </a:effectRef>
-          <a:fontRef idx="minor"/>
-        </p:style>
-        <p:txBody>
-          <a:bodyPr lIns="90000" tIns="45000" rIns="90000" bIns="45000" anchor="ctr">
-            <a:noAutofit/>
-          </a:bodyPr>
-          <a:lstStyle/>
-          <a:p>
-            <a:endParaRPr lang="en-US" sz="1410" b="0" strike="noStrike" spc="-1">
-              <a:solidFill>
-                <a:schemeClr val="lt1"/>
-              </a:solidFill>
-              <a:latin typeface="Calibri"/>
-            </a:endParaRPr>
-          </a:p>
-        </p:txBody>
-      </p:sp>
-      <p:sp>
-        <p:nvSpPr>
-          <p:cNvPr id="102" name="Rectangle 44"/>
-          <p:cNvSpPr/>
-          <p:nvPr/>
-        </p:nvSpPr>
-        <p:spPr>
-          <a:xfrm flipH="1">
-            <a:off x="0" y="0"/>
-            <a:ext cx="12191760" cy="1575720"/>
-          </a:xfrm>
-          <a:prstGeom prst="rect">
-            <a:avLst/>
-          </a:prstGeom>
-          <a:gradFill rotWithShape="0">
-            <a:gsLst>
-              <a:gs pos="0">
-                <a:srgbClr val="000000">
-                  <a:alpha val="96078"/>
-                </a:srgbClr>
-              </a:gs>
-              <a:gs pos="100000">
-                <a:srgbClr val="2F5597"/>
-              </a:gs>
-            </a:gsLst>
-            <a:lin ang="2400000"/>
-          </a:gradFill>
-          <a:ln>
-            <a:noFill/>
-          </a:ln>
-        </p:spPr>
-        <p:style>
-          <a:lnRef idx="2">
-            <a:schemeClr val="accent1">
-              <a:shade val="50000"/>
-            </a:schemeClr>
-          </a:lnRef>
-          <a:fillRef idx="1">
-            <a:schemeClr val="accent1"/>
-          </a:fillRef>
-          <a:effectRef idx="0">
-            <a:schemeClr val="accent1"/>
-          </a:effectRef>
-          <a:fontRef idx="minor"/>
-        </p:style>
-        <p:txBody>
-          <a:bodyPr lIns="90000" tIns="45000" rIns="90000" bIns="45000" anchor="ctr">
-            <a:noAutofit/>
-          </a:bodyPr>
-          <a:lstStyle/>
-          <a:p>
-            <a:endParaRPr lang="en-US" sz="1410" b="0" strike="noStrike" spc="-1">
-              <a:solidFill>
-                <a:schemeClr val="lt1"/>
-              </a:solidFill>
-              <a:latin typeface="Calibri"/>
-            </a:endParaRPr>
-          </a:p>
-        </p:txBody>
-      </p:sp>
-      <p:sp>
-        <p:nvSpPr>
-          <p:cNvPr id="103" name="Rectangle 46"/>
-          <p:cNvSpPr/>
-          <p:nvPr/>
-        </p:nvSpPr>
-        <p:spPr>
-          <a:xfrm rot="10800000" flipH="1">
-            <a:off x="8129160" y="360"/>
-            <a:ext cx="4062960" cy="1576080"/>
-          </a:xfrm>
-          <a:prstGeom prst="rect">
-            <a:avLst/>
-          </a:prstGeom>
-          <a:gradFill rotWithShape="0">
-            <a:gsLst>
-              <a:gs pos="19000">
-                <a:srgbClr val="203864">
-                  <a:alpha val="68235"/>
-                </a:srgbClr>
-              </a:gs>
-              <a:gs pos="100000">
-                <a:srgbClr val="4472C4">
-                  <a:alpha val="79215"/>
-                </a:srgbClr>
-              </a:gs>
-            </a:gsLst>
-            <a:lin ang="2400000"/>
-          </a:gradFill>
-          <a:ln>
-            <a:noFill/>
-          </a:ln>
-        </p:spPr>
-        <p:style>
-          <a:lnRef idx="2">
-            <a:schemeClr val="accent1">
-              <a:shade val="50000"/>
-            </a:schemeClr>
-          </a:lnRef>
-          <a:fillRef idx="1">
-            <a:schemeClr val="accent1"/>
-          </a:fillRef>
-          <a:effectRef idx="0">
-            <a:schemeClr val="accent1"/>
-          </a:effectRef>
-          <a:fontRef idx="minor"/>
-        </p:style>
-        <p:txBody>
-          <a:bodyPr lIns="90000" tIns="45000" rIns="90000" bIns="45000" anchor="ctr">
-            <a:noAutofit/>
-          </a:bodyPr>
-          <a:lstStyle/>
-          <a:p>
-            <a:endParaRPr lang="en-US" sz="1410" b="0" strike="noStrike" spc="-1">
-              <a:solidFill>
-                <a:schemeClr val="lt1"/>
-              </a:solidFill>
-              <a:latin typeface="Calibri"/>
-            </a:endParaRPr>
-          </a:p>
-        </p:txBody>
-      </p:sp>
-      <p:sp>
-        <p:nvSpPr>
-          <p:cNvPr id="104" name="Rectangle 47"/>
-          <p:cNvSpPr/>
-          <p:nvPr/>
-        </p:nvSpPr>
-        <p:spPr>
-          <a:xfrm rot="5400000">
-            <a:off x="5308200" y="-5307840"/>
-            <a:ext cx="1576080" cy="12191760"/>
-          </a:xfrm>
-          <a:prstGeom prst="rect">
-            <a:avLst/>
-          </a:prstGeom>
-          <a:gradFill rotWithShape="0">
-            <a:gsLst>
-              <a:gs pos="0">
-                <a:srgbClr val="4472C4">
-                  <a:alpha val="0"/>
-                </a:srgbClr>
-              </a:gs>
-              <a:gs pos="100000">
-                <a:srgbClr val="000000">
-                  <a:alpha val="74117"/>
-                </a:srgbClr>
-              </a:gs>
-            </a:gsLst>
-            <a:lin ang="4200000"/>
-          </a:gradFill>
-          <a:ln>
-            <a:noFill/>
-          </a:ln>
-        </p:spPr>
-        <p:style>
-          <a:lnRef idx="2">
-            <a:schemeClr val="accent1">
-              <a:shade val="50000"/>
-            </a:schemeClr>
-          </a:lnRef>
-          <a:fillRef idx="1">
-            <a:schemeClr val="accent1"/>
-          </a:fillRef>
-          <a:effectRef idx="0">
-            <a:schemeClr val="accent1"/>
-          </a:effectRef>
-          <a:fontRef idx="minor"/>
-        </p:style>
-        <p:txBody>
-          <a:bodyPr lIns="90000" tIns="45000" rIns="90000" bIns="45000" anchor="ctr">
-            <a:noAutofit/>
-          </a:bodyPr>
-          <a:lstStyle/>
-          <a:p>
-            <a:endParaRPr lang="en-US" sz="1410" b="0" strike="noStrike" spc="-1">
-              <a:solidFill>
-                <a:schemeClr val="lt1"/>
-              </a:solidFill>
-              <a:latin typeface="Calibri"/>
-            </a:endParaRPr>
-          </a:p>
-        </p:txBody>
-      </p:sp>
-      <p:sp>
-        <p:nvSpPr>
-          <p:cNvPr id="105" name="PlaceHolder 1"/>
-          <p:cNvSpPr>
-            <a:spLocks noGrp="1"/>
-          </p:cNvSpPr>
-          <p:nvPr>
-            <p:ph type="title"/>
-          </p:nvPr>
-        </p:nvSpPr>
-        <p:spPr>
-          <a:xfrm>
-            <a:off x="1371600" y="348840"/>
-            <a:ext cx="10043640" cy="877320"/>
-          </a:xfrm>
-          <a:prstGeom prst="rect">
-            <a:avLst/>
-          </a:prstGeom>
-          <a:noFill/>
-          <a:ln w="0">
-            <a:noFill/>
-          </a:ln>
-        </p:spPr>
-        <p:txBody>
-          <a:bodyPr anchor="ctr">
-            <a:normAutofit/>
-          </a:bodyPr>
-          <a:lstStyle/>
-          <a:p>
-            <a:pPr indent="0">
-              <a:lnSpc>
-                <a:spcPct val="90000"/>
-              </a:lnSpc>
-              <a:buNone/>
-            </a:pPr>
-            <a:r>
-              <a:rPr lang="en-US" sz="4000" b="0" strike="noStrike" spc="-1">
-                <a:solidFill>
-                  <a:srgbClr val="FFFFFF"/>
-                </a:solidFill>
-                <a:latin typeface="Calibri Light"/>
-              </a:rPr>
-              <a:t>Presentazione</a:t>
-            </a:r>
-            <a:endParaRPr lang="it-IT" sz="4000" b="0" strike="noStrike" spc="-1">
-              <a:solidFill>
-                <a:srgbClr val="000000"/>
-              </a:solidFill>
-              <a:latin typeface="Calibri"/>
-            </a:endParaRPr>
-          </a:p>
-        </p:txBody>
-      </p:sp>
-    </p:spTree>
-  </p:cSld>
-  <p:clrMapOvr>
-    <a:masterClrMapping/>
-  </p:clrMapOvr>
-</p:sld>
-</file>
-
-<file path=ppt/slides/slide40.xml><?xml version="1.0" encoding="utf-8"?>
+<file path=ppt/slides/slide42.xml><?xml version="1.0" encoding="utf-8"?>
 <p:sld xmlns:a="http://schemas.openxmlformats.org/drawingml/2006/main" xmlns:r="http://schemas.openxmlformats.org/officeDocument/2006/relationships" xmlns:p="http://schemas.openxmlformats.org/presentationml/2006/main">
   <p:cSld>
     <p:bg>
@@ -34639,7 +39274,7 @@
 </p:sld>
 </file>
 
-<file path=ppt/slides/slide41.xml><?xml version="1.0" encoding="utf-8"?>
+<file path=ppt/slides/slide43.xml><?xml version="1.0" encoding="utf-8"?>
 <p:sld xmlns:a="http://schemas.openxmlformats.org/drawingml/2006/main" xmlns:r="http://schemas.openxmlformats.org/officeDocument/2006/relationships" xmlns:p="http://schemas.openxmlformats.org/presentationml/2006/main">
   <p:cSld>
     <p:bg>
@@ -34736,7 +39371,7 @@
 </p:sld>
 </file>
 
-<file path=ppt/slides/slide42.xml><?xml version="1.0" encoding="utf-8"?>
+<file path=ppt/slides/slide44.xml><?xml version="1.0" encoding="utf-8"?>
 <p:sld xmlns:a="http://schemas.openxmlformats.org/drawingml/2006/main" xmlns:r="http://schemas.openxmlformats.org/officeDocument/2006/relationships" xmlns:p="http://schemas.openxmlformats.org/presentationml/2006/main">
   <p:cSld>
     <p:bg>
@@ -34885,7 +39520,7 @@
 </p:sld>
 </file>
 
-<file path=ppt/slides/slide43.xml><?xml version="1.0" encoding="utf-8"?>
+<file path=ppt/slides/slide45.xml><?xml version="1.0" encoding="utf-8"?>
 <p:sld xmlns:a="http://schemas.openxmlformats.org/drawingml/2006/main" xmlns:r="http://schemas.openxmlformats.org/officeDocument/2006/relationships" xmlns:p="http://schemas.openxmlformats.org/presentationml/2006/main">
   <p:cSld>
     <p:bg>
@@ -35034,7 +39669,7 @@
 </p:sld>
 </file>
 
-<file path=ppt/slides/slide44.xml><?xml version="1.0" encoding="utf-8"?>
+<file path=ppt/slides/slide46.xml><?xml version="1.0" encoding="utf-8"?>
 <p:sld xmlns:a="http://schemas.openxmlformats.org/drawingml/2006/main" xmlns:r="http://schemas.openxmlformats.org/officeDocument/2006/relationships" xmlns:p="http://schemas.openxmlformats.org/presentationml/2006/main">
   <p:cSld>
     <p:bg>
@@ -35183,7 +39818,7 @@
 </p:sld>
 </file>
 
-<file path=ppt/slides/slide45.xml><?xml version="1.0" encoding="utf-8"?>
+<file path=ppt/slides/slide47.xml><?xml version="1.0" encoding="utf-8"?>
 <p:sld xmlns:a="http://schemas.openxmlformats.org/drawingml/2006/main" xmlns:r="http://schemas.openxmlformats.org/officeDocument/2006/relationships" xmlns:p="http://schemas.openxmlformats.org/presentationml/2006/main">
   <p:cSld>
     <p:bg>
@@ -35615,10 +40250,10 @@
       </p:sp>
       <p:graphicFrame>
         <p:nvGraphicFramePr>
-          <p:cNvPr id="4" name="Grafico 3">
+          <p:cNvPr id="5" name="Grafico 4">
             <a:extLst>
               <a:ext uri="{FF2B5EF4-FFF2-40B4-BE49-F238E27FC236}">
-                <a16:creationId xmlns:a16="http://schemas.microsoft.com/office/drawing/2014/main" id="{91E1173E-58DB-7C4A-B582-C7EBC6E78877}"/>
+                <a16:creationId xmlns:a16="http://schemas.microsoft.com/office/drawing/2014/main" id="{7EC6F20E-D2F2-824F-8D9E-75C485AFEE59}"/>
               </a:ext>
             </a:extLst>
           </p:cNvPr>
@@ -35626,14 +40261,14 @@
           <p:nvPr>
             <p:extLst>
               <p:ext uri="{D42A27DB-BD31-4B8C-83A1-F6EECF244321}">
-                <p14:modId xmlns:p14="http://schemas.microsoft.com/office/powerpoint/2010/main" val="637769874"/>
+                <p14:modId xmlns:p14="http://schemas.microsoft.com/office/powerpoint/2010/main" val="589558865"/>
               </p:ext>
             </p:extLst>
           </p:nvPr>
         </p:nvGraphicFramePr>
         <p:xfrm>
-          <a:off x="2910212" y="1902025"/>
-          <a:ext cx="6371336" cy="4433040"/>
+          <a:off x="310896" y="1902025"/>
+          <a:ext cx="11667744" cy="4433040"/>
         </p:xfrm>
         <a:graphic>
           <a:graphicData uri="http://schemas.openxmlformats.org/drawingml/2006/chart">
@@ -35649,7 +40284,7 @@
 </p:sld>
 </file>
 
-<file path=ppt/slides/slide46.xml><?xml version="1.0" encoding="utf-8"?>
+<file path=ppt/slides/slide48.xml><?xml version="1.0" encoding="utf-8"?>
 <p:sld xmlns:a="http://schemas.openxmlformats.org/drawingml/2006/main" xmlns:r="http://schemas.openxmlformats.org/officeDocument/2006/relationships" xmlns:p="http://schemas.openxmlformats.org/presentationml/2006/main">
   <p:cSld>
     <p:bg>
@@ -36110,7 +40745,7 @@
 </p:sld>
 </file>
 
-<file path=ppt/slides/slide47.xml><?xml version="1.0" encoding="utf-8"?>
+<file path=ppt/slides/slide49.xml><?xml version="1.0" encoding="utf-8"?>
 <p:sld xmlns:a="http://schemas.openxmlformats.org/drawingml/2006/main" xmlns:r="http://schemas.openxmlformats.org/officeDocument/2006/relationships" xmlns:p="http://schemas.openxmlformats.org/presentationml/2006/main">
   <p:cSld>
     <p:bg>
@@ -38106,1265 +42741,6 @@
                 <a:srgbClr val="000000"/>
               </a:solidFill>
               <a:latin typeface="Arial"/>
-            </a:endParaRPr>
-          </a:p>
-        </p:txBody>
-      </p:sp>
-    </p:spTree>
-  </p:cSld>
-  <p:clrMapOvr>
-    <a:masterClrMapping/>
-  </p:clrMapOvr>
-</p:sld>
-</file>
-
-<file path=ppt/slides/slide48.xml><?xml version="1.0" encoding="utf-8"?>
-<p:sld xmlns:a="http://schemas.openxmlformats.org/drawingml/2006/main" xmlns:r="http://schemas.openxmlformats.org/officeDocument/2006/relationships" xmlns:p="http://schemas.openxmlformats.org/presentationml/2006/main">
-  <p:cSld>
-    <p:bg>
-      <p:bgPr>
-        <a:solidFill>
-          <a:srgbClr val="FFFFFF"/>
-        </a:solidFill>
-        <a:effectLst/>
-      </p:bgPr>
-    </p:bg>
-    <p:spTree>
-      <p:nvGrpSpPr>
-        <p:cNvPr id="1" name=""/>
-        <p:cNvGrpSpPr/>
-        <p:nvPr/>
-      </p:nvGrpSpPr>
-      <p:grpSpPr>
-        <a:xfrm>
-          <a:off x="0" y="0"/>
-          <a:ext cx="0" cy="0"/>
-          <a:chOff x="0" y="0"/>
-          <a:chExt cx="0" cy="0"/>
-        </a:xfrm>
-      </p:grpSpPr>
-      <p:sp useBgFill="1">
-        <p:nvSpPr>
-          <p:cNvPr id="768" name="Rectangle 7"/>
-          <p:cNvSpPr/>
-          <p:nvPr/>
-        </p:nvSpPr>
-        <p:spPr>
-          <a:xfrm>
-            <a:off x="0" y="0"/>
-            <a:ext cx="12191760" cy="6857640"/>
-          </a:xfrm>
-          <a:prstGeom prst="rect">
-            <a:avLst/>
-          </a:prstGeom>
-          <a:ln>
-            <a:noFill/>
-          </a:ln>
-        </p:spPr>
-        <p:style>
-          <a:lnRef idx="2">
-            <a:schemeClr val="accent1">
-              <a:shade val="50000"/>
-            </a:schemeClr>
-          </a:lnRef>
-          <a:fillRef idx="1">
-            <a:schemeClr val="accent1"/>
-          </a:fillRef>
-          <a:effectRef idx="0">
-            <a:schemeClr val="accent1"/>
-          </a:effectRef>
-          <a:fontRef idx="minor"/>
-        </p:style>
-        <p:txBody>
-          <a:bodyPr lIns="90000" tIns="45000" rIns="90000" bIns="45000" anchor="ctr">
-            <a:noAutofit/>
-          </a:bodyPr>
-          <a:lstStyle/>
-          <a:p>
-            <a:pPr algn="ctr">
-              <a:lnSpc>
-                <a:spcPct val="100000"/>
-              </a:lnSpc>
-            </a:pPr>
-            <a:endParaRPr lang="en-US" sz="1410" b="0" strike="noStrike" spc="-1">
-              <a:solidFill>
-                <a:schemeClr val="lt1"/>
-              </a:solidFill>
-              <a:latin typeface="Calibri"/>
-            </a:endParaRPr>
-          </a:p>
-        </p:txBody>
-      </p:sp>
-      <p:sp>
-        <p:nvSpPr>
-          <p:cNvPr id="769" name="Rectangle 9"/>
-          <p:cNvSpPr/>
-          <p:nvPr/>
-        </p:nvSpPr>
-        <p:spPr>
-          <a:xfrm flipH="1">
-            <a:off x="0" y="0"/>
-            <a:ext cx="12191760" cy="1590480"/>
-          </a:xfrm>
-          <a:prstGeom prst="rect">
-            <a:avLst/>
-          </a:prstGeom>
-          <a:gradFill rotWithShape="0">
-            <a:gsLst>
-              <a:gs pos="0">
-                <a:srgbClr val="000000"/>
-              </a:gs>
-              <a:gs pos="100000">
-                <a:srgbClr val="2F5597"/>
-              </a:gs>
-            </a:gsLst>
-            <a:lin ang="2400000"/>
-          </a:gradFill>
-          <a:ln>
-            <a:noFill/>
-          </a:ln>
-        </p:spPr>
-        <p:style>
-          <a:lnRef idx="2">
-            <a:schemeClr val="accent1">
-              <a:shade val="50000"/>
-            </a:schemeClr>
-          </a:lnRef>
-          <a:fillRef idx="1">
-            <a:schemeClr val="accent1"/>
-          </a:fillRef>
-          <a:effectRef idx="0">
-            <a:schemeClr val="accent1"/>
-          </a:effectRef>
-          <a:fontRef idx="minor"/>
-        </p:style>
-        <p:txBody>
-          <a:bodyPr lIns="90000" tIns="45000" rIns="90000" bIns="45000" anchor="ctr">
-            <a:noAutofit/>
-          </a:bodyPr>
-          <a:lstStyle/>
-          <a:p>
-            <a:pPr algn="ctr">
-              <a:lnSpc>
-                <a:spcPct val="100000"/>
-              </a:lnSpc>
-            </a:pPr>
-            <a:endParaRPr lang="en-US" sz="1410" b="0" strike="noStrike" spc="-1">
-              <a:solidFill>
-                <a:schemeClr val="lt1"/>
-              </a:solidFill>
-              <a:latin typeface="Calibri"/>
-            </a:endParaRPr>
-          </a:p>
-        </p:txBody>
-      </p:sp>
-      <p:sp>
-        <p:nvSpPr>
-          <p:cNvPr id="770" name="Rectangle 11"/>
-          <p:cNvSpPr/>
-          <p:nvPr/>
-        </p:nvSpPr>
-        <p:spPr>
-          <a:xfrm rot="10800000" flipH="1">
-            <a:off x="360" y="360"/>
-            <a:ext cx="8115120" cy="1590480"/>
-          </a:xfrm>
-          <a:prstGeom prst="rect">
-            <a:avLst/>
-          </a:prstGeom>
-          <a:gradFill rotWithShape="0">
-            <a:gsLst>
-              <a:gs pos="20000">
-                <a:srgbClr val="4472C4">
-                  <a:alpha val="0"/>
-                </a:srgbClr>
-              </a:gs>
-              <a:gs pos="100000">
-                <a:srgbClr val="203864">
-                  <a:alpha val="55294"/>
-                </a:srgbClr>
-              </a:gs>
-            </a:gsLst>
-            <a:lin ang="7800000"/>
-          </a:gradFill>
-          <a:ln>
-            <a:noFill/>
-          </a:ln>
-        </p:spPr>
-        <p:style>
-          <a:lnRef idx="2">
-            <a:schemeClr val="accent1">
-              <a:shade val="50000"/>
-            </a:schemeClr>
-          </a:lnRef>
-          <a:fillRef idx="1">
-            <a:schemeClr val="accent1"/>
-          </a:fillRef>
-          <a:effectRef idx="0">
-            <a:schemeClr val="accent1"/>
-          </a:effectRef>
-          <a:fontRef idx="minor"/>
-        </p:style>
-        <p:txBody>
-          <a:bodyPr lIns="90000" tIns="45000" rIns="90000" bIns="45000" anchor="ctr">
-            <a:noAutofit/>
-          </a:bodyPr>
-          <a:lstStyle/>
-          <a:p>
-            <a:pPr algn="ctr">
-              <a:lnSpc>
-                <a:spcPct val="100000"/>
-              </a:lnSpc>
-            </a:pPr>
-            <a:endParaRPr lang="en-US" sz="1410" b="0" strike="noStrike" spc="-1">
-              <a:solidFill>
-                <a:schemeClr val="lt1"/>
-              </a:solidFill>
-              <a:latin typeface="Calibri"/>
-            </a:endParaRPr>
-          </a:p>
-        </p:txBody>
-      </p:sp>
-      <p:sp>
-        <p:nvSpPr>
-          <p:cNvPr id="771" name="Rectangle 13"/>
-          <p:cNvSpPr/>
-          <p:nvPr/>
-        </p:nvSpPr>
-        <p:spPr>
-          <a:xfrm flipH="1">
-            <a:off x="8114400" y="0"/>
-            <a:ext cx="4076280" cy="1590480"/>
-          </a:xfrm>
-          <a:prstGeom prst="rect">
-            <a:avLst/>
-          </a:prstGeom>
-          <a:gradFill rotWithShape="0">
-            <a:gsLst>
-              <a:gs pos="0">
-                <a:srgbClr val="4472C4">
-                  <a:alpha val="66274"/>
-                </a:srgbClr>
-              </a:gs>
-              <a:gs pos="100000">
-                <a:srgbClr val="000000">
-                  <a:alpha val="30196"/>
-                </a:srgbClr>
-              </a:gs>
-            </a:gsLst>
-            <a:lin ang="19200000"/>
-          </a:gradFill>
-          <a:ln>
-            <a:noFill/>
-          </a:ln>
-        </p:spPr>
-        <p:style>
-          <a:lnRef idx="2">
-            <a:schemeClr val="accent1">
-              <a:shade val="50000"/>
-            </a:schemeClr>
-          </a:lnRef>
-          <a:fillRef idx="1">
-            <a:schemeClr val="accent1"/>
-          </a:fillRef>
-          <a:effectRef idx="0">
-            <a:schemeClr val="accent1"/>
-          </a:effectRef>
-          <a:fontRef idx="minor"/>
-        </p:style>
-        <p:txBody>
-          <a:bodyPr lIns="90000" tIns="45000" rIns="90000" bIns="45000" anchor="ctr">
-            <a:noAutofit/>
-          </a:bodyPr>
-          <a:lstStyle/>
-          <a:p>
-            <a:pPr algn="ctr">
-              <a:lnSpc>
-                <a:spcPct val="100000"/>
-              </a:lnSpc>
-            </a:pPr>
-            <a:endParaRPr lang="en-US" sz="1410" b="0" strike="noStrike" spc="-1">
-              <a:solidFill>
-                <a:schemeClr val="lt1"/>
-              </a:solidFill>
-              <a:latin typeface="Calibri"/>
-            </a:endParaRPr>
-          </a:p>
-        </p:txBody>
-      </p:sp>
-      <p:sp>
-        <p:nvSpPr>
-          <p:cNvPr id="772" name="Rectangle 15"/>
-          <p:cNvSpPr/>
-          <p:nvPr/>
-        </p:nvSpPr>
-        <p:spPr>
-          <a:xfrm>
-            <a:off x="459360" y="0"/>
-            <a:ext cx="11732400" cy="1596960"/>
-          </a:xfrm>
-          <a:prstGeom prst="rect">
-            <a:avLst/>
-          </a:prstGeom>
-          <a:gradFill rotWithShape="0">
-            <a:gsLst>
-              <a:gs pos="50000">
-                <a:srgbClr val="000000">
-                  <a:alpha val="0"/>
-                </a:srgbClr>
-              </a:gs>
-              <a:gs pos="100000">
-                <a:srgbClr val="203864">
-                  <a:alpha val="52156"/>
-                </a:srgbClr>
-              </a:gs>
-            </a:gsLst>
-            <a:lin ang="16800000"/>
-          </a:gradFill>
-          <a:ln>
-            <a:noFill/>
-          </a:ln>
-        </p:spPr>
-        <p:style>
-          <a:lnRef idx="2">
-            <a:schemeClr val="accent1">
-              <a:shade val="50000"/>
-            </a:schemeClr>
-          </a:lnRef>
-          <a:fillRef idx="1">
-            <a:schemeClr val="accent1"/>
-          </a:fillRef>
-          <a:effectRef idx="0">
-            <a:schemeClr val="accent1"/>
-          </a:effectRef>
-          <a:fontRef idx="minor"/>
-        </p:style>
-        <p:txBody>
-          <a:bodyPr lIns="90000" tIns="45000" rIns="90000" bIns="45000" anchor="ctr">
-            <a:noAutofit/>
-          </a:bodyPr>
-          <a:lstStyle/>
-          <a:p>
-            <a:pPr algn="ctr">
-              <a:lnSpc>
-                <a:spcPct val="100000"/>
-              </a:lnSpc>
-            </a:pPr>
-            <a:endParaRPr lang="en-US" sz="1410" b="0" strike="noStrike" spc="-1">
-              <a:solidFill>
-                <a:schemeClr val="lt1"/>
-              </a:solidFill>
-              <a:latin typeface="Calibri"/>
-            </a:endParaRPr>
-          </a:p>
-        </p:txBody>
-      </p:sp>
-      <p:sp>
-        <p:nvSpPr>
-          <p:cNvPr id="773" name="PlaceHolder 1"/>
-          <p:cNvSpPr>
-            <a:spLocks noGrp="1"/>
-          </p:cNvSpPr>
-          <p:nvPr>
-            <p:ph type="title"/>
-          </p:nvPr>
-        </p:nvSpPr>
-        <p:spPr>
-          <a:xfrm>
-            <a:off x="1371600" y="294480"/>
-            <a:ext cx="9895680" cy="1033200"/>
-          </a:xfrm>
-          <a:prstGeom prst="rect">
-            <a:avLst/>
-          </a:prstGeom>
-          <a:noFill/>
-          <a:ln w="0">
-            <a:noFill/>
-          </a:ln>
-        </p:spPr>
-        <p:txBody>
-          <a:bodyPr anchor="ctr">
-            <a:normAutofit/>
-          </a:bodyPr>
-          <a:lstStyle/>
-          <a:p>
-            <a:pPr indent="0">
-              <a:lnSpc>
-                <a:spcPct val="90000"/>
-              </a:lnSpc>
-              <a:buNone/>
-            </a:pPr>
-            <a:r>
-              <a:rPr lang="it-IT" sz="4000" b="0" strike="noStrike" spc="-1">
-                <a:solidFill>
-                  <a:srgbClr val="FFFFFF"/>
-                </a:solidFill>
-                <a:latin typeface="Calibri Light"/>
-              </a:rPr>
-              <a:t>Altre similitudini – Analizzare testo</a:t>
-            </a:r>
-            <a:endParaRPr lang="it-IT" sz="4000" b="0" strike="noStrike" spc="-1">
-              <a:solidFill>
-                <a:srgbClr val="000000"/>
-              </a:solidFill>
-              <a:latin typeface="Calibri"/>
-            </a:endParaRPr>
-          </a:p>
-        </p:txBody>
-      </p:sp>
-      <p:sp>
-        <p:nvSpPr>
-          <p:cNvPr id="774" name="CasellaDiTesto 18"/>
-          <p:cNvSpPr/>
-          <p:nvPr/>
-        </p:nvSpPr>
-        <p:spPr>
-          <a:xfrm>
-            <a:off x="1066680" y="2100960"/>
-            <a:ext cx="10722240" cy="1160640"/>
-          </a:xfrm>
-          <a:prstGeom prst="rect">
-            <a:avLst/>
-          </a:prstGeom>
-          <a:noFill/>
-          <a:ln w="0">
-            <a:noFill/>
-          </a:ln>
-        </p:spPr>
-        <p:style>
-          <a:lnRef idx="0">
-            <a:scrgbClr r="0" g="0" b="0"/>
-          </a:lnRef>
-          <a:fillRef idx="0">
-            <a:scrgbClr r="0" g="0" b="0"/>
-          </a:fillRef>
-          <a:effectRef idx="0">
-            <a:scrgbClr r="0" g="0" b="0"/>
-          </a:effectRef>
-          <a:fontRef idx="minor"/>
-        </p:style>
-        <p:txBody>
-          <a:bodyPr lIns="90000" tIns="45000" rIns="90000" bIns="45000" anchor="t">
-            <a:spAutoFit/>
-          </a:bodyPr>
-          <a:lstStyle/>
-          <a:p>
-            <a:pPr marL="285840" indent="-285840">
-              <a:lnSpc>
-                <a:spcPct val="100000"/>
-              </a:lnSpc>
-              <a:buClr>
-                <a:srgbClr val="000000"/>
-              </a:buClr>
-              <a:buFont typeface="Arial"/>
-              <a:buChar char="•"/>
-            </a:pPr>
-            <a:r>
-              <a:rPr lang="it-IT" sz="1410" b="0" strike="noStrike" spc="-1">
-                <a:solidFill>
-                  <a:srgbClr val="000000"/>
-                </a:solidFill>
-                <a:latin typeface="Calibri"/>
-              </a:rPr>
-              <a:t>Già sono stati usati alcuni?</a:t>
-            </a:r>
-            <a:endParaRPr lang="it-IT" sz="1410" b="0" strike="noStrike" spc="-1">
-              <a:solidFill>
-                <a:srgbClr val="000000"/>
-              </a:solidFill>
-              <a:latin typeface="Arial"/>
-            </a:endParaRPr>
-          </a:p>
-          <a:p>
-            <a:pPr marL="285840" indent="-285840">
-              <a:lnSpc>
-                <a:spcPct val="100000"/>
-              </a:lnSpc>
-              <a:buClr>
-                <a:srgbClr val="000000"/>
-              </a:buClr>
-              <a:buFont typeface="Arial"/>
-              <a:buChar char="•"/>
-            </a:pPr>
-            <a:r>
-              <a:rPr lang="it-IT" sz="1410" b="0" strike="noStrike" spc="-1">
-                <a:solidFill>
-                  <a:srgbClr val="000000"/>
-                </a:solidFill>
-                <a:latin typeface="Calibri"/>
-              </a:rPr>
-              <a:t>Trovare dei pattern nel testo su cui basare la similarità (SSemantic Pattern Tree Kernels for Short-text Classification)</a:t>
-            </a:r>
-            <a:endParaRPr lang="it-IT" sz="1410" b="0" strike="noStrike" spc="-1">
-              <a:solidFill>
-                <a:srgbClr val="000000"/>
-              </a:solidFill>
-              <a:latin typeface="Arial"/>
-            </a:endParaRPr>
-          </a:p>
-          <a:p>
-            <a:pPr marL="285840" indent="-285840">
-              <a:lnSpc>
-                <a:spcPct val="100000"/>
-              </a:lnSpc>
-              <a:buClr>
-                <a:srgbClr val="000000"/>
-              </a:buClr>
-              <a:buFont typeface="Arial"/>
-              <a:buChar char="•"/>
-            </a:pPr>
-            <a:r>
-              <a:rPr lang="it-IT" sz="1410" b="0" strike="noStrike" spc="-1">
-                <a:solidFill>
-                  <a:srgbClr val="000000"/>
-                </a:solidFill>
-                <a:latin typeface="Calibri"/>
-              </a:rPr>
-              <a:t>Da kelp c’è </a:t>
-            </a:r>
-            <a:r>
-              <a:rPr lang="it-IT" sz="1410" b="0" u="sng" strike="noStrike" spc="-1">
-                <a:solidFill>
-                  <a:srgbClr val="0563C1"/>
-                </a:solidFill>
-                <a:uFillTx/>
-                <a:latin typeface="Calibri"/>
-                <a:hlinkClick r:id="rId2"/>
-              </a:rPr>
-              <a:t>LexicalStructureElementSimilarity</a:t>
-            </a:r>
-            <a:r>
-              <a:rPr lang="it-IT" sz="1410" b="0" strike="noStrike" spc="-1">
-                <a:solidFill>
-                  <a:srgbClr val="000000"/>
-                </a:solidFill>
-                <a:latin typeface="Calibri"/>
-              </a:rPr>
-              <a:t>  che basa la similarità su word embedding</a:t>
-            </a:r>
-            <a:endParaRPr lang="it-IT" sz="1410" b="0" strike="noStrike" spc="-1">
-              <a:solidFill>
-                <a:srgbClr val="000000"/>
-              </a:solidFill>
-              <a:latin typeface="Arial"/>
-            </a:endParaRPr>
-          </a:p>
-          <a:p>
-            <a:pPr>
-              <a:lnSpc>
-                <a:spcPct val="100000"/>
-              </a:lnSpc>
-            </a:pPr>
-            <a:endParaRPr lang="it-IT" sz="1410" b="0" strike="noStrike" spc="-1">
-              <a:solidFill>
-                <a:srgbClr val="000000"/>
-              </a:solidFill>
-              <a:latin typeface="Arial"/>
-            </a:endParaRPr>
-          </a:p>
-          <a:p>
-            <a:pPr>
-              <a:lnSpc>
-                <a:spcPct val="100000"/>
-              </a:lnSpc>
-            </a:pPr>
-            <a:endParaRPr lang="it-IT" sz="1410" b="0" strike="noStrike" spc="-1">
-              <a:solidFill>
-                <a:srgbClr val="000000"/>
-              </a:solidFill>
-              <a:latin typeface="Arial"/>
-            </a:endParaRPr>
-          </a:p>
-        </p:txBody>
-      </p:sp>
-    </p:spTree>
-  </p:cSld>
-  <p:clrMapOvr>
-    <a:masterClrMapping/>
-  </p:clrMapOvr>
-</p:sld>
-</file>
-
-<file path=ppt/slides/slide49.xml><?xml version="1.0" encoding="utf-8"?>
-<p:sld xmlns:a="http://schemas.openxmlformats.org/drawingml/2006/main" xmlns:r="http://schemas.openxmlformats.org/officeDocument/2006/relationships" xmlns:p="http://schemas.openxmlformats.org/presentationml/2006/main">
-  <p:cSld>
-    <p:bg>
-      <p:bgPr>
-        <a:solidFill>
-          <a:srgbClr val="FFFFFF"/>
-        </a:solidFill>
-        <a:effectLst/>
-      </p:bgPr>
-    </p:bg>
-    <p:spTree>
-      <p:nvGrpSpPr>
-        <p:cNvPr id="1" name=""/>
-        <p:cNvGrpSpPr/>
-        <p:nvPr/>
-      </p:nvGrpSpPr>
-      <p:grpSpPr>
-        <a:xfrm>
-          <a:off x="0" y="0"/>
-          <a:ext cx="0" cy="0"/>
-          <a:chOff x="0" y="0"/>
-          <a:chExt cx="0" cy="0"/>
-        </a:xfrm>
-      </p:grpSpPr>
-      <p:sp useBgFill="1">
-        <p:nvSpPr>
-          <p:cNvPr id="775" name="Rectangle 7"/>
-          <p:cNvSpPr/>
-          <p:nvPr/>
-        </p:nvSpPr>
-        <p:spPr>
-          <a:xfrm>
-            <a:off x="0" y="0"/>
-            <a:ext cx="12191760" cy="6857640"/>
-          </a:xfrm>
-          <a:prstGeom prst="rect">
-            <a:avLst/>
-          </a:prstGeom>
-          <a:ln>
-            <a:noFill/>
-          </a:ln>
-        </p:spPr>
-        <p:style>
-          <a:lnRef idx="2">
-            <a:schemeClr val="accent1">
-              <a:shade val="50000"/>
-            </a:schemeClr>
-          </a:lnRef>
-          <a:fillRef idx="1">
-            <a:schemeClr val="accent1"/>
-          </a:fillRef>
-          <a:effectRef idx="0">
-            <a:schemeClr val="accent1"/>
-          </a:effectRef>
-          <a:fontRef idx="minor"/>
-        </p:style>
-        <p:txBody>
-          <a:bodyPr lIns="90000" tIns="45000" rIns="90000" bIns="45000" anchor="ctr">
-            <a:noAutofit/>
-          </a:bodyPr>
-          <a:lstStyle/>
-          <a:p>
-            <a:pPr algn="ctr">
-              <a:lnSpc>
-                <a:spcPct val="100000"/>
-              </a:lnSpc>
-            </a:pPr>
-            <a:endParaRPr lang="en-US" sz="1410" b="0" strike="noStrike" spc="-1">
-              <a:solidFill>
-                <a:schemeClr val="lt1"/>
-              </a:solidFill>
-              <a:latin typeface="Calibri"/>
-            </a:endParaRPr>
-          </a:p>
-        </p:txBody>
-      </p:sp>
-      <p:sp>
-        <p:nvSpPr>
-          <p:cNvPr id="776" name="Rectangle 9"/>
-          <p:cNvSpPr/>
-          <p:nvPr/>
-        </p:nvSpPr>
-        <p:spPr>
-          <a:xfrm flipH="1">
-            <a:off x="0" y="0"/>
-            <a:ext cx="12191760" cy="1590480"/>
-          </a:xfrm>
-          <a:prstGeom prst="rect">
-            <a:avLst/>
-          </a:prstGeom>
-          <a:gradFill rotWithShape="0">
-            <a:gsLst>
-              <a:gs pos="0">
-                <a:srgbClr val="000000"/>
-              </a:gs>
-              <a:gs pos="100000">
-                <a:srgbClr val="2F5597"/>
-              </a:gs>
-            </a:gsLst>
-            <a:lin ang="2400000"/>
-          </a:gradFill>
-          <a:ln>
-            <a:noFill/>
-          </a:ln>
-        </p:spPr>
-        <p:style>
-          <a:lnRef idx="2">
-            <a:schemeClr val="accent1">
-              <a:shade val="50000"/>
-            </a:schemeClr>
-          </a:lnRef>
-          <a:fillRef idx="1">
-            <a:schemeClr val="accent1"/>
-          </a:fillRef>
-          <a:effectRef idx="0">
-            <a:schemeClr val="accent1"/>
-          </a:effectRef>
-          <a:fontRef idx="minor"/>
-        </p:style>
-        <p:txBody>
-          <a:bodyPr lIns="90000" tIns="45000" rIns="90000" bIns="45000" anchor="ctr">
-            <a:noAutofit/>
-          </a:bodyPr>
-          <a:lstStyle/>
-          <a:p>
-            <a:pPr algn="ctr">
-              <a:lnSpc>
-                <a:spcPct val="100000"/>
-              </a:lnSpc>
-            </a:pPr>
-            <a:endParaRPr lang="en-US" sz="1410" b="0" strike="noStrike" spc="-1">
-              <a:solidFill>
-                <a:schemeClr val="lt1"/>
-              </a:solidFill>
-              <a:latin typeface="Calibri"/>
-            </a:endParaRPr>
-          </a:p>
-        </p:txBody>
-      </p:sp>
-      <p:sp>
-        <p:nvSpPr>
-          <p:cNvPr id="777" name="Rectangle 11"/>
-          <p:cNvSpPr/>
-          <p:nvPr/>
-        </p:nvSpPr>
-        <p:spPr>
-          <a:xfrm rot="10800000" flipH="1">
-            <a:off x="360" y="360"/>
-            <a:ext cx="8115120" cy="1590480"/>
-          </a:xfrm>
-          <a:prstGeom prst="rect">
-            <a:avLst/>
-          </a:prstGeom>
-          <a:gradFill rotWithShape="0">
-            <a:gsLst>
-              <a:gs pos="20000">
-                <a:srgbClr val="4472C4">
-                  <a:alpha val="0"/>
-                </a:srgbClr>
-              </a:gs>
-              <a:gs pos="100000">
-                <a:srgbClr val="203864">
-                  <a:alpha val="55294"/>
-                </a:srgbClr>
-              </a:gs>
-            </a:gsLst>
-            <a:lin ang="7800000"/>
-          </a:gradFill>
-          <a:ln>
-            <a:noFill/>
-          </a:ln>
-        </p:spPr>
-        <p:style>
-          <a:lnRef idx="2">
-            <a:schemeClr val="accent1">
-              <a:shade val="50000"/>
-            </a:schemeClr>
-          </a:lnRef>
-          <a:fillRef idx="1">
-            <a:schemeClr val="accent1"/>
-          </a:fillRef>
-          <a:effectRef idx="0">
-            <a:schemeClr val="accent1"/>
-          </a:effectRef>
-          <a:fontRef idx="minor"/>
-        </p:style>
-        <p:txBody>
-          <a:bodyPr lIns="90000" tIns="45000" rIns="90000" bIns="45000" anchor="ctr">
-            <a:noAutofit/>
-          </a:bodyPr>
-          <a:lstStyle/>
-          <a:p>
-            <a:pPr algn="ctr">
-              <a:lnSpc>
-                <a:spcPct val="100000"/>
-              </a:lnSpc>
-            </a:pPr>
-            <a:endParaRPr lang="en-US" sz="1410" b="0" strike="noStrike" spc="-1">
-              <a:solidFill>
-                <a:schemeClr val="lt1"/>
-              </a:solidFill>
-              <a:latin typeface="Calibri"/>
-            </a:endParaRPr>
-          </a:p>
-        </p:txBody>
-      </p:sp>
-      <p:sp>
-        <p:nvSpPr>
-          <p:cNvPr id="778" name="Rectangle 13"/>
-          <p:cNvSpPr/>
-          <p:nvPr/>
-        </p:nvSpPr>
-        <p:spPr>
-          <a:xfrm flipH="1">
-            <a:off x="8114400" y="0"/>
-            <a:ext cx="4076280" cy="1590480"/>
-          </a:xfrm>
-          <a:prstGeom prst="rect">
-            <a:avLst/>
-          </a:prstGeom>
-          <a:gradFill rotWithShape="0">
-            <a:gsLst>
-              <a:gs pos="0">
-                <a:srgbClr val="4472C4">
-                  <a:alpha val="66274"/>
-                </a:srgbClr>
-              </a:gs>
-              <a:gs pos="100000">
-                <a:srgbClr val="000000">
-                  <a:alpha val="30196"/>
-                </a:srgbClr>
-              </a:gs>
-            </a:gsLst>
-            <a:lin ang="19200000"/>
-          </a:gradFill>
-          <a:ln>
-            <a:noFill/>
-          </a:ln>
-        </p:spPr>
-        <p:style>
-          <a:lnRef idx="2">
-            <a:schemeClr val="accent1">
-              <a:shade val="50000"/>
-            </a:schemeClr>
-          </a:lnRef>
-          <a:fillRef idx="1">
-            <a:schemeClr val="accent1"/>
-          </a:fillRef>
-          <a:effectRef idx="0">
-            <a:schemeClr val="accent1"/>
-          </a:effectRef>
-          <a:fontRef idx="minor"/>
-        </p:style>
-        <p:txBody>
-          <a:bodyPr lIns="90000" tIns="45000" rIns="90000" bIns="45000" anchor="ctr">
-            <a:noAutofit/>
-          </a:bodyPr>
-          <a:lstStyle/>
-          <a:p>
-            <a:pPr algn="ctr">
-              <a:lnSpc>
-                <a:spcPct val="100000"/>
-              </a:lnSpc>
-            </a:pPr>
-            <a:endParaRPr lang="en-US" sz="1410" b="0" strike="noStrike" spc="-1">
-              <a:solidFill>
-                <a:schemeClr val="lt1"/>
-              </a:solidFill>
-              <a:latin typeface="Calibri"/>
-            </a:endParaRPr>
-          </a:p>
-        </p:txBody>
-      </p:sp>
-      <p:sp>
-        <p:nvSpPr>
-          <p:cNvPr id="779" name="Rectangle 15"/>
-          <p:cNvSpPr/>
-          <p:nvPr/>
-        </p:nvSpPr>
-        <p:spPr>
-          <a:xfrm>
-            <a:off x="459360" y="0"/>
-            <a:ext cx="11732400" cy="1596960"/>
-          </a:xfrm>
-          <a:prstGeom prst="rect">
-            <a:avLst/>
-          </a:prstGeom>
-          <a:gradFill rotWithShape="0">
-            <a:gsLst>
-              <a:gs pos="50000">
-                <a:srgbClr val="000000">
-                  <a:alpha val="0"/>
-                </a:srgbClr>
-              </a:gs>
-              <a:gs pos="100000">
-                <a:srgbClr val="203864">
-                  <a:alpha val="52156"/>
-                </a:srgbClr>
-              </a:gs>
-            </a:gsLst>
-            <a:lin ang="16800000"/>
-          </a:gradFill>
-          <a:ln>
-            <a:noFill/>
-          </a:ln>
-        </p:spPr>
-        <p:style>
-          <a:lnRef idx="2">
-            <a:schemeClr val="accent1">
-              <a:shade val="50000"/>
-            </a:schemeClr>
-          </a:lnRef>
-          <a:fillRef idx="1">
-            <a:schemeClr val="accent1"/>
-          </a:fillRef>
-          <a:effectRef idx="0">
-            <a:schemeClr val="accent1"/>
-          </a:effectRef>
-          <a:fontRef idx="minor"/>
-        </p:style>
-        <p:txBody>
-          <a:bodyPr lIns="90000" tIns="45000" rIns="90000" bIns="45000" anchor="ctr">
-            <a:noAutofit/>
-          </a:bodyPr>
-          <a:lstStyle/>
-          <a:p>
-            <a:pPr algn="ctr">
-              <a:lnSpc>
-                <a:spcPct val="100000"/>
-              </a:lnSpc>
-            </a:pPr>
-            <a:endParaRPr lang="en-US" sz="1410" b="0" strike="noStrike" spc="-1">
-              <a:solidFill>
-                <a:schemeClr val="lt1"/>
-              </a:solidFill>
-              <a:latin typeface="Calibri"/>
-            </a:endParaRPr>
-          </a:p>
-        </p:txBody>
-      </p:sp>
-      <p:sp>
-        <p:nvSpPr>
-          <p:cNvPr id="780" name="PlaceHolder 1"/>
-          <p:cNvSpPr>
-            <a:spLocks noGrp="1"/>
-          </p:cNvSpPr>
-          <p:nvPr>
-            <p:ph type="title"/>
-          </p:nvPr>
-        </p:nvSpPr>
-        <p:spPr>
-          <a:xfrm>
-            <a:off x="1371600" y="294480"/>
-            <a:ext cx="9895680" cy="1033200"/>
-          </a:xfrm>
-          <a:prstGeom prst="rect">
-            <a:avLst/>
-          </a:prstGeom>
-          <a:noFill/>
-          <a:ln w="0">
-            <a:noFill/>
-          </a:ln>
-        </p:spPr>
-        <p:txBody>
-          <a:bodyPr anchor="ctr">
-            <a:normAutofit/>
-          </a:bodyPr>
-          <a:lstStyle/>
-          <a:p>
-            <a:pPr indent="0">
-              <a:lnSpc>
-                <a:spcPct val="90000"/>
-              </a:lnSpc>
-              <a:buNone/>
-            </a:pPr>
-            <a:r>
-              <a:rPr lang="it-IT" sz="4000" b="0" strike="noStrike" spc="-1">
-                <a:solidFill>
-                  <a:srgbClr val="FFFFFF"/>
-                </a:solidFill>
-                <a:latin typeface="Calibri Light"/>
-              </a:rPr>
-              <a:t>Informazioni che ho su un nodo html</a:t>
-            </a:r>
-            <a:endParaRPr lang="it-IT" sz="4000" b="0" strike="noStrike" spc="-1">
-              <a:solidFill>
-                <a:srgbClr val="000000"/>
-              </a:solidFill>
-              <a:latin typeface="Calibri"/>
-            </a:endParaRPr>
-          </a:p>
-        </p:txBody>
-      </p:sp>
-      <p:sp>
-        <p:nvSpPr>
-          <p:cNvPr id="781" name="PlaceHolder 2"/>
-          <p:cNvSpPr>
-            <a:spLocks noGrp="1"/>
-          </p:cNvSpPr>
-          <p:nvPr>
-            <p:ph/>
-          </p:nvPr>
-        </p:nvSpPr>
-        <p:spPr>
-          <a:xfrm>
-            <a:off x="1371600" y="2238840"/>
-            <a:ext cx="9723600" cy="3762360"/>
-          </a:xfrm>
-          <a:prstGeom prst="rect">
-            <a:avLst/>
-          </a:prstGeom>
-          <a:noFill/>
-          <a:ln w="0">
-            <a:noFill/>
-          </a:ln>
-        </p:spPr>
-        <p:txBody>
-          <a:bodyPr anchor="ctr">
-            <a:normAutofit/>
-          </a:bodyPr>
-          <a:lstStyle/>
-          <a:p>
-            <a:pPr marL="228600" indent="-228600">
-              <a:lnSpc>
-                <a:spcPct val="90000"/>
-              </a:lnSpc>
-              <a:spcBef>
-                <a:spcPts val="1001"/>
-              </a:spcBef>
-              <a:buClr>
-                <a:srgbClr val="000000"/>
-              </a:buClr>
-              <a:buFont typeface="Arial"/>
-              <a:buChar char="•"/>
-            </a:pPr>
-            <a:r>
-              <a:rPr lang="it-IT" sz="2000" b="0" strike="noStrike" spc="-1">
-                <a:solidFill>
-                  <a:srgbClr val="000000"/>
-                </a:solidFill>
-                <a:latin typeface="Calibri"/>
-              </a:rPr>
-              <a:t>Tag html</a:t>
-            </a:r>
-          </a:p>
-          <a:p>
-            <a:pPr marL="228600" indent="-228600">
-              <a:lnSpc>
-                <a:spcPct val="90000"/>
-              </a:lnSpc>
-              <a:spcBef>
-                <a:spcPts val="1001"/>
-              </a:spcBef>
-              <a:buClr>
-                <a:srgbClr val="000000"/>
-              </a:buClr>
-              <a:buFont typeface="Arial"/>
-              <a:buChar char="•"/>
-            </a:pPr>
-            <a:r>
-              <a:rPr lang="it-IT" sz="2000" b="0" strike="noStrike" spc="-1">
-                <a:solidFill>
-                  <a:srgbClr val="000000"/>
-                </a:solidFill>
-                <a:latin typeface="Calibri"/>
-              </a:rPr>
-              <a:t>Attributi</a:t>
-            </a:r>
-          </a:p>
-          <a:p>
-            <a:pPr marL="685800" lvl="1" indent="-228600">
-              <a:lnSpc>
-                <a:spcPct val="90000"/>
-              </a:lnSpc>
-              <a:spcBef>
-                <a:spcPts val="499"/>
-              </a:spcBef>
-              <a:buClr>
-                <a:srgbClr val="000000"/>
-              </a:buClr>
-              <a:buFont typeface="Arial"/>
-              <a:buChar char="•"/>
-            </a:pPr>
-            <a:r>
-              <a:rPr lang="it-IT" sz="1600" b="0" strike="noStrike" spc="-1">
-                <a:solidFill>
-                  <a:srgbClr val="000000"/>
-                </a:solidFill>
-                <a:latin typeface="Calibri"/>
-              </a:rPr>
-              <a:t>Class, id, attributi di form (nome e type),</a:t>
-            </a:r>
-          </a:p>
-          <a:p>
-            <a:pPr marL="228600" indent="-228600">
-              <a:lnSpc>
-                <a:spcPct val="90000"/>
-              </a:lnSpc>
-              <a:spcBef>
-                <a:spcPts val="1001"/>
-              </a:spcBef>
-              <a:buClr>
-                <a:srgbClr val="000000"/>
-              </a:buClr>
-              <a:buFont typeface="Arial"/>
-              <a:buChar char="•"/>
-            </a:pPr>
-            <a:r>
-              <a:rPr lang="it-IT" sz="2000" b="0" strike="noStrike" spc="-1">
-                <a:solidFill>
-                  <a:srgbClr val="000000"/>
-                </a:solidFill>
-                <a:latin typeface="Calibri"/>
-              </a:rPr>
-              <a:t>Nodo padre</a:t>
-            </a:r>
-          </a:p>
-          <a:p>
-            <a:pPr marL="228600" indent="-228600">
-              <a:lnSpc>
-                <a:spcPct val="90000"/>
-              </a:lnSpc>
-              <a:spcBef>
-                <a:spcPts val="1001"/>
-              </a:spcBef>
-              <a:buClr>
-                <a:srgbClr val="000000"/>
-              </a:buClr>
-              <a:buFont typeface="Arial"/>
-              <a:buChar char="•"/>
-            </a:pPr>
-            <a:r>
-              <a:rPr lang="it-IT" sz="2000" b="0" strike="noStrike" spc="-1">
-                <a:solidFill>
-                  <a:srgbClr val="000000"/>
-                </a:solidFill>
-                <a:latin typeface="Calibri"/>
-              </a:rPr>
-              <a:t>Nodi figlio</a:t>
-            </a:r>
-          </a:p>
-          <a:p>
-            <a:pPr marL="228600" indent="-228600">
-              <a:lnSpc>
-                <a:spcPct val="90000"/>
-              </a:lnSpc>
-              <a:spcBef>
-                <a:spcPts val="1001"/>
-              </a:spcBef>
-              <a:buClr>
-                <a:srgbClr val="000000"/>
-              </a:buClr>
-              <a:buFont typeface="Arial"/>
-              <a:buChar char="•"/>
-            </a:pPr>
-            <a:r>
-              <a:rPr lang="it-IT" sz="2000" b="0" strike="noStrike" spc="-1">
-                <a:solidFill>
-                  <a:srgbClr val="000000"/>
-                </a:solidFill>
-                <a:latin typeface="Calibri"/>
-              </a:rPr>
-              <a:t>Contenuto testuale</a:t>
-            </a:r>
-          </a:p>
-          <a:p>
-            <a:pPr marL="228600" indent="-228600">
-              <a:lnSpc>
-                <a:spcPct val="90000"/>
-              </a:lnSpc>
-              <a:spcBef>
-                <a:spcPts val="1001"/>
-              </a:spcBef>
-              <a:buClr>
-                <a:srgbClr val="000000"/>
-              </a:buClr>
-              <a:buFont typeface="Arial"/>
-              <a:buChar char="•"/>
-            </a:pPr>
-            <a:r>
-              <a:rPr lang="it-IT" sz="2000" b="0" strike="noStrike" spc="-1">
-                <a:solidFill>
-                  <a:srgbClr val="000000"/>
-                </a:solidFill>
-                <a:latin typeface="Calibri"/>
-              </a:rPr>
-              <a:t>Profondità nell’albero</a:t>
-            </a:r>
-          </a:p>
-          <a:p>
-            <a:pPr marL="228600" indent="-228600">
-              <a:lnSpc>
-                <a:spcPct val="90000"/>
-              </a:lnSpc>
-              <a:spcBef>
-                <a:spcPts val="1001"/>
-              </a:spcBef>
-              <a:buClr>
-                <a:srgbClr val="000000"/>
-              </a:buClr>
-              <a:buFont typeface="Arial"/>
-              <a:buChar char="•"/>
-            </a:pPr>
-            <a:r>
-              <a:rPr lang="it-IT" sz="2000" b="0" strike="noStrike" spc="-1">
-                <a:solidFill>
-                  <a:srgbClr val="000000"/>
-                </a:solidFill>
-                <a:latin typeface="Calibri"/>
-              </a:rPr>
-              <a:t>Eventi javascript come onclick</a:t>
-            </a:r>
-          </a:p>
-          <a:p>
-            <a:pPr indent="0">
-              <a:lnSpc>
-                <a:spcPct val="90000"/>
-              </a:lnSpc>
-              <a:spcBef>
-                <a:spcPts val="1001"/>
-              </a:spcBef>
-              <a:buNone/>
-            </a:pPr>
-            <a:endParaRPr lang="it-IT" sz="2000" b="0" strike="noStrike" spc="-1">
-              <a:solidFill>
-                <a:srgbClr val="000000"/>
-              </a:solidFill>
-              <a:latin typeface="Calibri"/>
-            </a:endParaRPr>
-          </a:p>
-          <a:p>
-            <a:pPr indent="0">
-              <a:lnSpc>
-                <a:spcPct val="90000"/>
-              </a:lnSpc>
-              <a:spcBef>
-                <a:spcPts val="1001"/>
-              </a:spcBef>
-              <a:buNone/>
-            </a:pPr>
-            <a:endParaRPr lang="it-IT" sz="2000" b="0" strike="noStrike" spc="-1">
-              <a:solidFill>
-                <a:srgbClr val="000000"/>
-              </a:solidFill>
-              <a:latin typeface="Calibri"/>
-            </a:endParaRPr>
-          </a:p>
-          <a:p>
-            <a:pPr indent="0">
-              <a:lnSpc>
-                <a:spcPct val="90000"/>
-              </a:lnSpc>
-              <a:spcBef>
-                <a:spcPts val="1001"/>
-              </a:spcBef>
-              <a:buNone/>
-            </a:pPr>
-            <a:endParaRPr lang="it-IT" sz="2000" b="0" strike="noStrike" spc="-1">
-              <a:solidFill>
-                <a:srgbClr val="000000"/>
-              </a:solidFill>
-              <a:latin typeface="Calibri"/>
-            </a:endParaRPr>
-          </a:p>
-          <a:p>
-            <a:pPr indent="0">
-              <a:lnSpc>
-                <a:spcPct val="90000"/>
-              </a:lnSpc>
-              <a:spcBef>
-                <a:spcPts val="1001"/>
-              </a:spcBef>
-              <a:buNone/>
-            </a:pPr>
-            <a:endParaRPr lang="it-IT" sz="2000" b="0" strike="noStrike" spc="-1">
-              <a:solidFill>
-                <a:srgbClr val="000000"/>
-              </a:solidFill>
-              <a:latin typeface="Calibri"/>
             </a:endParaRPr>
           </a:p>
         </p:txBody>
@@ -40336,6 +43712,1265 @@
       </p:grpSpPr>
       <p:sp useBgFill="1">
         <p:nvSpPr>
+          <p:cNvPr id="768" name="Rectangle 7"/>
+          <p:cNvSpPr/>
+          <p:nvPr/>
+        </p:nvSpPr>
+        <p:spPr>
+          <a:xfrm>
+            <a:off x="0" y="0"/>
+            <a:ext cx="12191760" cy="6857640"/>
+          </a:xfrm>
+          <a:prstGeom prst="rect">
+            <a:avLst/>
+          </a:prstGeom>
+          <a:ln>
+            <a:noFill/>
+          </a:ln>
+        </p:spPr>
+        <p:style>
+          <a:lnRef idx="2">
+            <a:schemeClr val="accent1">
+              <a:shade val="50000"/>
+            </a:schemeClr>
+          </a:lnRef>
+          <a:fillRef idx="1">
+            <a:schemeClr val="accent1"/>
+          </a:fillRef>
+          <a:effectRef idx="0">
+            <a:schemeClr val="accent1"/>
+          </a:effectRef>
+          <a:fontRef idx="minor"/>
+        </p:style>
+        <p:txBody>
+          <a:bodyPr lIns="90000" tIns="45000" rIns="90000" bIns="45000" anchor="ctr">
+            <a:noAutofit/>
+          </a:bodyPr>
+          <a:lstStyle/>
+          <a:p>
+            <a:pPr algn="ctr">
+              <a:lnSpc>
+                <a:spcPct val="100000"/>
+              </a:lnSpc>
+            </a:pPr>
+            <a:endParaRPr lang="en-US" sz="1410" b="0" strike="noStrike" spc="-1">
+              <a:solidFill>
+                <a:schemeClr val="lt1"/>
+              </a:solidFill>
+              <a:latin typeface="Calibri"/>
+            </a:endParaRPr>
+          </a:p>
+        </p:txBody>
+      </p:sp>
+      <p:sp>
+        <p:nvSpPr>
+          <p:cNvPr id="769" name="Rectangle 9"/>
+          <p:cNvSpPr/>
+          <p:nvPr/>
+        </p:nvSpPr>
+        <p:spPr>
+          <a:xfrm flipH="1">
+            <a:off x="0" y="0"/>
+            <a:ext cx="12191760" cy="1590480"/>
+          </a:xfrm>
+          <a:prstGeom prst="rect">
+            <a:avLst/>
+          </a:prstGeom>
+          <a:gradFill rotWithShape="0">
+            <a:gsLst>
+              <a:gs pos="0">
+                <a:srgbClr val="000000"/>
+              </a:gs>
+              <a:gs pos="100000">
+                <a:srgbClr val="2F5597"/>
+              </a:gs>
+            </a:gsLst>
+            <a:lin ang="2400000"/>
+          </a:gradFill>
+          <a:ln>
+            <a:noFill/>
+          </a:ln>
+        </p:spPr>
+        <p:style>
+          <a:lnRef idx="2">
+            <a:schemeClr val="accent1">
+              <a:shade val="50000"/>
+            </a:schemeClr>
+          </a:lnRef>
+          <a:fillRef idx="1">
+            <a:schemeClr val="accent1"/>
+          </a:fillRef>
+          <a:effectRef idx="0">
+            <a:schemeClr val="accent1"/>
+          </a:effectRef>
+          <a:fontRef idx="minor"/>
+        </p:style>
+        <p:txBody>
+          <a:bodyPr lIns="90000" tIns="45000" rIns="90000" bIns="45000" anchor="ctr">
+            <a:noAutofit/>
+          </a:bodyPr>
+          <a:lstStyle/>
+          <a:p>
+            <a:pPr algn="ctr">
+              <a:lnSpc>
+                <a:spcPct val="100000"/>
+              </a:lnSpc>
+            </a:pPr>
+            <a:endParaRPr lang="en-US" sz="1410" b="0" strike="noStrike" spc="-1">
+              <a:solidFill>
+                <a:schemeClr val="lt1"/>
+              </a:solidFill>
+              <a:latin typeface="Calibri"/>
+            </a:endParaRPr>
+          </a:p>
+        </p:txBody>
+      </p:sp>
+      <p:sp>
+        <p:nvSpPr>
+          <p:cNvPr id="770" name="Rectangle 11"/>
+          <p:cNvSpPr/>
+          <p:nvPr/>
+        </p:nvSpPr>
+        <p:spPr>
+          <a:xfrm rot="10800000" flipH="1">
+            <a:off x="360" y="360"/>
+            <a:ext cx="8115120" cy="1590480"/>
+          </a:xfrm>
+          <a:prstGeom prst="rect">
+            <a:avLst/>
+          </a:prstGeom>
+          <a:gradFill rotWithShape="0">
+            <a:gsLst>
+              <a:gs pos="20000">
+                <a:srgbClr val="4472C4">
+                  <a:alpha val="0"/>
+                </a:srgbClr>
+              </a:gs>
+              <a:gs pos="100000">
+                <a:srgbClr val="203864">
+                  <a:alpha val="55294"/>
+                </a:srgbClr>
+              </a:gs>
+            </a:gsLst>
+            <a:lin ang="7800000"/>
+          </a:gradFill>
+          <a:ln>
+            <a:noFill/>
+          </a:ln>
+        </p:spPr>
+        <p:style>
+          <a:lnRef idx="2">
+            <a:schemeClr val="accent1">
+              <a:shade val="50000"/>
+            </a:schemeClr>
+          </a:lnRef>
+          <a:fillRef idx="1">
+            <a:schemeClr val="accent1"/>
+          </a:fillRef>
+          <a:effectRef idx="0">
+            <a:schemeClr val="accent1"/>
+          </a:effectRef>
+          <a:fontRef idx="minor"/>
+        </p:style>
+        <p:txBody>
+          <a:bodyPr lIns="90000" tIns="45000" rIns="90000" bIns="45000" anchor="ctr">
+            <a:noAutofit/>
+          </a:bodyPr>
+          <a:lstStyle/>
+          <a:p>
+            <a:pPr algn="ctr">
+              <a:lnSpc>
+                <a:spcPct val="100000"/>
+              </a:lnSpc>
+            </a:pPr>
+            <a:endParaRPr lang="en-US" sz="1410" b="0" strike="noStrike" spc="-1">
+              <a:solidFill>
+                <a:schemeClr val="lt1"/>
+              </a:solidFill>
+              <a:latin typeface="Calibri"/>
+            </a:endParaRPr>
+          </a:p>
+        </p:txBody>
+      </p:sp>
+      <p:sp>
+        <p:nvSpPr>
+          <p:cNvPr id="771" name="Rectangle 13"/>
+          <p:cNvSpPr/>
+          <p:nvPr/>
+        </p:nvSpPr>
+        <p:spPr>
+          <a:xfrm flipH="1">
+            <a:off x="8114400" y="0"/>
+            <a:ext cx="4076280" cy="1590480"/>
+          </a:xfrm>
+          <a:prstGeom prst="rect">
+            <a:avLst/>
+          </a:prstGeom>
+          <a:gradFill rotWithShape="0">
+            <a:gsLst>
+              <a:gs pos="0">
+                <a:srgbClr val="4472C4">
+                  <a:alpha val="66274"/>
+                </a:srgbClr>
+              </a:gs>
+              <a:gs pos="100000">
+                <a:srgbClr val="000000">
+                  <a:alpha val="30196"/>
+                </a:srgbClr>
+              </a:gs>
+            </a:gsLst>
+            <a:lin ang="19200000"/>
+          </a:gradFill>
+          <a:ln>
+            <a:noFill/>
+          </a:ln>
+        </p:spPr>
+        <p:style>
+          <a:lnRef idx="2">
+            <a:schemeClr val="accent1">
+              <a:shade val="50000"/>
+            </a:schemeClr>
+          </a:lnRef>
+          <a:fillRef idx="1">
+            <a:schemeClr val="accent1"/>
+          </a:fillRef>
+          <a:effectRef idx="0">
+            <a:schemeClr val="accent1"/>
+          </a:effectRef>
+          <a:fontRef idx="minor"/>
+        </p:style>
+        <p:txBody>
+          <a:bodyPr lIns="90000" tIns="45000" rIns="90000" bIns="45000" anchor="ctr">
+            <a:noAutofit/>
+          </a:bodyPr>
+          <a:lstStyle/>
+          <a:p>
+            <a:pPr algn="ctr">
+              <a:lnSpc>
+                <a:spcPct val="100000"/>
+              </a:lnSpc>
+            </a:pPr>
+            <a:endParaRPr lang="en-US" sz="1410" b="0" strike="noStrike" spc="-1">
+              <a:solidFill>
+                <a:schemeClr val="lt1"/>
+              </a:solidFill>
+              <a:latin typeface="Calibri"/>
+            </a:endParaRPr>
+          </a:p>
+        </p:txBody>
+      </p:sp>
+      <p:sp>
+        <p:nvSpPr>
+          <p:cNvPr id="772" name="Rectangle 15"/>
+          <p:cNvSpPr/>
+          <p:nvPr/>
+        </p:nvSpPr>
+        <p:spPr>
+          <a:xfrm>
+            <a:off x="459360" y="0"/>
+            <a:ext cx="11732400" cy="1596960"/>
+          </a:xfrm>
+          <a:prstGeom prst="rect">
+            <a:avLst/>
+          </a:prstGeom>
+          <a:gradFill rotWithShape="0">
+            <a:gsLst>
+              <a:gs pos="50000">
+                <a:srgbClr val="000000">
+                  <a:alpha val="0"/>
+                </a:srgbClr>
+              </a:gs>
+              <a:gs pos="100000">
+                <a:srgbClr val="203864">
+                  <a:alpha val="52156"/>
+                </a:srgbClr>
+              </a:gs>
+            </a:gsLst>
+            <a:lin ang="16800000"/>
+          </a:gradFill>
+          <a:ln>
+            <a:noFill/>
+          </a:ln>
+        </p:spPr>
+        <p:style>
+          <a:lnRef idx="2">
+            <a:schemeClr val="accent1">
+              <a:shade val="50000"/>
+            </a:schemeClr>
+          </a:lnRef>
+          <a:fillRef idx="1">
+            <a:schemeClr val="accent1"/>
+          </a:fillRef>
+          <a:effectRef idx="0">
+            <a:schemeClr val="accent1"/>
+          </a:effectRef>
+          <a:fontRef idx="minor"/>
+        </p:style>
+        <p:txBody>
+          <a:bodyPr lIns="90000" tIns="45000" rIns="90000" bIns="45000" anchor="ctr">
+            <a:noAutofit/>
+          </a:bodyPr>
+          <a:lstStyle/>
+          <a:p>
+            <a:pPr algn="ctr">
+              <a:lnSpc>
+                <a:spcPct val="100000"/>
+              </a:lnSpc>
+            </a:pPr>
+            <a:endParaRPr lang="en-US" sz="1410" b="0" strike="noStrike" spc="-1">
+              <a:solidFill>
+                <a:schemeClr val="lt1"/>
+              </a:solidFill>
+              <a:latin typeface="Calibri"/>
+            </a:endParaRPr>
+          </a:p>
+        </p:txBody>
+      </p:sp>
+      <p:sp>
+        <p:nvSpPr>
+          <p:cNvPr id="773" name="PlaceHolder 1"/>
+          <p:cNvSpPr>
+            <a:spLocks noGrp="1"/>
+          </p:cNvSpPr>
+          <p:nvPr>
+            <p:ph type="title"/>
+          </p:nvPr>
+        </p:nvSpPr>
+        <p:spPr>
+          <a:xfrm>
+            <a:off x="1371600" y="294480"/>
+            <a:ext cx="9895680" cy="1033200"/>
+          </a:xfrm>
+          <a:prstGeom prst="rect">
+            <a:avLst/>
+          </a:prstGeom>
+          <a:noFill/>
+          <a:ln w="0">
+            <a:noFill/>
+          </a:ln>
+        </p:spPr>
+        <p:txBody>
+          <a:bodyPr anchor="ctr">
+            <a:normAutofit/>
+          </a:bodyPr>
+          <a:lstStyle/>
+          <a:p>
+            <a:pPr indent="0">
+              <a:lnSpc>
+                <a:spcPct val="90000"/>
+              </a:lnSpc>
+              <a:buNone/>
+            </a:pPr>
+            <a:r>
+              <a:rPr lang="it-IT" sz="4000" b="0" strike="noStrike" spc="-1">
+                <a:solidFill>
+                  <a:srgbClr val="FFFFFF"/>
+                </a:solidFill>
+                <a:latin typeface="Calibri Light"/>
+              </a:rPr>
+              <a:t>Altre similitudini – Analizzare testo</a:t>
+            </a:r>
+            <a:endParaRPr lang="it-IT" sz="4000" b="0" strike="noStrike" spc="-1">
+              <a:solidFill>
+                <a:srgbClr val="000000"/>
+              </a:solidFill>
+              <a:latin typeface="Calibri"/>
+            </a:endParaRPr>
+          </a:p>
+        </p:txBody>
+      </p:sp>
+      <p:sp>
+        <p:nvSpPr>
+          <p:cNvPr id="774" name="CasellaDiTesto 18"/>
+          <p:cNvSpPr/>
+          <p:nvPr/>
+        </p:nvSpPr>
+        <p:spPr>
+          <a:xfrm>
+            <a:off x="1066680" y="2100960"/>
+            <a:ext cx="10722240" cy="1160640"/>
+          </a:xfrm>
+          <a:prstGeom prst="rect">
+            <a:avLst/>
+          </a:prstGeom>
+          <a:noFill/>
+          <a:ln w="0">
+            <a:noFill/>
+          </a:ln>
+        </p:spPr>
+        <p:style>
+          <a:lnRef idx="0">
+            <a:scrgbClr r="0" g="0" b="0"/>
+          </a:lnRef>
+          <a:fillRef idx="0">
+            <a:scrgbClr r="0" g="0" b="0"/>
+          </a:fillRef>
+          <a:effectRef idx="0">
+            <a:scrgbClr r="0" g="0" b="0"/>
+          </a:effectRef>
+          <a:fontRef idx="minor"/>
+        </p:style>
+        <p:txBody>
+          <a:bodyPr lIns="90000" tIns="45000" rIns="90000" bIns="45000" anchor="t">
+            <a:spAutoFit/>
+          </a:bodyPr>
+          <a:lstStyle/>
+          <a:p>
+            <a:pPr marL="285840" indent="-285840">
+              <a:lnSpc>
+                <a:spcPct val="100000"/>
+              </a:lnSpc>
+              <a:buClr>
+                <a:srgbClr val="000000"/>
+              </a:buClr>
+              <a:buFont typeface="Arial"/>
+              <a:buChar char="•"/>
+            </a:pPr>
+            <a:r>
+              <a:rPr lang="it-IT" sz="1410" b="0" strike="noStrike" spc="-1">
+                <a:solidFill>
+                  <a:srgbClr val="000000"/>
+                </a:solidFill>
+                <a:latin typeface="Calibri"/>
+              </a:rPr>
+              <a:t>Già sono stati usati alcuni?</a:t>
+            </a:r>
+            <a:endParaRPr lang="it-IT" sz="1410" b="0" strike="noStrike" spc="-1">
+              <a:solidFill>
+                <a:srgbClr val="000000"/>
+              </a:solidFill>
+              <a:latin typeface="Arial"/>
+            </a:endParaRPr>
+          </a:p>
+          <a:p>
+            <a:pPr marL="285840" indent="-285840">
+              <a:lnSpc>
+                <a:spcPct val="100000"/>
+              </a:lnSpc>
+              <a:buClr>
+                <a:srgbClr val="000000"/>
+              </a:buClr>
+              <a:buFont typeface="Arial"/>
+              <a:buChar char="•"/>
+            </a:pPr>
+            <a:r>
+              <a:rPr lang="it-IT" sz="1410" b="0" strike="noStrike" spc="-1">
+                <a:solidFill>
+                  <a:srgbClr val="000000"/>
+                </a:solidFill>
+                <a:latin typeface="Calibri"/>
+              </a:rPr>
+              <a:t>Trovare dei pattern nel testo su cui basare la similarità (SSemantic Pattern Tree Kernels for Short-text Classification)</a:t>
+            </a:r>
+            <a:endParaRPr lang="it-IT" sz="1410" b="0" strike="noStrike" spc="-1">
+              <a:solidFill>
+                <a:srgbClr val="000000"/>
+              </a:solidFill>
+              <a:latin typeface="Arial"/>
+            </a:endParaRPr>
+          </a:p>
+          <a:p>
+            <a:pPr marL="285840" indent="-285840">
+              <a:lnSpc>
+                <a:spcPct val="100000"/>
+              </a:lnSpc>
+              <a:buClr>
+                <a:srgbClr val="000000"/>
+              </a:buClr>
+              <a:buFont typeface="Arial"/>
+              <a:buChar char="•"/>
+            </a:pPr>
+            <a:r>
+              <a:rPr lang="it-IT" sz="1410" b="0" strike="noStrike" spc="-1">
+                <a:solidFill>
+                  <a:srgbClr val="000000"/>
+                </a:solidFill>
+                <a:latin typeface="Calibri"/>
+              </a:rPr>
+              <a:t>Da kelp c’è </a:t>
+            </a:r>
+            <a:r>
+              <a:rPr lang="it-IT" sz="1410" b="0" u="sng" strike="noStrike" spc="-1">
+                <a:solidFill>
+                  <a:srgbClr val="0563C1"/>
+                </a:solidFill>
+                <a:uFillTx/>
+                <a:latin typeface="Calibri"/>
+                <a:hlinkClick r:id="rId2"/>
+              </a:rPr>
+              <a:t>LexicalStructureElementSimilarity</a:t>
+            </a:r>
+            <a:r>
+              <a:rPr lang="it-IT" sz="1410" b="0" strike="noStrike" spc="-1">
+                <a:solidFill>
+                  <a:srgbClr val="000000"/>
+                </a:solidFill>
+                <a:latin typeface="Calibri"/>
+              </a:rPr>
+              <a:t>  che basa la similarità su word embedding</a:t>
+            </a:r>
+            <a:endParaRPr lang="it-IT" sz="1410" b="0" strike="noStrike" spc="-1">
+              <a:solidFill>
+                <a:srgbClr val="000000"/>
+              </a:solidFill>
+              <a:latin typeface="Arial"/>
+            </a:endParaRPr>
+          </a:p>
+          <a:p>
+            <a:pPr>
+              <a:lnSpc>
+                <a:spcPct val="100000"/>
+              </a:lnSpc>
+            </a:pPr>
+            <a:endParaRPr lang="it-IT" sz="1410" b="0" strike="noStrike" spc="-1">
+              <a:solidFill>
+                <a:srgbClr val="000000"/>
+              </a:solidFill>
+              <a:latin typeface="Arial"/>
+            </a:endParaRPr>
+          </a:p>
+          <a:p>
+            <a:pPr>
+              <a:lnSpc>
+                <a:spcPct val="100000"/>
+              </a:lnSpc>
+            </a:pPr>
+            <a:endParaRPr lang="it-IT" sz="1410" b="0" strike="noStrike" spc="-1">
+              <a:solidFill>
+                <a:srgbClr val="000000"/>
+              </a:solidFill>
+              <a:latin typeface="Arial"/>
+            </a:endParaRPr>
+          </a:p>
+        </p:txBody>
+      </p:sp>
+    </p:spTree>
+  </p:cSld>
+  <p:clrMapOvr>
+    <a:masterClrMapping/>
+  </p:clrMapOvr>
+</p:sld>
+</file>
+
+<file path=ppt/slides/slide51.xml><?xml version="1.0" encoding="utf-8"?>
+<p:sld xmlns:a="http://schemas.openxmlformats.org/drawingml/2006/main" xmlns:r="http://schemas.openxmlformats.org/officeDocument/2006/relationships" xmlns:p="http://schemas.openxmlformats.org/presentationml/2006/main">
+  <p:cSld>
+    <p:bg>
+      <p:bgPr>
+        <a:solidFill>
+          <a:srgbClr val="FFFFFF"/>
+        </a:solidFill>
+        <a:effectLst/>
+      </p:bgPr>
+    </p:bg>
+    <p:spTree>
+      <p:nvGrpSpPr>
+        <p:cNvPr id="1" name=""/>
+        <p:cNvGrpSpPr/>
+        <p:nvPr/>
+      </p:nvGrpSpPr>
+      <p:grpSpPr>
+        <a:xfrm>
+          <a:off x="0" y="0"/>
+          <a:ext cx="0" cy="0"/>
+          <a:chOff x="0" y="0"/>
+          <a:chExt cx="0" cy="0"/>
+        </a:xfrm>
+      </p:grpSpPr>
+      <p:sp useBgFill="1">
+        <p:nvSpPr>
+          <p:cNvPr id="775" name="Rectangle 7"/>
+          <p:cNvSpPr/>
+          <p:nvPr/>
+        </p:nvSpPr>
+        <p:spPr>
+          <a:xfrm>
+            <a:off x="0" y="0"/>
+            <a:ext cx="12191760" cy="6857640"/>
+          </a:xfrm>
+          <a:prstGeom prst="rect">
+            <a:avLst/>
+          </a:prstGeom>
+          <a:ln>
+            <a:noFill/>
+          </a:ln>
+        </p:spPr>
+        <p:style>
+          <a:lnRef idx="2">
+            <a:schemeClr val="accent1">
+              <a:shade val="50000"/>
+            </a:schemeClr>
+          </a:lnRef>
+          <a:fillRef idx="1">
+            <a:schemeClr val="accent1"/>
+          </a:fillRef>
+          <a:effectRef idx="0">
+            <a:schemeClr val="accent1"/>
+          </a:effectRef>
+          <a:fontRef idx="minor"/>
+        </p:style>
+        <p:txBody>
+          <a:bodyPr lIns="90000" tIns="45000" rIns="90000" bIns="45000" anchor="ctr">
+            <a:noAutofit/>
+          </a:bodyPr>
+          <a:lstStyle/>
+          <a:p>
+            <a:pPr algn="ctr">
+              <a:lnSpc>
+                <a:spcPct val="100000"/>
+              </a:lnSpc>
+            </a:pPr>
+            <a:endParaRPr lang="en-US" sz="1410" b="0" strike="noStrike" spc="-1">
+              <a:solidFill>
+                <a:schemeClr val="lt1"/>
+              </a:solidFill>
+              <a:latin typeface="Calibri"/>
+            </a:endParaRPr>
+          </a:p>
+        </p:txBody>
+      </p:sp>
+      <p:sp>
+        <p:nvSpPr>
+          <p:cNvPr id="776" name="Rectangle 9"/>
+          <p:cNvSpPr/>
+          <p:nvPr/>
+        </p:nvSpPr>
+        <p:spPr>
+          <a:xfrm flipH="1">
+            <a:off x="0" y="0"/>
+            <a:ext cx="12191760" cy="1590480"/>
+          </a:xfrm>
+          <a:prstGeom prst="rect">
+            <a:avLst/>
+          </a:prstGeom>
+          <a:gradFill rotWithShape="0">
+            <a:gsLst>
+              <a:gs pos="0">
+                <a:srgbClr val="000000"/>
+              </a:gs>
+              <a:gs pos="100000">
+                <a:srgbClr val="2F5597"/>
+              </a:gs>
+            </a:gsLst>
+            <a:lin ang="2400000"/>
+          </a:gradFill>
+          <a:ln>
+            <a:noFill/>
+          </a:ln>
+        </p:spPr>
+        <p:style>
+          <a:lnRef idx="2">
+            <a:schemeClr val="accent1">
+              <a:shade val="50000"/>
+            </a:schemeClr>
+          </a:lnRef>
+          <a:fillRef idx="1">
+            <a:schemeClr val="accent1"/>
+          </a:fillRef>
+          <a:effectRef idx="0">
+            <a:schemeClr val="accent1"/>
+          </a:effectRef>
+          <a:fontRef idx="minor"/>
+        </p:style>
+        <p:txBody>
+          <a:bodyPr lIns="90000" tIns="45000" rIns="90000" bIns="45000" anchor="ctr">
+            <a:noAutofit/>
+          </a:bodyPr>
+          <a:lstStyle/>
+          <a:p>
+            <a:pPr algn="ctr">
+              <a:lnSpc>
+                <a:spcPct val="100000"/>
+              </a:lnSpc>
+            </a:pPr>
+            <a:endParaRPr lang="en-US" sz="1410" b="0" strike="noStrike" spc="-1">
+              <a:solidFill>
+                <a:schemeClr val="lt1"/>
+              </a:solidFill>
+              <a:latin typeface="Calibri"/>
+            </a:endParaRPr>
+          </a:p>
+        </p:txBody>
+      </p:sp>
+      <p:sp>
+        <p:nvSpPr>
+          <p:cNvPr id="777" name="Rectangle 11"/>
+          <p:cNvSpPr/>
+          <p:nvPr/>
+        </p:nvSpPr>
+        <p:spPr>
+          <a:xfrm rot="10800000" flipH="1">
+            <a:off x="360" y="360"/>
+            <a:ext cx="8115120" cy="1590480"/>
+          </a:xfrm>
+          <a:prstGeom prst="rect">
+            <a:avLst/>
+          </a:prstGeom>
+          <a:gradFill rotWithShape="0">
+            <a:gsLst>
+              <a:gs pos="20000">
+                <a:srgbClr val="4472C4">
+                  <a:alpha val="0"/>
+                </a:srgbClr>
+              </a:gs>
+              <a:gs pos="100000">
+                <a:srgbClr val="203864">
+                  <a:alpha val="55294"/>
+                </a:srgbClr>
+              </a:gs>
+            </a:gsLst>
+            <a:lin ang="7800000"/>
+          </a:gradFill>
+          <a:ln>
+            <a:noFill/>
+          </a:ln>
+        </p:spPr>
+        <p:style>
+          <a:lnRef idx="2">
+            <a:schemeClr val="accent1">
+              <a:shade val="50000"/>
+            </a:schemeClr>
+          </a:lnRef>
+          <a:fillRef idx="1">
+            <a:schemeClr val="accent1"/>
+          </a:fillRef>
+          <a:effectRef idx="0">
+            <a:schemeClr val="accent1"/>
+          </a:effectRef>
+          <a:fontRef idx="minor"/>
+        </p:style>
+        <p:txBody>
+          <a:bodyPr lIns="90000" tIns="45000" rIns="90000" bIns="45000" anchor="ctr">
+            <a:noAutofit/>
+          </a:bodyPr>
+          <a:lstStyle/>
+          <a:p>
+            <a:pPr algn="ctr">
+              <a:lnSpc>
+                <a:spcPct val="100000"/>
+              </a:lnSpc>
+            </a:pPr>
+            <a:endParaRPr lang="en-US" sz="1410" b="0" strike="noStrike" spc="-1">
+              <a:solidFill>
+                <a:schemeClr val="lt1"/>
+              </a:solidFill>
+              <a:latin typeface="Calibri"/>
+            </a:endParaRPr>
+          </a:p>
+        </p:txBody>
+      </p:sp>
+      <p:sp>
+        <p:nvSpPr>
+          <p:cNvPr id="778" name="Rectangle 13"/>
+          <p:cNvSpPr/>
+          <p:nvPr/>
+        </p:nvSpPr>
+        <p:spPr>
+          <a:xfrm flipH="1">
+            <a:off x="8114400" y="0"/>
+            <a:ext cx="4076280" cy="1590480"/>
+          </a:xfrm>
+          <a:prstGeom prst="rect">
+            <a:avLst/>
+          </a:prstGeom>
+          <a:gradFill rotWithShape="0">
+            <a:gsLst>
+              <a:gs pos="0">
+                <a:srgbClr val="4472C4">
+                  <a:alpha val="66274"/>
+                </a:srgbClr>
+              </a:gs>
+              <a:gs pos="100000">
+                <a:srgbClr val="000000">
+                  <a:alpha val="30196"/>
+                </a:srgbClr>
+              </a:gs>
+            </a:gsLst>
+            <a:lin ang="19200000"/>
+          </a:gradFill>
+          <a:ln>
+            <a:noFill/>
+          </a:ln>
+        </p:spPr>
+        <p:style>
+          <a:lnRef idx="2">
+            <a:schemeClr val="accent1">
+              <a:shade val="50000"/>
+            </a:schemeClr>
+          </a:lnRef>
+          <a:fillRef idx="1">
+            <a:schemeClr val="accent1"/>
+          </a:fillRef>
+          <a:effectRef idx="0">
+            <a:schemeClr val="accent1"/>
+          </a:effectRef>
+          <a:fontRef idx="minor"/>
+        </p:style>
+        <p:txBody>
+          <a:bodyPr lIns="90000" tIns="45000" rIns="90000" bIns="45000" anchor="ctr">
+            <a:noAutofit/>
+          </a:bodyPr>
+          <a:lstStyle/>
+          <a:p>
+            <a:pPr algn="ctr">
+              <a:lnSpc>
+                <a:spcPct val="100000"/>
+              </a:lnSpc>
+            </a:pPr>
+            <a:endParaRPr lang="en-US" sz="1410" b="0" strike="noStrike" spc="-1">
+              <a:solidFill>
+                <a:schemeClr val="lt1"/>
+              </a:solidFill>
+              <a:latin typeface="Calibri"/>
+            </a:endParaRPr>
+          </a:p>
+        </p:txBody>
+      </p:sp>
+      <p:sp>
+        <p:nvSpPr>
+          <p:cNvPr id="779" name="Rectangle 15"/>
+          <p:cNvSpPr/>
+          <p:nvPr/>
+        </p:nvSpPr>
+        <p:spPr>
+          <a:xfrm>
+            <a:off x="459360" y="0"/>
+            <a:ext cx="11732400" cy="1596960"/>
+          </a:xfrm>
+          <a:prstGeom prst="rect">
+            <a:avLst/>
+          </a:prstGeom>
+          <a:gradFill rotWithShape="0">
+            <a:gsLst>
+              <a:gs pos="50000">
+                <a:srgbClr val="000000">
+                  <a:alpha val="0"/>
+                </a:srgbClr>
+              </a:gs>
+              <a:gs pos="100000">
+                <a:srgbClr val="203864">
+                  <a:alpha val="52156"/>
+                </a:srgbClr>
+              </a:gs>
+            </a:gsLst>
+            <a:lin ang="16800000"/>
+          </a:gradFill>
+          <a:ln>
+            <a:noFill/>
+          </a:ln>
+        </p:spPr>
+        <p:style>
+          <a:lnRef idx="2">
+            <a:schemeClr val="accent1">
+              <a:shade val="50000"/>
+            </a:schemeClr>
+          </a:lnRef>
+          <a:fillRef idx="1">
+            <a:schemeClr val="accent1"/>
+          </a:fillRef>
+          <a:effectRef idx="0">
+            <a:schemeClr val="accent1"/>
+          </a:effectRef>
+          <a:fontRef idx="minor"/>
+        </p:style>
+        <p:txBody>
+          <a:bodyPr lIns="90000" tIns="45000" rIns="90000" bIns="45000" anchor="ctr">
+            <a:noAutofit/>
+          </a:bodyPr>
+          <a:lstStyle/>
+          <a:p>
+            <a:pPr algn="ctr">
+              <a:lnSpc>
+                <a:spcPct val="100000"/>
+              </a:lnSpc>
+            </a:pPr>
+            <a:endParaRPr lang="en-US" sz="1410" b="0" strike="noStrike" spc="-1">
+              <a:solidFill>
+                <a:schemeClr val="lt1"/>
+              </a:solidFill>
+              <a:latin typeface="Calibri"/>
+            </a:endParaRPr>
+          </a:p>
+        </p:txBody>
+      </p:sp>
+      <p:sp>
+        <p:nvSpPr>
+          <p:cNvPr id="780" name="PlaceHolder 1"/>
+          <p:cNvSpPr>
+            <a:spLocks noGrp="1"/>
+          </p:cNvSpPr>
+          <p:nvPr>
+            <p:ph type="title"/>
+          </p:nvPr>
+        </p:nvSpPr>
+        <p:spPr>
+          <a:xfrm>
+            <a:off x="1371600" y="294480"/>
+            <a:ext cx="9895680" cy="1033200"/>
+          </a:xfrm>
+          <a:prstGeom prst="rect">
+            <a:avLst/>
+          </a:prstGeom>
+          <a:noFill/>
+          <a:ln w="0">
+            <a:noFill/>
+          </a:ln>
+        </p:spPr>
+        <p:txBody>
+          <a:bodyPr anchor="ctr">
+            <a:normAutofit/>
+          </a:bodyPr>
+          <a:lstStyle/>
+          <a:p>
+            <a:pPr indent="0">
+              <a:lnSpc>
+                <a:spcPct val="90000"/>
+              </a:lnSpc>
+              <a:buNone/>
+            </a:pPr>
+            <a:r>
+              <a:rPr lang="it-IT" sz="4000" b="0" strike="noStrike" spc="-1">
+                <a:solidFill>
+                  <a:srgbClr val="FFFFFF"/>
+                </a:solidFill>
+                <a:latin typeface="Calibri Light"/>
+              </a:rPr>
+              <a:t>Informazioni che ho su un nodo html</a:t>
+            </a:r>
+            <a:endParaRPr lang="it-IT" sz="4000" b="0" strike="noStrike" spc="-1">
+              <a:solidFill>
+                <a:srgbClr val="000000"/>
+              </a:solidFill>
+              <a:latin typeface="Calibri"/>
+            </a:endParaRPr>
+          </a:p>
+        </p:txBody>
+      </p:sp>
+      <p:sp>
+        <p:nvSpPr>
+          <p:cNvPr id="781" name="PlaceHolder 2"/>
+          <p:cNvSpPr>
+            <a:spLocks noGrp="1"/>
+          </p:cNvSpPr>
+          <p:nvPr>
+            <p:ph/>
+          </p:nvPr>
+        </p:nvSpPr>
+        <p:spPr>
+          <a:xfrm>
+            <a:off x="1371600" y="2238840"/>
+            <a:ext cx="9723600" cy="3762360"/>
+          </a:xfrm>
+          <a:prstGeom prst="rect">
+            <a:avLst/>
+          </a:prstGeom>
+          <a:noFill/>
+          <a:ln w="0">
+            <a:noFill/>
+          </a:ln>
+        </p:spPr>
+        <p:txBody>
+          <a:bodyPr anchor="ctr">
+            <a:normAutofit/>
+          </a:bodyPr>
+          <a:lstStyle/>
+          <a:p>
+            <a:pPr marL="228600" indent="-228600">
+              <a:lnSpc>
+                <a:spcPct val="90000"/>
+              </a:lnSpc>
+              <a:spcBef>
+                <a:spcPts val="1001"/>
+              </a:spcBef>
+              <a:buClr>
+                <a:srgbClr val="000000"/>
+              </a:buClr>
+              <a:buFont typeface="Arial"/>
+              <a:buChar char="•"/>
+            </a:pPr>
+            <a:r>
+              <a:rPr lang="it-IT" sz="2000" b="0" strike="noStrike" spc="-1">
+                <a:solidFill>
+                  <a:srgbClr val="000000"/>
+                </a:solidFill>
+                <a:latin typeface="Calibri"/>
+              </a:rPr>
+              <a:t>Tag html</a:t>
+            </a:r>
+          </a:p>
+          <a:p>
+            <a:pPr marL="228600" indent="-228600">
+              <a:lnSpc>
+                <a:spcPct val="90000"/>
+              </a:lnSpc>
+              <a:spcBef>
+                <a:spcPts val="1001"/>
+              </a:spcBef>
+              <a:buClr>
+                <a:srgbClr val="000000"/>
+              </a:buClr>
+              <a:buFont typeface="Arial"/>
+              <a:buChar char="•"/>
+            </a:pPr>
+            <a:r>
+              <a:rPr lang="it-IT" sz="2000" b="0" strike="noStrike" spc="-1">
+                <a:solidFill>
+                  <a:srgbClr val="000000"/>
+                </a:solidFill>
+                <a:latin typeface="Calibri"/>
+              </a:rPr>
+              <a:t>Attributi</a:t>
+            </a:r>
+          </a:p>
+          <a:p>
+            <a:pPr marL="685800" lvl="1" indent="-228600">
+              <a:lnSpc>
+                <a:spcPct val="90000"/>
+              </a:lnSpc>
+              <a:spcBef>
+                <a:spcPts val="499"/>
+              </a:spcBef>
+              <a:buClr>
+                <a:srgbClr val="000000"/>
+              </a:buClr>
+              <a:buFont typeface="Arial"/>
+              <a:buChar char="•"/>
+            </a:pPr>
+            <a:r>
+              <a:rPr lang="it-IT" sz="1600" b="0" strike="noStrike" spc="-1">
+                <a:solidFill>
+                  <a:srgbClr val="000000"/>
+                </a:solidFill>
+                <a:latin typeface="Calibri"/>
+              </a:rPr>
+              <a:t>Class, id, attributi di form (nome e type),</a:t>
+            </a:r>
+          </a:p>
+          <a:p>
+            <a:pPr marL="228600" indent="-228600">
+              <a:lnSpc>
+                <a:spcPct val="90000"/>
+              </a:lnSpc>
+              <a:spcBef>
+                <a:spcPts val="1001"/>
+              </a:spcBef>
+              <a:buClr>
+                <a:srgbClr val="000000"/>
+              </a:buClr>
+              <a:buFont typeface="Arial"/>
+              <a:buChar char="•"/>
+            </a:pPr>
+            <a:r>
+              <a:rPr lang="it-IT" sz="2000" b="0" strike="noStrike" spc="-1">
+                <a:solidFill>
+                  <a:srgbClr val="000000"/>
+                </a:solidFill>
+                <a:latin typeface="Calibri"/>
+              </a:rPr>
+              <a:t>Nodo padre</a:t>
+            </a:r>
+          </a:p>
+          <a:p>
+            <a:pPr marL="228600" indent="-228600">
+              <a:lnSpc>
+                <a:spcPct val="90000"/>
+              </a:lnSpc>
+              <a:spcBef>
+                <a:spcPts val="1001"/>
+              </a:spcBef>
+              <a:buClr>
+                <a:srgbClr val="000000"/>
+              </a:buClr>
+              <a:buFont typeface="Arial"/>
+              <a:buChar char="•"/>
+            </a:pPr>
+            <a:r>
+              <a:rPr lang="it-IT" sz="2000" b="0" strike="noStrike" spc="-1">
+                <a:solidFill>
+                  <a:srgbClr val="000000"/>
+                </a:solidFill>
+                <a:latin typeface="Calibri"/>
+              </a:rPr>
+              <a:t>Nodi figlio</a:t>
+            </a:r>
+          </a:p>
+          <a:p>
+            <a:pPr marL="228600" indent="-228600">
+              <a:lnSpc>
+                <a:spcPct val="90000"/>
+              </a:lnSpc>
+              <a:spcBef>
+                <a:spcPts val="1001"/>
+              </a:spcBef>
+              <a:buClr>
+                <a:srgbClr val="000000"/>
+              </a:buClr>
+              <a:buFont typeface="Arial"/>
+              <a:buChar char="•"/>
+            </a:pPr>
+            <a:r>
+              <a:rPr lang="it-IT" sz="2000" b="0" strike="noStrike" spc="-1">
+                <a:solidFill>
+                  <a:srgbClr val="000000"/>
+                </a:solidFill>
+                <a:latin typeface="Calibri"/>
+              </a:rPr>
+              <a:t>Contenuto testuale</a:t>
+            </a:r>
+          </a:p>
+          <a:p>
+            <a:pPr marL="228600" indent="-228600">
+              <a:lnSpc>
+                <a:spcPct val="90000"/>
+              </a:lnSpc>
+              <a:spcBef>
+                <a:spcPts val="1001"/>
+              </a:spcBef>
+              <a:buClr>
+                <a:srgbClr val="000000"/>
+              </a:buClr>
+              <a:buFont typeface="Arial"/>
+              <a:buChar char="•"/>
+            </a:pPr>
+            <a:r>
+              <a:rPr lang="it-IT" sz="2000" b="0" strike="noStrike" spc="-1">
+                <a:solidFill>
+                  <a:srgbClr val="000000"/>
+                </a:solidFill>
+                <a:latin typeface="Calibri"/>
+              </a:rPr>
+              <a:t>Profondità nell’albero</a:t>
+            </a:r>
+          </a:p>
+          <a:p>
+            <a:pPr marL="228600" indent="-228600">
+              <a:lnSpc>
+                <a:spcPct val="90000"/>
+              </a:lnSpc>
+              <a:spcBef>
+                <a:spcPts val="1001"/>
+              </a:spcBef>
+              <a:buClr>
+                <a:srgbClr val="000000"/>
+              </a:buClr>
+              <a:buFont typeface="Arial"/>
+              <a:buChar char="•"/>
+            </a:pPr>
+            <a:r>
+              <a:rPr lang="it-IT" sz="2000" b="0" strike="noStrike" spc="-1">
+                <a:solidFill>
+                  <a:srgbClr val="000000"/>
+                </a:solidFill>
+                <a:latin typeface="Calibri"/>
+              </a:rPr>
+              <a:t>Eventi javascript come onclick</a:t>
+            </a:r>
+          </a:p>
+          <a:p>
+            <a:pPr indent="0">
+              <a:lnSpc>
+                <a:spcPct val="90000"/>
+              </a:lnSpc>
+              <a:spcBef>
+                <a:spcPts val="1001"/>
+              </a:spcBef>
+              <a:buNone/>
+            </a:pPr>
+            <a:endParaRPr lang="it-IT" sz="2000" b="0" strike="noStrike" spc="-1">
+              <a:solidFill>
+                <a:srgbClr val="000000"/>
+              </a:solidFill>
+              <a:latin typeface="Calibri"/>
+            </a:endParaRPr>
+          </a:p>
+          <a:p>
+            <a:pPr indent="0">
+              <a:lnSpc>
+                <a:spcPct val="90000"/>
+              </a:lnSpc>
+              <a:spcBef>
+                <a:spcPts val="1001"/>
+              </a:spcBef>
+              <a:buNone/>
+            </a:pPr>
+            <a:endParaRPr lang="it-IT" sz="2000" b="0" strike="noStrike" spc="-1">
+              <a:solidFill>
+                <a:srgbClr val="000000"/>
+              </a:solidFill>
+              <a:latin typeface="Calibri"/>
+            </a:endParaRPr>
+          </a:p>
+          <a:p>
+            <a:pPr indent="0">
+              <a:lnSpc>
+                <a:spcPct val="90000"/>
+              </a:lnSpc>
+              <a:spcBef>
+                <a:spcPts val="1001"/>
+              </a:spcBef>
+              <a:buNone/>
+            </a:pPr>
+            <a:endParaRPr lang="it-IT" sz="2000" b="0" strike="noStrike" spc="-1">
+              <a:solidFill>
+                <a:srgbClr val="000000"/>
+              </a:solidFill>
+              <a:latin typeface="Calibri"/>
+            </a:endParaRPr>
+          </a:p>
+          <a:p>
+            <a:pPr indent="0">
+              <a:lnSpc>
+                <a:spcPct val="90000"/>
+              </a:lnSpc>
+              <a:spcBef>
+                <a:spcPts val="1001"/>
+              </a:spcBef>
+              <a:buNone/>
+            </a:pPr>
+            <a:endParaRPr lang="it-IT" sz="2000" b="0" strike="noStrike" spc="-1">
+              <a:solidFill>
+                <a:srgbClr val="000000"/>
+              </a:solidFill>
+              <a:latin typeface="Calibri"/>
+            </a:endParaRPr>
+          </a:p>
+        </p:txBody>
+      </p:sp>
+    </p:spTree>
+  </p:cSld>
+  <p:clrMapOvr>
+    <a:masterClrMapping/>
+  </p:clrMapOvr>
+</p:sld>
+</file>
+
+<file path=ppt/slides/slide52.xml><?xml version="1.0" encoding="utf-8"?>
+<p:sld xmlns:a="http://schemas.openxmlformats.org/drawingml/2006/main" xmlns:r="http://schemas.openxmlformats.org/officeDocument/2006/relationships" xmlns:p="http://schemas.openxmlformats.org/presentationml/2006/main">
+  <p:cSld>
+    <p:bg>
+      <p:bgPr>
+        <a:solidFill>
+          <a:srgbClr val="FFFFFF"/>
+        </a:solidFill>
+        <a:effectLst/>
+      </p:bgPr>
+    </p:bg>
+    <p:spTree>
+      <p:nvGrpSpPr>
+        <p:cNvPr id="1" name=""/>
+        <p:cNvGrpSpPr/>
+        <p:nvPr/>
+      </p:nvGrpSpPr>
+      <p:grpSpPr>
+        <a:xfrm>
+          <a:off x="0" y="0"/>
+          <a:ext cx="0" cy="0"/>
+          <a:chOff x="0" y="0"/>
+          <a:chExt cx="0" cy="0"/>
+        </a:xfrm>
+      </p:grpSpPr>
+      <p:sp useBgFill="1">
+        <p:nvSpPr>
           <p:cNvPr id="782" name="Rectangle 7"/>
           <p:cNvSpPr/>
           <p:nvPr/>
@@ -40977,7 +45612,7 @@
 </p:sld>
 </file>
 
-<file path=ppt/slides/slide51.xml><?xml version="1.0" encoding="utf-8"?>
+<file path=ppt/slides/slide53.xml><?xml version="1.0" encoding="utf-8"?>
 <p:sld xmlns:a="http://schemas.openxmlformats.org/drawingml/2006/main" xmlns:r="http://schemas.openxmlformats.org/officeDocument/2006/relationships" xmlns:p="http://schemas.openxmlformats.org/presentationml/2006/main">
   <p:cSld>
     <p:bg>
